--- a/public/A10poster.pptx
+++ b/public/A10poster.pptx
@@ -1,35 +1,35 @@
 
 <file path=ppt/presentation.xml><?xml version="1.0" encoding="utf-8"?>
-<p:presentation xmlns:a="http://schemas.openxmlformats.org/drawingml/2006/main" xmlns:r="http://schemas.openxmlformats.org/officeDocument/2006/relationships" xmlns:p="http://schemas.openxmlformats.org/presentationml/2006/main" strictFirstAndLastChars="0" embedTrueTypeFonts="1" saveSubsetFonts="1" autoCompressPictures="0">
+<p:presentation xmlns:a="http://schemas.openxmlformats.org/drawingml/2006/main" xmlns:r="http://schemas.openxmlformats.org/officeDocument/2006/relationships" xmlns:mc="http://schemas.openxmlformats.org/markup-compatibility/2006" xmlns:mv="urn:schemas-microsoft-com:mac:vml" xmlns:p="http://schemas.openxmlformats.org/presentationml/2006/main" xmlns:c="http://schemas.openxmlformats.org/drawingml/2006/chart" xmlns:dgm="http://schemas.openxmlformats.org/drawingml/2006/diagram" xmlns:o="urn:schemas-microsoft-com:office:office" xmlns:v="urn:schemas-microsoft-com:vml" xmlns:pvml="urn:schemas-microsoft-com:office:powerpoint" xmlns:com="http://schemas.openxmlformats.org/drawingml/2006/compatibility" xmlns:p14="http://schemas.microsoft.com/office/powerpoint/2010/main" xmlns:p15="http://schemas.microsoft.com/office/powerpoint/2012/main" xmlns:ahyp="http://schemas.microsoft.com/office/drawing/2018/hyperlinkcolor" autoCompressPictures="0" embedTrueTypeFonts="1" strictFirstAndLastChars="0" saveSubsetFonts="1">
   <p:sldMasterIdLst>
-    <p:sldMasterId id="2147483659" r:id="rId1"/>
+    <p:sldMasterId id="2147483659" r:id="rId4"/>
   </p:sldMasterIdLst>
   <p:notesMasterIdLst>
-    <p:notesMasterId r:id="rId3"/>
+    <p:notesMasterId r:id="rId5"/>
   </p:notesMasterIdLst>
   <p:sldIdLst>
-    <p:sldId id="256" r:id="rId2"/>
+    <p:sldId id="256" r:id="rId6"/>
   </p:sldIdLst>
-  <p:sldSz cx="25603200" cy="20116800"/>
+  <p:sldSz cy="20116800" cx="25603200"/>
   <p:notesSz cx="6858000" cy="9144000"/>
   <p:embeddedFontLst>
     <p:embeddedFont>
-      <p:font typeface="Poppins" panose="020B0502040204020203" pitchFamily="2" charset="0"/>
-      <p:regular r:id="rId4"/>
-      <p:bold r:id="rId5"/>
-      <p:italic r:id="rId6"/>
-      <p:boldItalic r:id="rId7"/>
+      <p:font typeface="Poppins"/>
+      <p:regular r:id="rId7"/>
+      <p:bold r:id="rId8"/>
+      <p:italic r:id="rId9"/>
+      <p:boldItalic r:id="rId10"/>
     </p:embeddedFont>
     <p:embeddedFont>
-      <p:font typeface="Poppins Medium" panose="020B0502040204020203" pitchFamily="2" charset="0"/>
-      <p:regular r:id="rId8"/>
-      <p:bold r:id="rId9"/>
-      <p:italic r:id="rId10"/>
-      <p:boldItalic r:id="rId11"/>
+      <p:font typeface="Poppins Medium"/>
+      <p:regular r:id="rId11"/>
+      <p:bold r:id="rId12"/>
+      <p:italic r:id="rId13"/>
+      <p:boldItalic r:id="rId14"/>
     </p:embeddedFont>
   </p:embeddedFontLst>
   <p:defaultTextStyle>
-    <a:defPPr marR="0" lvl="0" algn="l" rtl="0">
+    <a:defPPr lvl="0" marR="0" rtl="0" algn="l">
       <a:lnSpc>
         <a:spcPct val="100000"/>
       </a:lnSpc>
@@ -40,7 +40,7 @@
         <a:spcPts val="0"/>
       </a:spcAft>
     </a:defPPr>
-    <a:lvl1pPr marR="0" lvl="0" algn="l" rtl="0">
+    <a:lvl1pPr lvl="0" marR="0" rtl="0" algn="l">
       <a:lnSpc>
         <a:spcPct val="100000"/>
       </a:lnSpc>
@@ -54,7 +54,7 @@
         <a:srgbClr val="000000"/>
       </a:buClr>
       <a:buFont typeface="Arial"/>
-      <a:defRPr sz="1400" b="0" i="0" u="none" strike="noStrike" cap="none">
+      <a:defRPr b="0" i="0" sz="1400" u="none" cap="none" strike="noStrike">
         <a:solidFill>
           <a:srgbClr val="000000"/>
         </a:solidFill>
@@ -64,7 +64,7 @@
         <a:sym typeface="Arial"/>
       </a:defRPr>
     </a:lvl1pPr>
-    <a:lvl2pPr marR="0" lvl="1" algn="l" rtl="0">
+    <a:lvl2pPr lvl="1" marR="0" rtl="0" algn="l">
       <a:lnSpc>
         <a:spcPct val="100000"/>
       </a:lnSpc>
@@ -78,7 +78,7 @@
         <a:srgbClr val="000000"/>
       </a:buClr>
       <a:buFont typeface="Arial"/>
-      <a:defRPr sz="1400" b="0" i="0" u="none" strike="noStrike" cap="none">
+      <a:defRPr b="0" i="0" sz="1400" u="none" cap="none" strike="noStrike">
         <a:solidFill>
           <a:srgbClr val="000000"/>
         </a:solidFill>
@@ -88,7 +88,7 @@
         <a:sym typeface="Arial"/>
       </a:defRPr>
     </a:lvl2pPr>
-    <a:lvl3pPr marR="0" lvl="2" algn="l" rtl="0">
+    <a:lvl3pPr lvl="2" marR="0" rtl="0" algn="l">
       <a:lnSpc>
         <a:spcPct val="100000"/>
       </a:lnSpc>
@@ -102,7 +102,7 @@
         <a:srgbClr val="000000"/>
       </a:buClr>
       <a:buFont typeface="Arial"/>
-      <a:defRPr sz="1400" b="0" i="0" u="none" strike="noStrike" cap="none">
+      <a:defRPr b="0" i="0" sz="1400" u="none" cap="none" strike="noStrike">
         <a:solidFill>
           <a:srgbClr val="000000"/>
         </a:solidFill>
@@ -112,7 +112,7 @@
         <a:sym typeface="Arial"/>
       </a:defRPr>
     </a:lvl3pPr>
-    <a:lvl4pPr marR="0" lvl="3" algn="l" rtl="0">
+    <a:lvl4pPr lvl="3" marR="0" rtl="0" algn="l">
       <a:lnSpc>
         <a:spcPct val="100000"/>
       </a:lnSpc>
@@ -126,7 +126,7 @@
         <a:srgbClr val="000000"/>
       </a:buClr>
       <a:buFont typeface="Arial"/>
-      <a:defRPr sz="1400" b="0" i="0" u="none" strike="noStrike" cap="none">
+      <a:defRPr b="0" i="0" sz="1400" u="none" cap="none" strike="noStrike">
         <a:solidFill>
           <a:srgbClr val="000000"/>
         </a:solidFill>
@@ -136,7 +136,7 @@
         <a:sym typeface="Arial"/>
       </a:defRPr>
     </a:lvl4pPr>
-    <a:lvl5pPr marR="0" lvl="4" algn="l" rtl="0">
+    <a:lvl5pPr lvl="4" marR="0" rtl="0" algn="l">
       <a:lnSpc>
         <a:spcPct val="100000"/>
       </a:lnSpc>
@@ -150,7 +150,7 @@
         <a:srgbClr val="000000"/>
       </a:buClr>
       <a:buFont typeface="Arial"/>
-      <a:defRPr sz="1400" b="0" i="0" u="none" strike="noStrike" cap="none">
+      <a:defRPr b="0" i="0" sz="1400" u="none" cap="none" strike="noStrike">
         <a:solidFill>
           <a:srgbClr val="000000"/>
         </a:solidFill>
@@ -160,7 +160,7 @@
         <a:sym typeface="Arial"/>
       </a:defRPr>
     </a:lvl5pPr>
-    <a:lvl6pPr marR="0" lvl="5" algn="l" rtl="0">
+    <a:lvl6pPr lvl="5" marR="0" rtl="0" algn="l">
       <a:lnSpc>
         <a:spcPct val="100000"/>
       </a:lnSpc>
@@ -174,7 +174,7 @@
         <a:srgbClr val="000000"/>
       </a:buClr>
       <a:buFont typeface="Arial"/>
-      <a:defRPr sz="1400" b="0" i="0" u="none" strike="noStrike" cap="none">
+      <a:defRPr b="0" i="0" sz="1400" u="none" cap="none" strike="noStrike">
         <a:solidFill>
           <a:srgbClr val="000000"/>
         </a:solidFill>
@@ -184,7 +184,7 @@
         <a:sym typeface="Arial"/>
       </a:defRPr>
     </a:lvl6pPr>
-    <a:lvl7pPr marR="0" lvl="6" algn="l" rtl="0">
+    <a:lvl7pPr lvl="6" marR="0" rtl="0" algn="l">
       <a:lnSpc>
         <a:spcPct val="100000"/>
       </a:lnSpc>
@@ -198,7 +198,7 @@
         <a:srgbClr val="000000"/>
       </a:buClr>
       <a:buFont typeface="Arial"/>
-      <a:defRPr sz="1400" b="0" i="0" u="none" strike="noStrike" cap="none">
+      <a:defRPr b="0" i="0" sz="1400" u="none" cap="none" strike="noStrike">
         <a:solidFill>
           <a:srgbClr val="000000"/>
         </a:solidFill>
@@ -208,7 +208,7 @@
         <a:sym typeface="Arial"/>
       </a:defRPr>
     </a:lvl7pPr>
-    <a:lvl8pPr marR="0" lvl="7" algn="l" rtl="0">
+    <a:lvl8pPr lvl="7" marR="0" rtl="0" algn="l">
       <a:lnSpc>
         <a:spcPct val="100000"/>
       </a:lnSpc>
@@ -222,7 +222,7 @@
         <a:srgbClr val="000000"/>
       </a:buClr>
       <a:buFont typeface="Arial"/>
-      <a:defRPr sz="1400" b="0" i="0" u="none" strike="noStrike" cap="none">
+      <a:defRPr b="0" i="0" sz="1400" u="none" cap="none" strike="noStrike">
         <a:solidFill>
           <a:srgbClr val="000000"/>
         </a:solidFill>
@@ -232,7 +232,7 @@
         <a:sym typeface="Arial"/>
       </a:defRPr>
     </a:lvl8pPr>
-    <a:lvl9pPr marR="0" lvl="8" algn="l" rtl="0">
+    <a:lvl9pPr lvl="8" marR="0" rtl="0" algn="l">
       <a:lnSpc>
         <a:spcPct val="100000"/>
       </a:lnSpc>
@@ -246,7 +246,7 @@
         <a:srgbClr val="000000"/>
       </a:buClr>
       <a:buFont typeface="Arial"/>
-      <a:defRPr sz="1400" b="0" i="0" u="none" strike="noStrike" cap="none">
+      <a:defRPr b="0" i="0" sz="1400" u="none" cap="none" strike="noStrike">
         <a:solidFill>
           <a:srgbClr val="000000"/>
         </a:solidFill>
@@ -259,7 +259,7 @@
   </p:defaultTextStyle>
   <p:extLst>
     <p:ext uri="{EFAFB233-063F-42B5-8137-9DF3F51BA10A}">
-      <p15:sldGuideLst xmlns:p15="http://schemas.microsoft.com/office/powerpoint/2012/main">
+      <p15:sldGuideLst>
         <p15:guide id="1" orient="horz" pos="6336">
           <p15:clr>
             <a:srgbClr val="747775"/>
@@ -277,16 +277,11 @@
 </file>
 
 <file path=ppt/notesMasters/notesMaster1.xml><?xml version="1.0" encoding="utf-8"?>
-<p:notesMaster xmlns:a="http://schemas.openxmlformats.org/drawingml/2006/main" xmlns:r="http://schemas.openxmlformats.org/officeDocument/2006/relationships" xmlns:p="http://schemas.openxmlformats.org/presentationml/2006/main">
+<p:notesMaster xmlns:a="http://schemas.openxmlformats.org/drawingml/2006/main" xmlns:r="http://schemas.openxmlformats.org/officeDocument/2006/relationships" xmlns:mc="http://schemas.openxmlformats.org/markup-compatibility/2006" xmlns:mv="urn:schemas-microsoft-com:mac:vml" xmlns:p="http://schemas.openxmlformats.org/presentationml/2006/main" xmlns:c="http://schemas.openxmlformats.org/drawingml/2006/chart" xmlns:dgm="http://schemas.openxmlformats.org/drawingml/2006/diagram" xmlns:o="urn:schemas-microsoft-com:office:office" xmlns:v="urn:schemas-microsoft-com:vml" xmlns:pvml="urn:schemas-microsoft-com:office:powerpoint" xmlns:com="http://schemas.openxmlformats.org/drawingml/2006/compatibility" xmlns:p14="http://schemas.microsoft.com/office/powerpoint/2010/main" xmlns:p15="http://schemas.microsoft.com/office/powerpoint/2012/main" xmlns:ahyp="http://schemas.microsoft.com/office/drawing/2018/hyperlinkcolor">
   <p:cSld>
-    <p:bg>
-      <p:bgRef idx="1001">
-        <a:schemeClr val="bg1"/>
-      </p:bgRef>
-    </p:bg>
     <p:spTree>
       <p:nvGrpSpPr>
-        <p:cNvPr id="1" name="Shape 2"/>
+        <p:cNvPr id="2" name="Shape 2"/>
         <p:cNvGrpSpPr/>
         <p:nvPr/>
       </p:nvGrpSpPr>
@@ -301,11 +296,9 @@
       <p:sp>
         <p:nvSpPr>
           <p:cNvPr id="3" name="Google Shape;3;n"/>
-          <p:cNvSpPr>
-            <a:spLocks noGrp="1" noRot="1" noChangeAspect="1"/>
-          </p:cNvSpPr>
+          <p:cNvSpPr/>
           <p:nvPr>
-            <p:ph type="sldImg" idx="2"/>
+            <p:ph idx="2" type="sldImg"/>
           </p:nvPr>
         </p:nvSpPr>
         <p:spPr>
@@ -314,13 +307,9 @@
             <a:ext cx="4364100" cy="3429000"/>
           </a:xfrm>
           <a:custGeom>
-            <a:avLst/>
-            <a:gdLst/>
-            <a:ahLst/>
-            <a:cxnLst/>
-            <a:rect l="l" t="t" r="r" b="b"/>
+            <a:rect b="b" l="l" r="r" t="t"/>
             <a:pathLst>
-              <a:path w="120000" h="120000" extrusionOk="0">
+              <a:path extrusionOk="0" h="120000" w="120000">
                 <a:moveTo>
                   <a:pt x="0" y="0"/>
                 </a:moveTo>
@@ -338,25 +327,23 @@
             </a:pathLst>
           </a:custGeom>
           <a:noFill/>
-          <a:ln w="9525" cap="flat" cmpd="sng">
+          <a:ln cap="flat" cmpd="sng" w="9525">
             <a:solidFill>
               <a:srgbClr val="000000"/>
             </a:solidFill>
             <a:prstDash val="solid"/>
             <a:round/>
-            <a:headEnd type="none" w="sm" len="sm"/>
-            <a:tailEnd type="none" w="sm" len="sm"/>
+            <a:headEnd len="sm" w="sm" type="none"/>
+            <a:tailEnd len="sm" w="sm" type="none"/>
           </a:ln>
         </p:spPr>
       </p:sp>
       <p:sp>
         <p:nvSpPr>
           <p:cNvPr id="4" name="Google Shape;4;n"/>
-          <p:cNvSpPr txBox="1">
-            <a:spLocks noGrp="1"/>
-          </p:cNvSpPr>
+          <p:cNvSpPr txBox="1"/>
           <p:nvPr>
-            <p:ph type="body" idx="1"/>
+            <p:ph idx="1" type="body"/>
           </p:nvPr>
         </p:nvSpPr>
         <p:spPr>
@@ -373,11 +360,11 @@
           </a:ln>
         </p:spPr>
         <p:txBody>
-          <a:bodyPr spcFirstLastPara="1" wrap="square" lIns="91425" tIns="91425" rIns="91425" bIns="91425" anchor="t" anchorCtr="0">
+          <a:bodyPr anchorCtr="0" anchor="t" bIns="91425" lIns="91425" spcFirstLastPara="1" rIns="91425" wrap="square" tIns="91425">
             <a:noAutofit/>
           </a:bodyPr>
           <a:lstStyle>
-            <a:lvl1pPr marL="457200" lvl="0" indent="-298450">
+            <a:lvl1pPr indent="-298450" lvl="0" marL="457200">
               <a:spcBef>
                 <a:spcPts val="0"/>
               </a:spcBef>
@@ -388,7 +375,7 @@
               <a:buChar char="●"/>
               <a:defRPr sz="1100"/>
             </a:lvl1pPr>
-            <a:lvl2pPr marL="914400" lvl="1" indent="-298450">
+            <a:lvl2pPr indent="-298450" lvl="1" marL="914400">
               <a:spcBef>
                 <a:spcPts val="0"/>
               </a:spcBef>
@@ -399,7 +386,7 @@
               <a:buChar char="○"/>
               <a:defRPr sz="1100"/>
             </a:lvl2pPr>
-            <a:lvl3pPr marL="1371600" lvl="2" indent="-298450">
+            <a:lvl3pPr indent="-298450" lvl="2" marL="1371600">
               <a:spcBef>
                 <a:spcPts val="0"/>
               </a:spcBef>
@@ -410,7 +397,7 @@
               <a:buChar char="■"/>
               <a:defRPr sz="1100"/>
             </a:lvl3pPr>
-            <a:lvl4pPr marL="1828800" lvl="3" indent="-298450">
+            <a:lvl4pPr indent="-298450" lvl="3" marL="1828800">
               <a:spcBef>
                 <a:spcPts val="0"/>
               </a:spcBef>
@@ -421,7 +408,7 @@
               <a:buChar char="●"/>
               <a:defRPr sz="1100"/>
             </a:lvl4pPr>
-            <a:lvl5pPr marL="2286000" lvl="4" indent="-298450">
+            <a:lvl5pPr indent="-298450" lvl="4" marL="2286000">
               <a:spcBef>
                 <a:spcPts val="0"/>
               </a:spcBef>
@@ -432,7 +419,7 @@
               <a:buChar char="○"/>
               <a:defRPr sz="1100"/>
             </a:lvl5pPr>
-            <a:lvl6pPr marL="2743200" lvl="5" indent="-298450">
+            <a:lvl6pPr indent="-298450" lvl="5" marL="2743200">
               <a:spcBef>
                 <a:spcPts val="0"/>
               </a:spcBef>
@@ -443,7 +430,7 @@
               <a:buChar char="■"/>
               <a:defRPr sz="1100"/>
             </a:lvl6pPr>
-            <a:lvl7pPr marL="3200400" lvl="6" indent="-298450">
+            <a:lvl7pPr indent="-298450" lvl="6" marL="3200400">
               <a:spcBef>
                 <a:spcPts val="0"/>
               </a:spcBef>
@@ -454,7 +441,7 @@
               <a:buChar char="●"/>
               <a:defRPr sz="1100"/>
             </a:lvl7pPr>
-            <a:lvl8pPr marL="3657600" lvl="7" indent="-298450">
+            <a:lvl8pPr indent="-298450" lvl="7" marL="3657600">
               <a:spcBef>
                 <a:spcPts val="0"/>
               </a:spcBef>
@@ -465,7 +452,7 @@
               <a:buChar char="○"/>
               <a:defRPr sz="1100"/>
             </a:lvl8pPr>
-            <a:lvl9pPr marL="4114800" lvl="8" indent="-298450">
+            <a:lvl9pPr indent="-298450" lvl="8" marL="4114800">
               <a:spcBef>
                 <a:spcPts val="0"/>
               </a:spcBef>
@@ -477,16 +464,14 @@
               <a:defRPr sz="1100"/>
             </a:lvl9pPr>
           </a:lstStyle>
-          <a:p>
-            <a:endParaRPr/>
-          </a:p>
+          <a:p/>
         </p:txBody>
       </p:sp>
     </p:spTree>
   </p:cSld>
-  <p:clrMap bg1="lt1" tx1="dk1" bg2="dk2" tx2="lt2" accent1="accent1" accent2="accent2" accent3="accent3" accent4="accent4" accent5="accent5" accent6="accent6" hlink="hlink" folHlink="folHlink"/>
+  <p:clrMap accent1="accent1" accent2="accent2" accent3="accent3" accent4="accent4" accent5="accent5" accent6="accent6" bg1="lt1" bg2="dk2" tx1="dk1" tx2="lt2" folHlink="folHlink" hlink="hlink"/>
   <p:notesStyle>
-    <a:defPPr marR="0" lvl="0" algn="l" rtl="0">
+    <a:defPPr lvl="0" marR="0" rtl="0" algn="l">
       <a:lnSpc>
         <a:spcPct val="100000"/>
       </a:lnSpc>
@@ -497,7 +482,7 @@
         <a:spcPts val="0"/>
       </a:spcAft>
     </a:defPPr>
-    <a:lvl1pPr marR="0" lvl="0" algn="l" rtl="0">
+    <a:lvl1pPr lvl="0" marR="0" rtl="0" algn="l">
       <a:lnSpc>
         <a:spcPct val="100000"/>
       </a:lnSpc>
@@ -511,7 +496,7 @@
         <a:srgbClr val="000000"/>
       </a:buClr>
       <a:buFont typeface="Arial"/>
-      <a:defRPr sz="1400" b="0" i="0" u="none" strike="noStrike" cap="none">
+      <a:defRPr b="0" i="0" sz="1400" u="none" cap="none" strike="noStrike">
         <a:solidFill>
           <a:srgbClr val="000000"/>
         </a:solidFill>
@@ -521,7 +506,7 @@
         <a:sym typeface="Arial"/>
       </a:defRPr>
     </a:lvl1pPr>
-    <a:lvl2pPr marR="0" lvl="1" algn="l" rtl="0">
+    <a:lvl2pPr lvl="1" marR="0" rtl="0" algn="l">
       <a:lnSpc>
         <a:spcPct val="100000"/>
       </a:lnSpc>
@@ -535,7 +520,7 @@
         <a:srgbClr val="000000"/>
       </a:buClr>
       <a:buFont typeface="Arial"/>
-      <a:defRPr sz="1400" b="0" i="0" u="none" strike="noStrike" cap="none">
+      <a:defRPr b="0" i="0" sz="1400" u="none" cap="none" strike="noStrike">
         <a:solidFill>
           <a:srgbClr val="000000"/>
         </a:solidFill>
@@ -545,7 +530,7 @@
         <a:sym typeface="Arial"/>
       </a:defRPr>
     </a:lvl2pPr>
-    <a:lvl3pPr marR="0" lvl="2" algn="l" rtl="0">
+    <a:lvl3pPr lvl="2" marR="0" rtl="0" algn="l">
       <a:lnSpc>
         <a:spcPct val="100000"/>
       </a:lnSpc>
@@ -559,7 +544,7 @@
         <a:srgbClr val="000000"/>
       </a:buClr>
       <a:buFont typeface="Arial"/>
-      <a:defRPr sz="1400" b="0" i="0" u="none" strike="noStrike" cap="none">
+      <a:defRPr b="0" i="0" sz="1400" u="none" cap="none" strike="noStrike">
         <a:solidFill>
           <a:srgbClr val="000000"/>
         </a:solidFill>
@@ -569,7 +554,7 @@
         <a:sym typeface="Arial"/>
       </a:defRPr>
     </a:lvl3pPr>
-    <a:lvl4pPr marR="0" lvl="3" algn="l" rtl="0">
+    <a:lvl4pPr lvl="3" marR="0" rtl="0" algn="l">
       <a:lnSpc>
         <a:spcPct val="100000"/>
       </a:lnSpc>
@@ -583,7 +568,7 @@
         <a:srgbClr val="000000"/>
       </a:buClr>
       <a:buFont typeface="Arial"/>
-      <a:defRPr sz="1400" b="0" i="0" u="none" strike="noStrike" cap="none">
+      <a:defRPr b="0" i="0" sz="1400" u="none" cap="none" strike="noStrike">
         <a:solidFill>
           <a:srgbClr val="000000"/>
         </a:solidFill>
@@ -593,7 +578,7 @@
         <a:sym typeface="Arial"/>
       </a:defRPr>
     </a:lvl4pPr>
-    <a:lvl5pPr marR="0" lvl="4" algn="l" rtl="0">
+    <a:lvl5pPr lvl="4" marR="0" rtl="0" algn="l">
       <a:lnSpc>
         <a:spcPct val="100000"/>
       </a:lnSpc>
@@ -607,7 +592,7 @@
         <a:srgbClr val="000000"/>
       </a:buClr>
       <a:buFont typeface="Arial"/>
-      <a:defRPr sz="1400" b="0" i="0" u="none" strike="noStrike" cap="none">
+      <a:defRPr b="0" i="0" sz="1400" u="none" cap="none" strike="noStrike">
         <a:solidFill>
           <a:srgbClr val="000000"/>
         </a:solidFill>
@@ -617,7 +602,7 @@
         <a:sym typeface="Arial"/>
       </a:defRPr>
     </a:lvl5pPr>
-    <a:lvl6pPr marR="0" lvl="5" algn="l" rtl="0">
+    <a:lvl6pPr lvl="5" marR="0" rtl="0" algn="l">
       <a:lnSpc>
         <a:spcPct val="100000"/>
       </a:lnSpc>
@@ -631,7 +616,7 @@
         <a:srgbClr val="000000"/>
       </a:buClr>
       <a:buFont typeface="Arial"/>
-      <a:defRPr sz="1400" b="0" i="0" u="none" strike="noStrike" cap="none">
+      <a:defRPr b="0" i="0" sz="1400" u="none" cap="none" strike="noStrike">
         <a:solidFill>
           <a:srgbClr val="000000"/>
         </a:solidFill>
@@ -641,7 +626,7 @@
         <a:sym typeface="Arial"/>
       </a:defRPr>
     </a:lvl6pPr>
-    <a:lvl7pPr marR="0" lvl="6" algn="l" rtl="0">
+    <a:lvl7pPr lvl="6" marR="0" rtl="0" algn="l">
       <a:lnSpc>
         <a:spcPct val="100000"/>
       </a:lnSpc>
@@ -655,7 +640,7 @@
         <a:srgbClr val="000000"/>
       </a:buClr>
       <a:buFont typeface="Arial"/>
-      <a:defRPr sz="1400" b="0" i="0" u="none" strike="noStrike" cap="none">
+      <a:defRPr b="0" i="0" sz="1400" u="none" cap="none" strike="noStrike">
         <a:solidFill>
           <a:srgbClr val="000000"/>
         </a:solidFill>
@@ -665,7 +650,7 @@
         <a:sym typeface="Arial"/>
       </a:defRPr>
     </a:lvl7pPr>
-    <a:lvl8pPr marR="0" lvl="7" algn="l" rtl="0">
+    <a:lvl8pPr lvl="7" marR="0" rtl="0" algn="l">
       <a:lnSpc>
         <a:spcPct val="100000"/>
       </a:lnSpc>
@@ -679,7 +664,7 @@
         <a:srgbClr val="000000"/>
       </a:buClr>
       <a:buFont typeface="Arial"/>
-      <a:defRPr sz="1400" b="0" i="0" u="none" strike="noStrike" cap="none">
+      <a:defRPr b="0" i="0" sz="1400" u="none" cap="none" strike="noStrike">
         <a:solidFill>
           <a:srgbClr val="000000"/>
         </a:solidFill>
@@ -689,7 +674,7 @@
         <a:sym typeface="Arial"/>
       </a:defRPr>
     </a:lvl8pPr>
-    <a:lvl9pPr marR="0" lvl="8" algn="l" rtl="0">
+    <a:lvl9pPr lvl="8" marR="0" rtl="0" algn="l">
       <a:lnSpc>
         <a:spcPct val="100000"/>
       </a:lnSpc>
@@ -703,7 +688,7 @@
         <a:srgbClr val="000000"/>
       </a:buClr>
       <a:buFont typeface="Arial"/>
-      <a:defRPr sz="1400" b="0" i="0" u="none" strike="noStrike" cap="none">
+      <a:defRPr b="0" i="0" sz="1400" u="none" cap="none" strike="noStrike">
         <a:solidFill>
           <a:srgbClr val="000000"/>
         </a:solidFill>
@@ -718,11 +703,11 @@
 </file>
 
 <file path=ppt/notesSlides/notesSlide1.xml><?xml version="1.0" encoding="utf-8"?>
-<p:notes xmlns:a="http://schemas.openxmlformats.org/drawingml/2006/main" xmlns:r="http://schemas.openxmlformats.org/officeDocument/2006/relationships" xmlns:p="http://schemas.openxmlformats.org/presentationml/2006/main" showMasterSp="0" showMasterPhAnim="0">
+<p:notes xmlns:a="http://schemas.openxmlformats.org/drawingml/2006/main" xmlns:r="http://schemas.openxmlformats.org/officeDocument/2006/relationships" xmlns:mc="http://schemas.openxmlformats.org/markup-compatibility/2006" xmlns:mv="urn:schemas-microsoft-com:mac:vml" xmlns:p="http://schemas.openxmlformats.org/presentationml/2006/main" xmlns:c="http://schemas.openxmlformats.org/drawingml/2006/chart" xmlns:dgm="http://schemas.openxmlformats.org/drawingml/2006/diagram" xmlns:o="urn:schemas-microsoft-com:office:office" xmlns:v="urn:schemas-microsoft-com:vml" xmlns:pvml="urn:schemas-microsoft-com:office:powerpoint" xmlns:com="http://schemas.openxmlformats.org/drawingml/2006/compatibility" xmlns:p14="http://schemas.microsoft.com/office/powerpoint/2010/main" xmlns:p15="http://schemas.microsoft.com/office/powerpoint/2012/main" xmlns:ahyp="http://schemas.microsoft.com/office/drawing/2018/hyperlinkcolor" showMasterPhAnim="0" showMasterSp="0">
   <p:cSld>
     <p:spTree>
       <p:nvGrpSpPr>
-        <p:cNvPr id="1" name="Shape 50"/>
+        <p:cNvPr id="50" name="Shape 50"/>
         <p:cNvGrpSpPr/>
         <p:nvPr/>
       </p:nvGrpSpPr>
@@ -737,26 +722,20 @@
       <p:sp>
         <p:nvSpPr>
           <p:cNvPr id="51" name="Google Shape;51;g31a59d6f21b_0_0:notes"/>
-          <p:cNvSpPr>
-            <a:spLocks noGrp="1" noRot="1" noChangeAspect="1"/>
-          </p:cNvSpPr>
+          <p:cNvSpPr/>
           <p:nvPr>
-            <p:ph type="sldImg" idx="2"/>
+            <p:ph idx="2" type="sldImg"/>
           </p:nvPr>
         </p:nvSpPr>
         <p:spPr>
           <a:xfrm>
-            <a:off x="1247775" y="685800"/>
-            <a:ext cx="4364038" cy="3429000"/>
+            <a:off x="1247209" y="685800"/>
+            <a:ext cx="4364100" cy="3429000"/>
           </a:xfrm>
           <a:custGeom>
-            <a:avLst/>
-            <a:gdLst/>
-            <a:ahLst/>
-            <a:cxnLst/>
-            <a:rect l="l" t="t" r="r" b="b"/>
+            <a:rect b="b" l="l" r="r" t="t"/>
             <a:pathLst>
-              <a:path w="120000" h="120000" extrusionOk="0">
+              <a:path extrusionOk="0" h="120000" w="120000">
                 <a:moveTo>
                   <a:pt x="0" y="0"/>
                 </a:moveTo>
@@ -778,11 +757,9 @@
       <p:sp>
         <p:nvSpPr>
           <p:cNvPr id="52" name="Google Shape;52;g31a59d6f21b_0_0:notes"/>
-          <p:cNvSpPr txBox="1">
-            <a:spLocks noGrp="1"/>
-          </p:cNvSpPr>
+          <p:cNvSpPr txBox="1"/>
           <p:nvPr>
-            <p:ph type="body" idx="1"/>
+            <p:ph idx="1" type="body"/>
           </p:nvPr>
         </p:nvSpPr>
         <p:spPr>
@@ -795,12 +772,12 @@
           </a:prstGeom>
         </p:spPr>
         <p:txBody>
-          <a:bodyPr spcFirstLastPara="1" wrap="square" lIns="91425" tIns="91425" rIns="91425" bIns="91425" anchor="t" anchorCtr="0">
+          <a:bodyPr anchorCtr="0" anchor="t" bIns="91425" lIns="91425" spcFirstLastPara="1" rIns="91425" wrap="square" tIns="91425">
             <a:noAutofit/>
           </a:bodyPr>
           <a:lstStyle/>
           <a:p>
-            <a:pPr marL="0" lvl="0" indent="0" algn="l" rtl="0">
+            <a:pPr indent="0" lvl="0" marL="0" rtl="0" algn="l">
               <a:spcBef>
                 <a:spcPts val="0"/>
               </a:spcBef>
@@ -809,6 +786,9 @@
               </a:spcAft>
               <a:buNone/>
             </a:pPr>
+            <a:r>
+              <a:t/>
+            </a:r>
             <a:endParaRPr/>
           </a:p>
         </p:txBody>
@@ -822,11 +802,11 @@
 </file>
 
 <file path=ppt/slideLayouts/slideLayout1.xml><?xml version="1.0" encoding="utf-8"?>
-<p:sldLayout xmlns:a="http://schemas.openxmlformats.org/drawingml/2006/main" xmlns:r="http://schemas.openxmlformats.org/officeDocument/2006/relationships" xmlns:p="http://schemas.openxmlformats.org/presentationml/2006/main" matchingName="Title slide" type="title">
+<p:sldLayout xmlns:a="http://schemas.openxmlformats.org/drawingml/2006/main" xmlns:r="http://schemas.openxmlformats.org/officeDocument/2006/relationships" xmlns:mc="http://schemas.openxmlformats.org/markup-compatibility/2006" xmlns:mv="urn:schemas-microsoft-com:mac:vml" xmlns:p="http://schemas.openxmlformats.org/presentationml/2006/main" xmlns:c="http://schemas.openxmlformats.org/drawingml/2006/chart" xmlns:dgm="http://schemas.openxmlformats.org/drawingml/2006/diagram" xmlns:o="urn:schemas-microsoft-com:office:office" xmlns:v="urn:schemas-microsoft-com:vml" xmlns:pvml="urn:schemas-microsoft-com:office:powerpoint" xmlns:com="http://schemas.openxmlformats.org/drawingml/2006/compatibility" xmlns:p14="http://schemas.microsoft.com/office/powerpoint/2010/main" xmlns:p15="http://schemas.microsoft.com/office/powerpoint/2012/main" xmlns:ahyp="http://schemas.microsoft.com/office/drawing/2018/hyperlinkcolor" matchingName="Title slide" type="title">
   <p:cSld name="TITLE">
     <p:spTree>
       <p:nvGrpSpPr>
-        <p:cNvPr id="1" name="Shape 9"/>
+        <p:cNvPr id="9" name="Shape 9"/>
         <p:cNvGrpSpPr/>
         <p:nvPr/>
       </p:nvGrpSpPr>
@@ -841,9 +821,7 @@
       <p:sp>
         <p:nvSpPr>
           <p:cNvPr id="10" name="Google Shape;10;p2"/>
-          <p:cNvSpPr txBox="1">
-            <a:spLocks noGrp="1"/>
-          </p:cNvSpPr>
+          <p:cNvSpPr txBox="1"/>
           <p:nvPr>
             <p:ph type="ctrTitle"/>
           </p:nvPr>
@@ -858,7 +836,7 @@
           </a:prstGeom>
         </p:spPr>
         <p:txBody>
-          <a:bodyPr spcFirstLastPara="1" wrap="square" lIns="289850" tIns="289850" rIns="289850" bIns="289850" anchor="b" anchorCtr="0">
+          <a:bodyPr anchorCtr="0" anchor="b" bIns="289850" lIns="289850" spcFirstLastPara="1" rIns="289850" wrap="square" tIns="289850">
             <a:normAutofit/>
           </a:bodyPr>
           <a:lstStyle>
@@ -962,19 +940,15 @@
               <a:defRPr sz="16500"/>
             </a:lvl9pPr>
           </a:lstStyle>
-          <a:p>
-            <a:endParaRPr/>
-          </a:p>
+          <a:p/>
         </p:txBody>
       </p:sp>
       <p:sp>
         <p:nvSpPr>
           <p:cNvPr id="11" name="Google Shape;11;p2"/>
-          <p:cNvSpPr txBox="1">
-            <a:spLocks noGrp="1"/>
-          </p:cNvSpPr>
+          <p:cNvSpPr txBox="1"/>
           <p:nvPr>
-            <p:ph type="subTitle" idx="1"/>
+            <p:ph idx="1" type="subTitle"/>
           </p:nvPr>
         </p:nvSpPr>
         <p:spPr>
@@ -987,7 +961,7 @@
           </a:prstGeom>
         </p:spPr>
         <p:txBody>
-          <a:bodyPr spcFirstLastPara="1" wrap="square" lIns="289850" tIns="289850" rIns="289850" bIns="289850" anchor="t" anchorCtr="0">
+          <a:bodyPr anchorCtr="0" anchor="t" bIns="289850" lIns="289850" spcFirstLastPara="1" rIns="289850" wrap="square" tIns="289850">
             <a:normAutofit/>
           </a:bodyPr>
           <a:lstStyle>
@@ -1118,19 +1092,15 @@
               <a:defRPr sz="8900"/>
             </a:lvl9pPr>
           </a:lstStyle>
-          <a:p>
-            <a:endParaRPr/>
-          </a:p>
+          <a:p/>
         </p:txBody>
       </p:sp>
       <p:sp>
         <p:nvSpPr>
           <p:cNvPr id="12" name="Google Shape;12;p2"/>
-          <p:cNvSpPr txBox="1">
-            <a:spLocks noGrp="1"/>
-          </p:cNvSpPr>
+          <p:cNvSpPr txBox="1"/>
           <p:nvPr>
-            <p:ph type="sldNum" idx="12"/>
+            <p:ph idx="12" type="sldNum"/>
           </p:nvPr>
         </p:nvSpPr>
         <p:spPr>
@@ -1143,7 +1113,7 @@
           </a:prstGeom>
         </p:spPr>
         <p:txBody>
-          <a:bodyPr spcFirstLastPara="1" wrap="square" lIns="289850" tIns="289850" rIns="289850" bIns="289850" anchor="ctr" anchorCtr="0">
+          <a:bodyPr anchorCtr="0" anchor="ctr" bIns="289850" lIns="289850" spcFirstLastPara="1" rIns="289850" wrap="square" tIns="289850">
             <a:normAutofit/>
           </a:bodyPr>
           <a:lstStyle>
@@ -1185,7 +1155,7 @@
             </a:lvl9pPr>
           </a:lstStyle>
           <a:p>
-            <a:pPr marL="0" lvl="0" indent="0" algn="r" rtl="0">
+            <a:pPr indent="0" lvl="0" marL="0" rtl="0" algn="r">
               <a:spcBef>
                 <a:spcPts val="0"/>
               </a:spcBef>
@@ -1211,11 +1181,11 @@
 </file>
 
 <file path=ppt/slideLayouts/slideLayout10.xml><?xml version="1.0" encoding="utf-8"?>
-<p:sldLayout xmlns:a="http://schemas.openxmlformats.org/drawingml/2006/main" xmlns:r="http://schemas.openxmlformats.org/officeDocument/2006/relationships" xmlns:p="http://schemas.openxmlformats.org/presentationml/2006/main" matchingName="Big number">
+<p:sldLayout xmlns:a="http://schemas.openxmlformats.org/drawingml/2006/main" xmlns:r="http://schemas.openxmlformats.org/officeDocument/2006/relationships" xmlns:mc="http://schemas.openxmlformats.org/markup-compatibility/2006" xmlns:mv="urn:schemas-microsoft-com:mac:vml" xmlns:p="http://schemas.openxmlformats.org/presentationml/2006/main" xmlns:c="http://schemas.openxmlformats.org/drawingml/2006/chart" xmlns:dgm="http://schemas.openxmlformats.org/drawingml/2006/diagram" xmlns:o="urn:schemas-microsoft-com:office:office" xmlns:v="urn:schemas-microsoft-com:vml" xmlns:pvml="urn:schemas-microsoft-com:office:powerpoint" xmlns:com="http://schemas.openxmlformats.org/drawingml/2006/compatibility" xmlns:p14="http://schemas.microsoft.com/office/powerpoint/2010/main" xmlns:p15="http://schemas.microsoft.com/office/powerpoint/2012/main" xmlns:ahyp="http://schemas.microsoft.com/office/drawing/2018/hyperlinkcolor" matchingName="Big number">
   <p:cSld name="BIG_NUMBER">
     <p:spTree>
       <p:nvGrpSpPr>
-        <p:cNvPr id="1" name="Shape 44"/>
+        <p:cNvPr id="44" name="Shape 44"/>
         <p:cNvGrpSpPr/>
         <p:nvPr/>
       </p:nvGrpSpPr>
@@ -1230,11 +1200,9 @@
       <p:sp>
         <p:nvSpPr>
           <p:cNvPr id="45" name="Google Shape;45;p11"/>
-          <p:cNvSpPr txBox="1">
-            <a:spLocks noGrp="1"/>
-          </p:cNvSpPr>
+          <p:cNvSpPr txBox="1"/>
           <p:nvPr>
-            <p:ph type="title" hasCustomPrompt="1"/>
+            <p:ph hasCustomPrompt="1" type="title"/>
           </p:nvPr>
         </p:nvSpPr>
         <p:spPr>
@@ -1247,7 +1215,7 @@
           </a:prstGeom>
         </p:spPr>
         <p:txBody>
-          <a:bodyPr spcFirstLastPara="1" wrap="square" lIns="289850" tIns="289850" rIns="289850" bIns="289850" anchor="b" anchorCtr="0">
+          <a:bodyPr anchorCtr="0" anchor="b" bIns="289850" lIns="289850" spcFirstLastPara="1" rIns="289850" wrap="square" tIns="289850">
             <a:normAutofit/>
           </a:bodyPr>
           <a:lstStyle>
@@ -1361,11 +1329,9 @@
       <p:sp>
         <p:nvSpPr>
           <p:cNvPr id="46" name="Google Shape;46;p11"/>
-          <p:cNvSpPr txBox="1">
-            <a:spLocks noGrp="1"/>
-          </p:cNvSpPr>
+          <p:cNvSpPr txBox="1"/>
           <p:nvPr>
-            <p:ph type="body" idx="1"/>
+            <p:ph idx="1" type="body"/>
           </p:nvPr>
         </p:nvSpPr>
         <p:spPr>
@@ -1378,11 +1344,11 @@
           </a:prstGeom>
         </p:spPr>
         <p:txBody>
-          <a:bodyPr spcFirstLastPara="1" wrap="square" lIns="289850" tIns="289850" rIns="289850" bIns="289850" anchor="t" anchorCtr="0">
+          <a:bodyPr anchorCtr="0" anchor="t" bIns="289850" lIns="289850" spcFirstLastPara="1" rIns="289850" wrap="square" tIns="289850">
             <a:normAutofit/>
           </a:bodyPr>
           <a:lstStyle>
-            <a:lvl1pPr marL="457200" lvl="0" indent="-590550" algn="ctr">
+            <a:lvl1pPr indent="-590550" lvl="0" marL="457200" algn="ctr">
               <a:spcBef>
                 <a:spcPts val="0"/>
               </a:spcBef>
@@ -1393,7 +1359,7 @@
               <a:buChar char="●"/>
               <a:defRPr/>
             </a:lvl1pPr>
-            <a:lvl2pPr marL="914400" lvl="1" indent="-508000" algn="ctr">
+            <a:lvl2pPr indent="-508000" lvl="1" marL="914400" algn="ctr">
               <a:spcBef>
                 <a:spcPts val="0"/>
               </a:spcBef>
@@ -1404,7 +1370,7 @@
               <a:buChar char="○"/>
               <a:defRPr/>
             </a:lvl2pPr>
-            <a:lvl3pPr marL="1371600" lvl="2" indent="-508000" algn="ctr">
+            <a:lvl3pPr indent="-508000" lvl="2" marL="1371600" algn="ctr">
               <a:spcBef>
                 <a:spcPts val="0"/>
               </a:spcBef>
@@ -1415,7 +1381,7 @@
               <a:buChar char="■"/>
               <a:defRPr/>
             </a:lvl3pPr>
-            <a:lvl4pPr marL="1828800" lvl="3" indent="-508000" algn="ctr">
+            <a:lvl4pPr indent="-508000" lvl="3" marL="1828800" algn="ctr">
               <a:spcBef>
                 <a:spcPts val="0"/>
               </a:spcBef>
@@ -1426,7 +1392,7 @@
               <a:buChar char="●"/>
               <a:defRPr/>
             </a:lvl4pPr>
-            <a:lvl5pPr marL="2286000" lvl="4" indent="-508000" algn="ctr">
+            <a:lvl5pPr indent="-508000" lvl="4" marL="2286000" algn="ctr">
               <a:spcBef>
                 <a:spcPts val="0"/>
               </a:spcBef>
@@ -1437,7 +1403,7 @@
               <a:buChar char="○"/>
               <a:defRPr/>
             </a:lvl5pPr>
-            <a:lvl6pPr marL="2743200" lvl="5" indent="-508000" algn="ctr">
+            <a:lvl6pPr indent="-508000" lvl="5" marL="2743200" algn="ctr">
               <a:spcBef>
                 <a:spcPts val="0"/>
               </a:spcBef>
@@ -1448,7 +1414,7 @@
               <a:buChar char="■"/>
               <a:defRPr/>
             </a:lvl6pPr>
-            <a:lvl7pPr marL="3200400" lvl="6" indent="-508000" algn="ctr">
+            <a:lvl7pPr indent="-508000" lvl="6" marL="3200400" algn="ctr">
               <a:spcBef>
                 <a:spcPts val="0"/>
               </a:spcBef>
@@ -1459,7 +1425,7 @@
               <a:buChar char="●"/>
               <a:defRPr/>
             </a:lvl7pPr>
-            <a:lvl8pPr marL="3657600" lvl="7" indent="-508000" algn="ctr">
+            <a:lvl8pPr indent="-508000" lvl="7" marL="3657600" algn="ctr">
               <a:spcBef>
                 <a:spcPts val="0"/>
               </a:spcBef>
@@ -1470,7 +1436,7 @@
               <a:buChar char="○"/>
               <a:defRPr/>
             </a:lvl8pPr>
-            <a:lvl9pPr marL="4114800" lvl="8" indent="-508000" algn="ctr">
+            <a:lvl9pPr indent="-508000" lvl="8" marL="4114800" algn="ctr">
               <a:spcBef>
                 <a:spcPts val="0"/>
               </a:spcBef>
@@ -1482,19 +1448,15 @@
               <a:defRPr/>
             </a:lvl9pPr>
           </a:lstStyle>
-          <a:p>
-            <a:endParaRPr/>
-          </a:p>
+          <a:p/>
         </p:txBody>
       </p:sp>
       <p:sp>
         <p:nvSpPr>
           <p:cNvPr id="47" name="Google Shape;47;p11"/>
-          <p:cNvSpPr txBox="1">
-            <a:spLocks noGrp="1"/>
-          </p:cNvSpPr>
+          <p:cNvSpPr txBox="1"/>
           <p:nvPr>
-            <p:ph type="sldNum" idx="12"/>
+            <p:ph idx="12" type="sldNum"/>
           </p:nvPr>
         </p:nvSpPr>
         <p:spPr>
@@ -1507,7 +1469,7 @@
           </a:prstGeom>
         </p:spPr>
         <p:txBody>
-          <a:bodyPr spcFirstLastPara="1" wrap="square" lIns="289850" tIns="289850" rIns="289850" bIns="289850" anchor="ctr" anchorCtr="0">
+          <a:bodyPr anchorCtr="0" anchor="ctr" bIns="289850" lIns="289850" spcFirstLastPara="1" rIns="289850" wrap="square" tIns="289850">
             <a:normAutofit/>
           </a:bodyPr>
           <a:lstStyle>
@@ -1549,7 +1511,7 @@
             </a:lvl9pPr>
           </a:lstStyle>
           <a:p>
-            <a:pPr marL="0" lvl="0" indent="0" algn="r" rtl="0">
+            <a:pPr indent="0" lvl="0" marL="0" rtl="0" algn="r">
               <a:spcBef>
                 <a:spcPts val="0"/>
               </a:spcBef>
@@ -1575,11 +1537,11 @@
 </file>
 
 <file path=ppt/slideLayouts/slideLayout11.xml><?xml version="1.0" encoding="utf-8"?>
-<p:sldLayout xmlns:a="http://schemas.openxmlformats.org/drawingml/2006/main" xmlns:r="http://schemas.openxmlformats.org/officeDocument/2006/relationships" xmlns:p="http://schemas.openxmlformats.org/presentationml/2006/main" matchingName="Blank" type="blank">
+<p:sldLayout xmlns:a="http://schemas.openxmlformats.org/drawingml/2006/main" xmlns:r="http://schemas.openxmlformats.org/officeDocument/2006/relationships" xmlns:mc="http://schemas.openxmlformats.org/markup-compatibility/2006" xmlns:mv="urn:schemas-microsoft-com:mac:vml" xmlns:p="http://schemas.openxmlformats.org/presentationml/2006/main" xmlns:c="http://schemas.openxmlformats.org/drawingml/2006/chart" xmlns:dgm="http://schemas.openxmlformats.org/drawingml/2006/diagram" xmlns:o="urn:schemas-microsoft-com:office:office" xmlns:v="urn:schemas-microsoft-com:vml" xmlns:pvml="urn:schemas-microsoft-com:office:powerpoint" xmlns:com="http://schemas.openxmlformats.org/drawingml/2006/compatibility" xmlns:p14="http://schemas.microsoft.com/office/powerpoint/2010/main" xmlns:p15="http://schemas.microsoft.com/office/powerpoint/2012/main" xmlns:ahyp="http://schemas.microsoft.com/office/drawing/2018/hyperlinkcolor" matchingName="Blank" type="blank">
   <p:cSld name="BLANK">
     <p:spTree>
       <p:nvGrpSpPr>
-        <p:cNvPr id="1" name="Shape 48"/>
+        <p:cNvPr id="48" name="Shape 48"/>
         <p:cNvGrpSpPr/>
         <p:nvPr/>
       </p:nvGrpSpPr>
@@ -1594,11 +1556,9 @@
       <p:sp>
         <p:nvSpPr>
           <p:cNvPr id="49" name="Google Shape;49;p12"/>
-          <p:cNvSpPr txBox="1">
-            <a:spLocks noGrp="1"/>
-          </p:cNvSpPr>
+          <p:cNvSpPr txBox="1"/>
           <p:nvPr>
-            <p:ph type="sldNum" idx="12"/>
+            <p:ph idx="12" type="sldNum"/>
           </p:nvPr>
         </p:nvSpPr>
         <p:spPr>
@@ -1611,7 +1571,7 @@
           </a:prstGeom>
         </p:spPr>
         <p:txBody>
-          <a:bodyPr spcFirstLastPara="1" wrap="square" lIns="289850" tIns="289850" rIns="289850" bIns="289850" anchor="ctr" anchorCtr="0">
+          <a:bodyPr anchorCtr="0" anchor="ctr" bIns="289850" lIns="289850" spcFirstLastPara="1" rIns="289850" wrap="square" tIns="289850">
             <a:normAutofit/>
           </a:bodyPr>
           <a:lstStyle>
@@ -1653,7 +1613,7 @@
             </a:lvl9pPr>
           </a:lstStyle>
           <a:p>
-            <a:pPr marL="0" lvl="0" indent="0" algn="r" rtl="0">
+            <a:pPr indent="0" lvl="0" marL="0" rtl="0" algn="r">
               <a:spcBef>
                 <a:spcPts val="0"/>
               </a:spcBef>
@@ -1679,11 +1639,11 @@
 </file>
 
 <file path=ppt/slideLayouts/slideLayout2.xml><?xml version="1.0" encoding="utf-8"?>
-<p:sldLayout xmlns:a="http://schemas.openxmlformats.org/drawingml/2006/main" xmlns:r="http://schemas.openxmlformats.org/officeDocument/2006/relationships" xmlns:p="http://schemas.openxmlformats.org/presentationml/2006/main" matchingName="Section header" type="secHead">
+<p:sldLayout xmlns:a="http://schemas.openxmlformats.org/drawingml/2006/main" xmlns:r="http://schemas.openxmlformats.org/officeDocument/2006/relationships" xmlns:mc="http://schemas.openxmlformats.org/markup-compatibility/2006" xmlns:mv="urn:schemas-microsoft-com:mac:vml" xmlns:p="http://schemas.openxmlformats.org/presentationml/2006/main" xmlns:c="http://schemas.openxmlformats.org/drawingml/2006/chart" xmlns:dgm="http://schemas.openxmlformats.org/drawingml/2006/diagram" xmlns:o="urn:schemas-microsoft-com:office:office" xmlns:v="urn:schemas-microsoft-com:vml" xmlns:pvml="urn:schemas-microsoft-com:office:powerpoint" xmlns:com="http://schemas.openxmlformats.org/drawingml/2006/compatibility" xmlns:p14="http://schemas.microsoft.com/office/powerpoint/2010/main" xmlns:p15="http://schemas.microsoft.com/office/powerpoint/2012/main" xmlns:ahyp="http://schemas.microsoft.com/office/drawing/2018/hyperlinkcolor" matchingName="Section header" type="secHead">
   <p:cSld name="SECTION_HEADER">
     <p:spTree>
       <p:nvGrpSpPr>
-        <p:cNvPr id="1" name="Shape 13"/>
+        <p:cNvPr id="13" name="Shape 13"/>
         <p:cNvGrpSpPr/>
         <p:nvPr/>
       </p:nvGrpSpPr>
@@ -1698,9 +1658,7 @@
       <p:sp>
         <p:nvSpPr>
           <p:cNvPr id="14" name="Google Shape;14;p3"/>
-          <p:cNvSpPr txBox="1">
-            <a:spLocks noGrp="1"/>
-          </p:cNvSpPr>
+          <p:cNvSpPr txBox="1"/>
           <p:nvPr>
             <p:ph type="title"/>
           </p:nvPr>
@@ -1715,7 +1673,7 @@
           </a:prstGeom>
         </p:spPr>
         <p:txBody>
-          <a:bodyPr spcFirstLastPara="1" wrap="square" lIns="289850" tIns="289850" rIns="289850" bIns="289850" anchor="ctr" anchorCtr="0">
+          <a:bodyPr anchorCtr="0" anchor="ctr" bIns="289850" lIns="289850" spcFirstLastPara="1" rIns="289850" wrap="square" tIns="289850">
             <a:normAutofit/>
           </a:bodyPr>
           <a:lstStyle>
@@ -1819,19 +1777,15 @@
               <a:defRPr sz="11400"/>
             </a:lvl9pPr>
           </a:lstStyle>
-          <a:p>
-            <a:endParaRPr/>
-          </a:p>
+          <a:p/>
         </p:txBody>
       </p:sp>
       <p:sp>
         <p:nvSpPr>
           <p:cNvPr id="15" name="Google Shape;15;p3"/>
-          <p:cNvSpPr txBox="1">
-            <a:spLocks noGrp="1"/>
-          </p:cNvSpPr>
+          <p:cNvSpPr txBox="1"/>
           <p:nvPr>
-            <p:ph type="sldNum" idx="12"/>
+            <p:ph idx="12" type="sldNum"/>
           </p:nvPr>
         </p:nvSpPr>
         <p:spPr>
@@ -1844,7 +1798,7 @@
           </a:prstGeom>
         </p:spPr>
         <p:txBody>
-          <a:bodyPr spcFirstLastPara="1" wrap="square" lIns="289850" tIns="289850" rIns="289850" bIns="289850" anchor="ctr" anchorCtr="0">
+          <a:bodyPr anchorCtr="0" anchor="ctr" bIns="289850" lIns="289850" spcFirstLastPara="1" rIns="289850" wrap="square" tIns="289850">
             <a:normAutofit/>
           </a:bodyPr>
           <a:lstStyle>
@@ -1886,7 +1840,7 @@
             </a:lvl9pPr>
           </a:lstStyle>
           <a:p>
-            <a:pPr marL="0" lvl="0" indent="0" algn="r" rtl="0">
+            <a:pPr indent="0" lvl="0" marL="0" rtl="0" algn="r">
               <a:spcBef>
                 <a:spcPts val="0"/>
               </a:spcBef>
@@ -1912,11 +1866,11 @@
 </file>
 
 <file path=ppt/slideLayouts/slideLayout3.xml><?xml version="1.0" encoding="utf-8"?>
-<p:sldLayout xmlns:a="http://schemas.openxmlformats.org/drawingml/2006/main" xmlns:r="http://schemas.openxmlformats.org/officeDocument/2006/relationships" xmlns:p="http://schemas.openxmlformats.org/presentationml/2006/main" matchingName="Title and body" type="tx">
+<p:sldLayout xmlns:a="http://schemas.openxmlformats.org/drawingml/2006/main" xmlns:r="http://schemas.openxmlformats.org/officeDocument/2006/relationships" xmlns:mc="http://schemas.openxmlformats.org/markup-compatibility/2006" xmlns:mv="urn:schemas-microsoft-com:mac:vml" xmlns:p="http://schemas.openxmlformats.org/presentationml/2006/main" xmlns:c="http://schemas.openxmlformats.org/drawingml/2006/chart" xmlns:dgm="http://schemas.openxmlformats.org/drawingml/2006/diagram" xmlns:o="urn:schemas-microsoft-com:office:office" xmlns:v="urn:schemas-microsoft-com:vml" xmlns:pvml="urn:schemas-microsoft-com:office:powerpoint" xmlns:com="http://schemas.openxmlformats.org/drawingml/2006/compatibility" xmlns:p14="http://schemas.microsoft.com/office/powerpoint/2010/main" xmlns:p15="http://schemas.microsoft.com/office/powerpoint/2012/main" xmlns:ahyp="http://schemas.microsoft.com/office/drawing/2018/hyperlinkcolor" matchingName="Title and body" type="tx">
   <p:cSld name="TITLE_AND_BODY">
     <p:spTree>
       <p:nvGrpSpPr>
-        <p:cNvPr id="1" name="Shape 16"/>
+        <p:cNvPr id="16" name="Shape 16"/>
         <p:cNvGrpSpPr/>
         <p:nvPr/>
       </p:nvGrpSpPr>
@@ -1931,9 +1885,7 @@
       <p:sp>
         <p:nvSpPr>
           <p:cNvPr id="17" name="Google Shape;17;p4"/>
-          <p:cNvSpPr txBox="1">
-            <a:spLocks noGrp="1"/>
-          </p:cNvSpPr>
+          <p:cNvSpPr txBox="1"/>
           <p:nvPr>
             <p:ph type="title"/>
           </p:nvPr>
@@ -1948,7 +1900,7 @@
           </a:prstGeom>
         </p:spPr>
         <p:txBody>
-          <a:bodyPr spcFirstLastPara="1" wrap="square" lIns="289850" tIns="289850" rIns="289850" bIns="289850" anchor="t" anchorCtr="0">
+          <a:bodyPr anchorCtr="0" anchor="t" bIns="289850" lIns="289850" spcFirstLastPara="1" rIns="289850" wrap="square" tIns="289850">
             <a:normAutofit/>
           </a:bodyPr>
           <a:lstStyle>
@@ -2052,19 +2004,15 @@
               <a:defRPr/>
             </a:lvl9pPr>
           </a:lstStyle>
-          <a:p>
-            <a:endParaRPr/>
-          </a:p>
+          <a:p/>
         </p:txBody>
       </p:sp>
       <p:sp>
         <p:nvSpPr>
           <p:cNvPr id="18" name="Google Shape;18;p4"/>
-          <p:cNvSpPr txBox="1">
-            <a:spLocks noGrp="1"/>
-          </p:cNvSpPr>
+          <p:cNvSpPr txBox="1"/>
           <p:nvPr>
-            <p:ph type="body" idx="1"/>
+            <p:ph idx="1" type="body"/>
           </p:nvPr>
         </p:nvSpPr>
         <p:spPr>
@@ -2077,11 +2025,11 @@
           </a:prstGeom>
         </p:spPr>
         <p:txBody>
-          <a:bodyPr spcFirstLastPara="1" wrap="square" lIns="289850" tIns="289850" rIns="289850" bIns="289850" anchor="t" anchorCtr="0">
+          <a:bodyPr anchorCtr="0" anchor="t" bIns="289850" lIns="289850" spcFirstLastPara="1" rIns="289850" wrap="square" tIns="289850">
             <a:normAutofit/>
           </a:bodyPr>
           <a:lstStyle>
-            <a:lvl1pPr marL="457200" lvl="0" indent="-590550">
+            <a:lvl1pPr indent="-590550" lvl="0" marL="457200">
               <a:spcBef>
                 <a:spcPts val="0"/>
               </a:spcBef>
@@ -2092,7 +2040,7 @@
               <a:buChar char="●"/>
               <a:defRPr/>
             </a:lvl1pPr>
-            <a:lvl2pPr marL="914400" lvl="1" indent="-508000">
+            <a:lvl2pPr indent="-508000" lvl="1" marL="914400">
               <a:spcBef>
                 <a:spcPts val="0"/>
               </a:spcBef>
@@ -2103,7 +2051,7 @@
               <a:buChar char="○"/>
               <a:defRPr/>
             </a:lvl2pPr>
-            <a:lvl3pPr marL="1371600" lvl="2" indent="-508000">
+            <a:lvl3pPr indent="-508000" lvl="2" marL="1371600">
               <a:spcBef>
                 <a:spcPts val="0"/>
               </a:spcBef>
@@ -2114,7 +2062,7 @@
               <a:buChar char="■"/>
               <a:defRPr/>
             </a:lvl3pPr>
-            <a:lvl4pPr marL="1828800" lvl="3" indent="-508000">
+            <a:lvl4pPr indent="-508000" lvl="3" marL="1828800">
               <a:spcBef>
                 <a:spcPts val="0"/>
               </a:spcBef>
@@ -2125,7 +2073,7 @@
               <a:buChar char="●"/>
               <a:defRPr/>
             </a:lvl4pPr>
-            <a:lvl5pPr marL="2286000" lvl="4" indent="-508000">
+            <a:lvl5pPr indent="-508000" lvl="4" marL="2286000">
               <a:spcBef>
                 <a:spcPts val="0"/>
               </a:spcBef>
@@ -2136,7 +2084,7 @@
               <a:buChar char="○"/>
               <a:defRPr/>
             </a:lvl5pPr>
-            <a:lvl6pPr marL="2743200" lvl="5" indent="-508000">
+            <a:lvl6pPr indent="-508000" lvl="5" marL="2743200">
               <a:spcBef>
                 <a:spcPts val="0"/>
               </a:spcBef>
@@ -2147,7 +2095,7 @@
               <a:buChar char="■"/>
               <a:defRPr/>
             </a:lvl6pPr>
-            <a:lvl7pPr marL="3200400" lvl="6" indent="-508000">
+            <a:lvl7pPr indent="-508000" lvl="6" marL="3200400">
               <a:spcBef>
                 <a:spcPts val="0"/>
               </a:spcBef>
@@ -2158,7 +2106,7 @@
               <a:buChar char="●"/>
               <a:defRPr/>
             </a:lvl7pPr>
-            <a:lvl8pPr marL="3657600" lvl="7" indent="-508000">
+            <a:lvl8pPr indent="-508000" lvl="7" marL="3657600">
               <a:spcBef>
                 <a:spcPts val="0"/>
               </a:spcBef>
@@ -2169,7 +2117,7 @@
               <a:buChar char="○"/>
               <a:defRPr/>
             </a:lvl8pPr>
-            <a:lvl9pPr marL="4114800" lvl="8" indent="-508000">
+            <a:lvl9pPr indent="-508000" lvl="8" marL="4114800">
               <a:spcBef>
                 <a:spcPts val="0"/>
               </a:spcBef>
@@ -2181,19 +2129,15 @@
               <a:defRPr/>
             </a:lvl9pPr>
           </a:lstStyle>
-          <a:p>
-            <a:endParaRPr/>
-          </a:p>
+          <a:p/>
         </p:txBody>
       </p:sp>
       <p:sp>
         <p:nvSpPr>
           <p:cNvPr id="19" name="Google Shape;19;p4"/>
-          <p:cNvSpPr txBox="1">
-            <a:spLocks noGrp="1"/>
-          </p:cNvSpPr>
+          <p:cNvSpPr txBox="1"/>
           <p:nvPr>
-            <p:ph type="sldNum" idx="12"/>
+            <p:ph idx="12" type="sldNum"/>
           </p:nvPr>
         </p:nvSpPr>
         <p:spPr>
@@ -2206,7 +2150,7 @@
           </a:prstGeom>
         </p:spPr>
         <p:txBody>
-          <a:bodyPr spcFirstLastPara="1" wrap="square" lIns="289850" tIns="289850" rIns="289850" bIns="289850" anchor="ctr" anchorCtr="0">
+          <a:bodyPr anchorCtr="0" anchor="ctr" bIns="289850" lIns="289850" spcFirstLastPara="1" rIns="289850" wrap="square" tIns="289850">
             <a:normAutofit/>
           </a:bodyPr>
           <a:lstStyle>
@@ -2248,7 +2192,7 @@
             </a:lvl9pPr>
           </a:lstStyle>
           <a:p>
-            <a:pPr marL="0" lvl="0" indent="0" algn="r" rtl="0">
+            <a:pPr indent="0" lvl="0" marL="0" rtl="0" algn="r">
               <a:spcBef>
                 <a:spcPts val="0"/>
               </a:spcBef>
@@ -2274,11 +2218,11 @@
 </file>
 
 <file path=ppt/slideLayouts/slideLayout4.xml><?xml version="1.0" encoding="utf-8"?>
-<p:sldLayout xmlns:a="http://schemas.openxmlformats.org/drawingml/2006/main" xmlns:r="http://schemas.openxmlformats.org/officeDocument/2006/relationships" xmlns:p="http://schemas.openxmlformats.org/presentationml/2006/main" matchingName="Title and two columns" type="twoColTx">
+<p:sldLayout xmlns:a="http://schemas.openxmlformats.org/drawingml/2006/main" xmlns:r="http://schemas.openxmlformats.org/officeDocument/2006/relationships" xmlns:mc="http://schemas.openxmlformats.org/markup-compatibility/2006" xmlns:mv="urn:schemas-microsoft-com:mac:vml" xmlns:p="http://schemas.openxmlformats.org/presentationml/2006/main" xmlns:c="http://schemas.openxmlformats.org/drawingml/2006/chart" xmlns:dgm="http://schemas.openxmlformats.org/drawingml/2006/diagram" xmlns:o="urn:schemas-microsoft-com:office:office" xmlns:v="urn:schemas-microsoft-com:vml" xmlns:pvml="urn:schemas-microsoft-com:office:powerpoint" xmlns:com="http://schemas.openxmlformats.org/drawingml/2006/compatibility" xmlns:p14="http://schemas.microsoft.com/office/powerpoint/2010/main" xmlns:p15="http://schemas.microsoft.com/office/powerpoint/2012/main" xmlns:ahyp="http://schemas.microsoft.com/office/drawing/2018/hyperlinkcolor" matchingName="Title and two columns" type="twoColTx">
   <p:cSld name="TITLE_AND_TWO_COLUMNS">
     <p:spTree>
       <p:nvGrpSpPr>
-        <p:cNvPr id="1" name="Shape 20"/>
+        <p:cNvPr id="20" name="Shape 20"/>
         <p:cNvGrpSpPr/>
         <p:nvPr/>
       </p:nvGrpSpPr>
@@ -2293,9 +2237,7 @@
       <p:sp>
         <p:nvSpPr>
           <p:cNvPr id="21" name="Google Shape;21;p5"/>
-          <p:cNvSpPr txBox="1">
-            <a:spLocks noGrp="1"/>
-          </p:cNvSpPr>
+          <p:cNvSpPr txBox="1"/>
           <p:nvPr>
             <p:ph type="title"/>
           </p:nvPr>
@@ -2310,7 +2252,7 @@
           </a:prstGeom>
         </p:spPr>
         <p:txBody>
-          <a:bodyPr spcFirstLastPara="1" wrap="square" lIns="289850" tIns="289850" rIns="289850" bIns="289850" anchor="t" anchorCtr="0">
+          <a:bodyPr anchorCtr="0" anchor="t" bIns="289850" lIns="289850" spcFirstLastPara="1" rIns="289850" wrap="square" tIns="289850">
             <a:normAutofit/>
           </a:bodyPr>
           <a:lstStyle>
@@ -2414,19 +2356,15 @@
               <a:defRPr/>
             </a:lvl9pPr>
           </a:lstStyle>
-          <a:p>
-            <a:endParaRPr/>
-          </a:p>
+          <a:p/>
         </p:txBody>
       </p:sp>
       <p:sp>
         <p:nvSpPr>
           <p:cNvPr id="22" name="Google Shape;22;p5"/>
-          <p:cNvSpPr txBox="1">
-            <a:spLocks noGrp="1"/>
-          </p:cNvSpPr>
+          <p:cNvSpPr txBox="1"/>
           <p:nvPr>
-            <p:ph type="body" idx="1"/>
+            <p:ph idx="1" type="body"/>
           </p:nvPr>
         </p:nvSpPr>
         <p:spPr>
@@ -2439,11 +2377,11 @@
           </a:prstGeom>
         </p:spPr>
         <p:txBody>
-          <a:bodyPr spcFirstLastPara="1" wrap="square" lIns="289850" tIns="289850" rIns="289850" bIns="289850" anchor="t" anchorCtr="0">
+          <a:bodyPr anchorCtr="0" anchor="t" bIns="289850" lIns="289850" spcFirstLastPara="1" rIns="289850" wrap="square" tIns="289850">
             <a:normAutofit/>
           </a:bodyPr>
           <a:lstStyle>
-            <a:lvl1pPr marL="457200" lvl="0" indent="-508000">
+            <a:lvl1pPr indent="-508000" lvl="0" marL="457200">
               <a:spcBef>
                 <a:spcPts val="0"/>
               </a:spcBef>
@@ -2454,7 +2392,7 @@
               <a:buChar char="●"/>
               <a:defRPr sz="4400"/>
             </a:lvl1pPr>
-            <a:lvl2pPr marL="914400" lvl="1" indent="-469900">
+            <a:lvl2pPr indent="-469900" lvl="1" marL="914400">
               <a:spcBef>
                 <a:spcPts val="0"/>
               </a:spcBef>
@@ -2465,7 +2403,7 @@
               <a:buChar char="○"/>
               <a:defRPr sz="3800"/>
             </a:lvl2pPr>
-            <a:lvl3pPr marL="1371600" lvl="2" indent="-469900">
+            <a:lvl3pPr indent="-469900" lvl="2" marL="1371600">
               <a:spcBef>
                 <a:spcPts val="0"/>
               </a:spcBef>
@@ -2476,7 +2414,7 @@
               <a:buChar char="■"/>
               <a:defRPr sz="3800"/>
             </a:lvl3pPr>
-            <a:lvl4pPr marL="1828800" lvl="3" indent="-469900">
+            <a:lvl4pPr indent="-469900" lvl="3" marL="1828800">
               <a:spcBef>
                 <a:spcPts val="0"/>
               </a:spcBef>
@@ -2487,7 +2425,7 @@
               <a:buChar char="●"/>
               <a:defRPr sz="3800"/>
             </a:lvl4pPr>
-            <a:lvl5pPr marL="2286000" lvl="4" indent="-469900">
+            <a:lvl5pPr indent="-469900" lvl="4" marL="2286000">
               <a:spcBef>
                 <a:spcPts val="0"/>
               </a:spcBef>
@@ -2498,7 +2436,7 @@
               <a:buChar char="○"/>
               <a:defRPr sz="3800"/>
             </a:lvl5pPr>
-            <a:lvl6pPr marL="2743200" lvl="5" indent="-469900">
+            <a:lvl6pPr indent="-469900" lvl="5" marL="2743200">
               <a:spcBef>
                 <a:spcPts val="0"/>
               </a:spcBef>
@@ -2509,7 +2447,7 @@
               <a:buChar char="■"/>
               <a:defRPr sz="3800"/>
             </a:lvl6pPr>
-            <a:lvl7pPr marL="3200400" lvl="6" indent="-469900">
+            <a:lvl7pPr indent="-469900" lvl="6" marL="3200400">
               <a:spcBef>
                 <a:spcPts val="0"/>
               </a:spcBef>
@@ -2520,7 +2458,7 @@
               <a:buChar char="●"/>
               <a:defRPr sz="3800"/>
             </a:lvl7pPr>
-            <a:lvl8pPr marL="3657600" lvl="7" indent="-469900">
+            <a:lvl8pPr indent="-469900" lvl="7" marL="3657600">
               <a:spcBef>
                 <a:spcPts val="0"/>
               </a:spcBef>
@@ -2531,7 +2469,7 @@
               <a:buChar char="○"/>
               <a:defRPr sz="3800"/>
             </a:lvl8pPr>
-            <a:lvl9pPr marL="4114800" lvl="8" indent="-469900">
+            <a:lvl9pPr indent="-469900" lvl="8" marL="4114800">
               <a:spcBef>
                 <a:spcPts val="0"/>
               </a:spcBef>
@@ -2543,19 +2481,15 @@
               <a:defRPr sz="3800"/>
             </a:lvl9pPr>
           </a:lstStyle>
-          <a:p>
-            <a:endParaRPr/>
-          </a:p>
+          <a:p/>
         </p:txBody>
       </p:sp>
       <p:sp>
         <p:nvSpPr>
           <p:cNvPr id="23" name="Google Shape;23;p5"/>
-          <p:cNvSpPr txBox="1">
-            <a:spLocks noGrp="1"/>
-          </p:cNvSpPr>
+          <p:cNvSpPr txBox="1"/>
           <p:nvPr>
-            <p:ph type="body" idx="2"/>
+            <p:ph idx="2" type="body"/>
           </p:nvPr>
         </p:nvSpPr>
         <p:spPr>
@@ -2568,11 +2502,11 @@
           </a:prstGeom>
         </p:spPr>
         <p:txBody>
-          <a:bodyPr spcFirstLastPara="1" wrap="square" lIns="289850" tIns="289850" rIns="289850" bIns="289850" anchor="t" anchorCtr="0">
+          <a:bodyPr anchorCtr="0" anchor="t" bIns="289850" lIns="289850" spcFirstLastPara="1" rIns="289850" wrap="square" tIns="289850">
             <a:normAutofit/>
           </a:bodyPr>
           <a:lstStyle>
-            <a:lvl1pPr marL="457200" lvl="0" indent="-508000">
+            <a:lvl1pPr indent="-508000" lvl="0" marL="457200">
               <a:spcBef>
                 <a:spcPts val="0"/>
               </a:spcBef>
@@ -2583,7 +2517,7 @@
               <a:buChar char="●"/>
               <a:defRPr sz="4400"/>
             </a:lvl1pPr>
-            <a:lvl2pPr marL="914400" lvl="1" indent="-469900">
+            <a:lvl2pPr indent="-469900" lvl="1" marL="914400">
               <a:spcBef>
                 <a:spcPts val="0"/>
               </a:spcBef>
@@ -2594,7 +2528,7 @@
               <a:buChar char="○"/>
               <a:defRPr sz="3800"/>
             </a:lvl2pPr>
-            <a:lvl3pPr marL="1371600" lvl="2" indent="-469900">
+            <a:lvl3pPr indent="-469900" lvl="2" marL="1371600">
               <a:spcBef>
                 <a:spcPts val="0"/>
               </a:spcBef>
@@ -2605,7 +2539,7 @@
               <a:buChar char="■"/>
               <a:defRPr sz="3800"/>
             </a:lvl3pPr>
-            <a:lvl4pPr marL="1828800" lvl="3" indent="-469900">
+            <a:lvl4pPr indent="-469900" lvl="3" marL="1828800">
               <a:spcBef>
                 <a:spcPts val="0"/>
               </a:spcBef>
@@ -2616,7 +2550,7 @@
               <a:buChar char="●"/>
               <a:defRPr sz="3800"/>
             </a:lvl4pPr>
-            <a:lvl5pPr marL="2286000" lvl="4" indent="-469900">
+            <a:lvl5pPr indent="-469900" lvl="4" marL="2286000">
               <a:spcBef>
                 <a:spcPts val="0"/>
               </a:spcBef>
@@ -2627,7 +2561,7 @@
               <a:buChar char="○"/>
               <a:defRPr sz="3800"/>
             </a:lvl5pPr>
-            <a:lvl6pPr marL="2743200" lvl="5" indent="-469900">
+            <a:lvl6pPr indent="-469900" lvl="5" marL="2743200">
               <a:spcBef>
                 <a:spcPts val="0"/>
               </a:spcBef>
@@ -2638,7 +2572,7 @@
               <a:buChar char="■"/>
               <a:defRPr sz="3800"/>
             </a:lvl6pPr>
-            <a:lvl7pPr marL="3200400" lvl="6" indent="-469900">
+            <a:lvl7pPr indent="-469900" lvl="6" marL="3200400">
               <a:spcBef>
                 <a:spcPts val="0"/>
               </a:spcBef>
@@ -2649,7 +2583,7 @@
               <a:buChar char="●"/>
               <a:defRPr sz="3800"/>
             </a:lvl7pPr>
-            <a:lvl8pPr marL="3657600" lvl="7" indent="-469900">
+            <a:lvl8pPr indent="-469900" lvl="7" marL="3657600">
               <a:spcBef>
                 <a:spcPts val="0"/>
               </a:spcBef>
@@ -2660,7 +2594,7 @@
               <a:buChar char="○"/>
               <a:defRPr sz="3800"/>
             </a:lvl8pPr>
-            <a:lvl9pPr marL="4114800" lvl="8" indent="-469900">
+            <a:lvl9pPr indent="-469900" lvl="8" marL="4114800">
               <a:spcBef>
                 <a:spcPts val="0"/>
               </a:spcBef>
@@ -2672,19 +2606,15 @@
               <a:defRPr sz="3800"/>
             </a:lvl9pPr>
           </a:lstStyle>
-          <a:p>
-            <a:endParaRPr/>
-          </a:p>
+          <a:p/>
         </p:txBody>
       </p:sp>
       <p:sp>
         <p:nvSpPr>
           <p:cNvPr id="24" name="Google Shape;24;p5"/>
-          <p:cNvSpPr txBox="1">
-            <a:spLocks noGrp="1"/>
-          </p:cNvSpPr>
+          <p:cNvSpPr txBox="1"/>
           <p:nvPr>
-            <p:ph type="sldNum" idx="12"/>
+            <p:ph idx="12" type="sldNum"/>
           </p:nvPr>
         </p:nvSpPr>
         <p:spPr>
@@ -2697,7 +2627,7 @@
           </a:prstGeom>
         </p:spPr>
         <p:txBody>
-          <a:bodyPr spcFirstLastPara="1" wrap="square" lIns="289850" tIns="289850" rIns="289850" bIns="289850" anchor="ctr" anchorCtr="0">
+          <a:bodyPr anchorCtr="0" anchor="ctr" bIns="289850" lIns="289850" spcFirstLastPara="1" rIns="289850" wrap="square" tIns="289850">
             <a:normAutofit/>
           </a:bodyPr>
           <a:lstStyle>
@@ -2739,7 +2669,7 @@
             </a:lvl9pPr>
           </a:lstStyle>
           <a:p>
-            <a:pPr marL="0" lvl="0" indent="0" algn="r" rtl="0">
+            <a:pPr indent="0" lvl="0" marL="0" rtl="0" algn="r">
               <a:spcBef>
                 <a:spcPts val="0"/>
               </a:spcBef>
@@ -2765,11 +2695,11 @@
 </file>
 
 <file path=ppt/slideLayouts/slideLayout5.xml><?xml version="1.0" encoding="utf-8"?>
-<p:sldLayout xmlns:a="http://schemas.openxmlformats.org/drawingml/2006/main" xmlns:r="http://schemas.openxmlformats.org/officeDocument/2006/relationships" xmlns:p="http://schemas.openxmlformats.org/presentationml/2006/main" matchingName="Title only" type="titleOnly">
+<p:sldLayout xmlns:a="http://schemas.openxmlformats.org/drawingml/2006/main" xmlns:r="http://schemas.openxmlformats.org/officeDocument/2006/relationships" xmlns:mc="http://schemas.openxmlformats.org/markup-compatibility/2006" xmlns:mv="urn:schemas-microsoft-com:mac:vml" xmlns:p="http://schemas.openxmlformats.org/presentationml/2006/main" xmlns:c="http://schemas.openxmlformats.org/drawingml/2006/chart" xmlns:dgm="http://schemas.openxmlformats.org/drawingml/2006/diagram" xmlns:o="urn:schemas-microsoft-com:office:office" xmlns:v="urn:schemas-microsoft-com:vml" xmlns:pvml="urn:schemas-microsoft-com:office:powerpoint" xmlns:com="http://schemas.openxmlformats.org/drawingml/2006/compatibility" xmlns:p14="http://schemas.microsoft.com/office/powerpoint/2010/main" xmlns:p15="http://schemas.microsoft.com/office/powerpoint/2012/main" xmlns:ahyp="http://schemas.microsoft.com/office/drawing/2018/hyperlinkcolor" matchingName="Title only" type="titleOnly">
   <p:cSld name="TITLE_ONLY">
     <p:spTree>
       <p:nvGrpSpPr>
-        <p:cNvPr id="1" name="Shape 25"/>
+        <p:cNvPr id="25" name="Shape 25"/>
         <p:cNvGrpSpPr/>
         <p:nvPr/>
       </p:nvGrpSpPr>
@@ -2784,9 +2714,7 @@
       <p:sp>
         <p:nvSpPr>
           <p:cNvPr id="26" name="Google Shape;26;p6"/>
-          <p:cNvSpPr txBox="1">
-            <a:spLocks noGrp="1"/>
-          </p:cNvSpPr>
+          <p:cNvSpPr txBox="1"/>
           <p:nvPr>
             <p:ph type="title"/>
           </p:nvPr>
@@ -2801,7 +2729,7 @@
           </a:prstGeom>
         </p:spPr>
         <p:txBody>
-          <a:bodyPr spcFirstLastPara="1" wrap="square" lIns="289850" tIns="289850" rIns="289850" bIns="289850" anchor="t" anchorCtr="0">
+          <a:bodyPr anchorCtr="0" anchor="t" bIns="289850" lIns="289850" spcFirstLastPara="1" rIns="289850" wrap="square" tIns="289850">
             <a:normAutofit/>
           </a:bodyPr>
           <a:lstStyle>
@@ -2905,19 +2833,15 @@
               <a:defRPr/>
             </a:lvl9pPr>
           </a:lstStyle>
-          <a:p>
-            <a:endParaRPr/>
-          </a:p>
+          <a:p/>
         </p:txBody>
       </p:sp>
       <p:sp>
         <p:nvSpPr>
           <p:cNvPr id="27" name="Google Shape;27;p6"/>
-          <p:cNvSpPr txBox="1">
-            <a:spLocks noGrp="1"/>
-          </p:cNvSpPr>
+          <p:cNvSpPr txBox="1"/>
           <p:nvPr>
-            <p:ph type="sldNum" idx="12"/>
+            <p:ph idx="12" type="sldNum"/>
           </p:nvPr>
         </p:nvSpPr>
         <p:spPr>
@@ -2930,7 +2854,7 @@
           </a:prstGeom>
         </p:spPr>
         <p:txBody>
-          <a:bodyPr spcFirstLastPara="1" wrap="square" lIns="289850" tIns="289850" rIns="289850" bIns="289850" anchor="ctr" anchorCtr="0">
+          <a:bodyPr anchorCtr="0" anchor="ctr" bIns="289850" lIns="289850" spcFirstLastPara="1" rIns="289850" wrap="square" tIns="289850">
             <a:normAutofit/>
           </a:bodyPr>
           <a:lstStyle>
@@ -2972,7 +2896,7 @@
             </a:lvl9pPr>
           </a:lstStyle>
           <a:p>
-            <a:pPr marL="0" lvl="0" indent="0" algn="r" rtl="0">
+            <a:pPr indent="0" lvl="0" marL="0" rtl="0" algn="r">
               <a:spcBef>
                 <a:spcPts val="0"/>
               </a:spcBef>
@@ -2998,11 +2922,11 @@
 </file>
 
 <file path=ppt/slideLayouts/slideLayout6.xml><?xml version="1.0" encoding="utf-8"?>
-<p:sldLayout xmlns:a="http://schemas.openxmlformats.org/drawingml/2006/main" xmlns:r="http://schemas.openxmlformats.org/officeDocument/2006/relationships" xmlns:p="http://schemas.openxmlformats.org/presentationml/2006/main" matchingName="One column text">
+<p:sldLayout xmlns:a="http://schemas.openxmlformats.org/drawingml/2006/main" xmlns:r="http://schemas.openxmlformats.org/officeDocument/2006/relationships" xmlns:mc="http://schemas.openxmlformats.org/markup-compatibility/2006" xmlns:mv="urn:schemas-microsoft-com:mac:vml" xmlns:p="http://schemas.openxmlformats.org/presentationml/2006/main" xmlns:c="http://schemas.openxmlformats.org/drawingml/2006/chart" xmlns:dgm="http://schemas.openxmlformats.org/drawingml/2006/diagram" xmlns:o="urn:schemas-microsoft-com:office:office" xmlns:v="urn:schemas-microsoft-com:vml" xmlns:pvml="urn:schemas-microsoft-com:office:powerpoint" xmlns:com="http://schemas.openxmlformats.org/drawingml/2006/compatibility" xmlns:p14="http://schemas.microsoft.com/office/powerpoint/2010/main" xmlns:p15="http://schemas.microsoft.com/office/powerpoint/2012/main" xmlns:ahyp="http://schemas.microsoft.com/office/drawing/2018/hyperlinkcolor" matchingName="One column text">
   <p:cSld name="ONE_COLUMN_TEXT">
     <p:spTree>
       <p:nvGrpSpPr>
-        <p:cNvPr id="1" name="Shape 28"/>
+        <p:cNvPr id="28" name="Shape 28"/>
         <p:cNvGrpSpPr/>
         <p:nvPr/>
       </p:nvGrpSpPr>
@@ -3017,9 +2941,7 @@
       <p:sp>
         <p:nvSpPr>
           <p:cNvPr id="29" name="Google Shape;29;p7"/>
-          <p:cNvSpPr txBox="1">
-            <a:spLocks noGrp="1"/>
-          </p:cNvSpPr>
+          <p:cNvSpPr txBox="1"/>
           <p:nvPr>
             <p:ph type="title"/>
           </p:nvPr>
@@ -3034,7 +2956,7 @@
           </a:prstGeom>
         </p:spPr>
         <p:txBody>
-          <a:bodyPr spcFirstLastPara="1" wrap="square" lIns="289850" tIns="289850" rIns="289850" bIns="289850" anchor="b" anchorCtr="0">
+          <a:bodyPr anchorCtr="0" anchor="b" bIns="289850" lIns="289850" spcFirstLastPara="1" rIns="289850" wrap="square" tIns="289850">
             <a:normAutofit/>
           </a:bodyPr>
           <a:lstStyle>
@@ -3138,19 +3060,15 @@
               <a:defRPr sz="7600"/>
             </a:lvl9pPr>
           </a:lstStyle>
-          <a:p>
-            <a:endParaRPr/>
-          </a:p>
+          <a:p/>
         </p:txBody>
       </p:sp>
       <p:sp>
         <p:nvSpPr>
           <p:cNvPr id="30" name="Google Shape;30;p7"/>
-          <p:cNvSpPr txBox="1">
-            <a:spLocks noGrp="1"/>
-          </p:cNvSpPr>
+          <p:cNvSpPr txBox="1"/>
           <p:nvPr>
-            <p:ph type="body" idx="1"/>
+            <p:ph idx="1" type="body"/>
           </p:nvPr>
         </p:nvSpPr>
         <p:spPr>
@@ -3163,11 +3081,11 @@
           </a:prstGeom>
         </p:spPr>
         <p:txBody>
-          <a:bodyPr spcFirstLastPara="1" wrap="square" lIns="289850" tIns="289850" rIns="289850" bIns="289850" anchor="t" anchorCtr="0">
+          <a:bodyPr anchorCtr="0" anchor="t" bIns="289850" lIns="289850" spcFirstLastPara="1" rIns="289850" wrap="square" tIns="289850">
             <a:normAutofit/>
           </a:bodyPr>
           <a:lstStyle>
-            <a:lvl1pPr marL="457200" lvl="0" indent="-469900">
+            <a:lvl1pPr indent="-469900" lvl="0" marL="457200">
               <a:spcBef>
                 <a:spcPts val="0"/>
               </a:spcBef>
@@ -3178,7 +3096,7 @@
               <a:buChar char="●"/>
               <a:defRPr sz="3800"/>
             </a:lvl1pPr>
-            <a:lvl2pPr marL="914400" lvl="1" indent="-469900">
+            <a:lvl2pPr indent="-469900" lvl="1" marL="914400">
               <a:spcBef>
                 <a:spcPts val="0"/>
               </a:spcBef>
@@ -3189,7 +3107,7 @@
               <a:buChar char="○"/>
               <a:defRPr sz="3800"/>
             </a:lvl2pPr>
-            <a:lvl3pPr marL="1371600" lvl="2" indent="-469900">
+            <a:lvl3pPr indent="-469900" lvl="2" marL="1371600">
               <a:spcBef>
                 <a:spcPts val="0"/>
               </a:spcBef>
@@ -3200,7 +3118,7 @@
               <a:buChar char="■"/>
               <a:defRPr sz="3800"/>
             </a:lvl3pPr>
-            <a:lvl4pPr marL="1828800" lvl="3" indent="-469900">
+            <a:lvl4pPr indent="-469900" lvl="3" marL="1828800">
               <a:spcBef>
                 <a:spcPts val="0"/>
               </a:spcBef>
@@ -3211,7 +3129,7 @@
               <a:buChar char="●"/>
               <a:defRPr sz="3800"/>
             </a:lvl4pPr>
-            <a:lvl5pPr marL="2286000" lvl="4" indent="-469900">
+            <a:lvl5pPr indent="-469900" lvl="4" marL="2286000">
               <a:spcBef>
                 <a:spcPts val="0"/>
               </a:spcBef>
@@ -3222,7 +3140,7 @@
               <a:buChar char="○"/>
               <a:defRPr sz="3800"/>
             </a:lvl5pPr>
-            <a:lvl6pPr marL="2743200" lvl="5" indent="-469900">
+            <a:lvl6pPr indent="-469900" lvl="5" marL="2743200">
               <a:spcBef>
                 <a:spcPts val="0"/>
               </a:spcBef>
@@ -3233,7 +3151,7 @@
               <a:buChar char="■"/>
               <a:defRPr sz="3800"/>
             </a:lvl6pPr>
-            <a:lvl7pPr marL="3200400" lvl="6" indent="-469900">
+            <a:lvl7pPr indent="-469900" lvl="6" marL="3200400">
               <a:spcBef>
                 <a:spcPts val="0"/>
               </a:spcBef>
@@ -3244,7 +3162,7 @@
               <a:buChar char="●"/>
               <a:defRPr sz="3800"/>
             </a:lvl7pPr>
-            <a:lvl8pPr marL="3657600" lvl="7" indent="-469900">
+            <a:lvl8pPr indent="-469900" lvl="7" marL="3657600">
               <a:spcBef>
                 <a:spcPts val="0"/>
               </a:spcBef>
@@ -3255,7 +3173,7 @@
               <a:buChar char="○"/>
               <a:defRPr sz="3800"/>
             </a:lvl8pPr>
-            <a:lvl9pPr marL="4114800" lvl="8" indent="-469900">
+            <a:lvl9pPr indent="-469900" lvl="8" marL="4114800">
               <a:spcBef>
                 <a:spcPts val="0"/>
               </a:spcBef>
@@ -3267,19 +3185,15 @@
               <a:defRPr sz="3800"/>
             </a:lvl9pPr>
           </a:lstStyle>
-          <a:p>
-            <a:endParaRPr/>
-          </a:p>
+          <a:p/>
         </p:txBody>
       </p:sp>
       <p:sp>
         <p:nvSpPr>
           <p:cNvPr id="31" name="Google Shape;31;p7"/>
-          <p:cNvSpPr txBox="1">
-            <a:spLocks noGrp="1"/>
-          </p:cNvSpPr>
+          <p:cNvSpPr txBox="1"/>
           <p:nvPr>
-            <p:ph type="sldNum" idx="12"/>
+            <p:ph idx="12" type="sldNum"/>
           </p:nvPr>
         </p:nvSpPr>
         <p:spPr>
@@ -3292,7 +3206,7 @@
           </a:prstGeom>
         </p:spPr>
         <p:txBody>
-          <a:bodyPr spcFirstLastPara="1" wrap="square" lIns="289850" tIns="289850" rIns="289850" bIns="289850" anchor="ctr" anchorCtr="0">
+          <a:bodyPr anchorCtr="0" anchor="ctr" bIns="289850" lIns="289850" spcFirstLastPara="1" rIns="289850" wrap="square" tIns="289850">
             <a:normAutofit/>
           </a:bodyPr>
           <a:lstStyle>
@@ -3334,7 +3248,7 @@
             </a:lvl9pPr>
           </a:lstStyle>
           <a:p>
-            <a:pPr marL="0" lvl="0" indent="0" algn="r" rtl="0">
+            <a:pPr indent="0" lvl="0" marL="0" rtl="0" algn="r">
               <a:spcBef>
                 <a:spcPts val="0"/>
               </a:spcBef>
@@ -3360,11 +3274,11 @@
 </file>
 
 <file path=ppt/slideLayouts/slideLayout7.xml><?xml version="1.0" encoding="utf-8"?>
-<p:sldLayout xmlns:a="http://schemas.openxmlformats.org/drawingml/2006/main" xmlns:r="http://schemas.openxmlformats.org/officeDocument/2006/relationships" xmlns:p="http://schemas.openxmlformats.org/presentationml/2006/main" matchingName="Main point">
+<p:sldLayout xmlns:a="http://schemas.openxmlformats.org/drawingml/2006/main" xmlns:r="http://schemas.openxmlformats.org/officeDocument/2006/relationships" xmlns:mc="http://schemas.openxmlformats.org/markup-compatibility/2006" xmlns:mv="urn:schemas-microsoft-com:mac:vml" xmlns:p="http://schemas.openxmlformats.org/presentationml/2006/main" xmlns:c="http://schemas.openxmlformats.org/drawingml/2006/chart" xmlns:dgm="http://schemas.openxmlformats.org/drawingml/2006/diagram" xmlns:o="urn:schemas-microsoft-com:office:office" xmlns:v="urn:schemas-microsoft-com:vml" xmlns:pvml="urn:schemas-microsoft-com:office:powerpoint" xmlns:com="http://schemas.openxmlformats.org/drawingml/2006/compatibility" xmlns:p14="http://schemas.microsoft.com/office/powerpoint/2010/main" xmlns:p15="http://schemas.microsoft.com/office/powerpoint/2012/main" xmlns:ahyp="http://schemas.microsoft.com/office/drawing/2018/hyperlinkcolor" matchingName="Main point">
   <p:cSld name="MAIN_POINT">
     <p:spTree>
       <p:nvGrpSpPr>
-        <p:cNvPr id="1" name="Shape 32"/>
+        <p:cNvPr id="32" name="Shape 32"/>
         <p:cNvGrpSpPr/>
         <p:nvPr/>
       </p:nvGrpSpPr>
@@ -3379,9 +3293,7 @@
       <p:sp>
         <p:nvSpPr>
           <p:cNvPr id="33" name="Google Shape;33;p8"/>
-          <p:cNvSpPr txBox="1">
-            <a:spLocks noGrp="1"/>
-          </p:cNvSpPr>
+          <p:cNvSpPr txBox="1"/>
           <p:nvPr>
             <p:ph type="title"/>
           </p:nvPr>
@@ -3396,7 +3308,7 @@
           </a:prstGeom>
         </p:spPr>
         <p:txBody>
-          <a:bodyPr spcFirstLastPara="1" wrap="square" lIns="289850" tIns="289850" rIns="289850" bIns="289850" anchor="ctr" anchorCtr="0">
+          <a:bodyPr anchorCtr="0" anchor="ctr" bIns="289850" lIns="289850" spcFirstLastPara="1" rIns="289850" wrap="square" tIns="289850">
             <a:normAutofit/>
           </a:bodyPr>
           <a:lstStyle>
@@ -3500,19 +3412,15 @@
               <a:defRPr sz="15200"/>
             </a:lvl9pPr>
           </a:lstStyle>
-          <a:p>
-            <a:endParaRPr/>
-          </a:p>
+          <a:p/>
         </p:txBody>
       </p:sp>
       <p:sp>
         <p:nvSpPr>
           <p:cNvPr id="34" name="Google Shape;34;p8"/>
-          <p:cNvSpPr txBox="1">
-            <a:spLocks noGrp="1"/>
-          </p:cNvSpPr>
+          <p:cNvSpPr txBox="1"/>
           <p:nvPr>
-            <p:ph type="sldNum" idx="12"/>
+            <p:ph idx="12" type="sldNum"/>
           </p:nvPr>
         </p:nvSpPr>
         <p:spPr>
@@ -3525,7 +3433,7 @@
           </a:prstGeom>
         </p:spPr>
         <p:txBody>
-          <a:bodyPr spcFirstLastPara="1" wrap="square" lIns="289850" tIns="289850" rIns="289850" bIns="289850" anchor="ctr" anchorCtr="0">
+          <a:bodyPr anchorCtr="0" anchor="ctr" bIns="289850" lIns="289850" spcFirstLastPara="1" rIns="289850" wrap="square" tIns="289850">
             <a:normAutofit/>
           </a:bodyPr>
           <a:lstStyle>
@@ -3567,7 +3475,7 @@
             </a:lvl9pPr>
           </a:lstStyle>
           <a:p>
-            <a:pPr marL="0" lvl="0" indent="0" algn="r" rtl="0">
+            <a:pPr indent="0" lvl="0" marL="0" rtl="0" algn="r">
               <a:spcBef>
                 <a:spcPts val="0"/>
               </a:spcBef>
@@ -3593,11 +3501,11 @@
 </file>
 
 <file path=ppt/slideLayouts/slideLayout8.xml><?xml version="1.0" encoding="utf-8"?>
-<p:sldLayout xmlns:a="http://schemas.openxmlformats.org/drawingml/2006/main" xmlns:r="http://schemas.openxmlformats.org/officeDocument/2006/relationships" xmlns:p="http://schemas.openxmlformats.org/presentationml/2006/main" matchingName="Section title and description">
+<p:sldLayout xmlns:a="http://schemas.openxmlformats.org/drawingml/2006/main" xmlns:r="http://schemas.openxmlformats.org/officeDocument/2006/relationships" xmlns:mc="http://schemas.openxmlformats.org/markup-compatibility/2006" xmlns:mv="urn:schemas-microsoft-com:mac:vml" xmlns:p="http://schemas.openxmlformats.org/presentationml/2006/main" xmlns:c="http://schemas.openxmlformats.org/drawingml/2006/chart" xmlns:dgm="http://schemas.openxmlformats.org/drawingml/2006/diagram" xmlns:o="urn:schemas-microsoft-com:office:office" xmlns:v="urn:schemas-microsoft-com:vml" xmlns:pvml="urn:schemas-microsoft-com:office:powerpoint" xmlns:com="http://schemas.openxmlformats.org/drawingml/2006/compatibility" xmlns:p14="http://schemas.microsoft.com/office/powerpoint/2010/main" xmlns:p15="http://schemas.microsoft.com/office/powerpoint/2012/main" xmlns:ahyp="http://schemas.microsoft.com/office/drawing/2018/hyperlinkcolor" matchingName="Section title and description">
   <p:cSld name="SECTION_TITLE_AND_DESCRIPTION">
     <p:spTree>
       <p:nvGrpSpPr>
-        <p:cNvPr id="1" name="Shape 35"/>
+        <p:cNvPr id="35" name="Shape 35"/>
         <p:cNvGrpSpPr/>
         <p:nvPr/>
       </p:nvGrpSpPr>
@@ -3631,12 +3539,12 @@
           </a:ln>
         </p:spPr>
         <p:txBody>
-          <a:bodyPr spcFirstLastPara="1" wrap="square" lIns="289850" tIns="289850" rIns="289850" bIns="289850" anchor="ctr" anchorCtr="0">
+          <a:bodyPr anchorCtr="0" anchor="ctr" bIns="289850" lIns="289850" spcFirstLastPara="1" rIns="289850" wrap="square" tIns="289850">
             <a:noAutofit/>
           </a:bodyPr>
           <a:lstStyle/>
           <a:p>
-            <a:pPr marL="0" lvl="0" indent="0" algn="l" rtl="0">
+            <a:pPr indent="0" lvl="0" marL="0" rtl="0" algn="l">
               <a:spcBef>
                 <a:spcPts val="0"/>
               </a:spcBef>
@@ -3645,6 +3553,9 @@
               </a:spcAft>
               <a:buNone/>
             </a:pPr>
+            <a:r>
+              <a:t/>
+            </a:r>
             <a:endParaRPr/>
           </a:p>
         </p:txBody>
@@ -3652,9 +3563,7 @@
       <p:sp>
         <p:nvSpPr>
           <p:cNvPr id="37" name="Google Shape;37;p9"/>
-          <p:cNvSpPr txBox="1">
-            <a:spLocks noGrp="1"/>
-          </p:cNvSpPr>
+          <p:cNvSpPr txBox="1"/>
           <p:nvPr>
             <p:ph type="title"/>
           </p:nvPr>
@@ -3669,7 +3578,7 @@
           </a:prstGeom>
         </p:spPr>
         <p:txBody>
-          <a:bodyPr spcFirstLastPara="1" wrap="square" lIns="289850" tIns="289850" rIns="289850" bIns="289850" anchor="b" anchorCtr="0">
+          <a:bodyPr anchorCtr="0" anchor="b" bIns="289850" lIns="289850" spcFirstLastPara="1" rIns="289850" wrap="square" tIns="289850">
             <a:normAutofit/>
           </a:bodyPr>
           <a:lstStyle>
@@ -3773,19 +3682,15 @@
               <a:defRPr sz="13300"/>
             </a:lvl9pPr>
           </a:lstStyle>
-          <a:p>
-            <a:endParaRPr/>
-          </a:p>
+          <a:p/>
         </p:txBody>
       </p:sp>
       <p:sp>
         <p:nvSpPr>
           <p:cNvPr id="38" name="Google Shape;38;p9"/>
-          <p:cNvSpPr txBox="1">
-            <a:spLocks noGrp="1"/>
-          </p:cNvSpPr>
+          <p:cNvSpPr txBox="1"/>
           <p:nvPr>
-            <p:ph type="subTitle" idx="1"/>
+            <p:ph idx="1" type="subTitle"/>
           </p:nvPr>
         </p:nvSpPr>
         <p:spPr>
@@ -3798,7 +3703,7 @@
           </a:prstGeom>
         </p:spPr>
         <p:txBody>
-          <a:bodyPr spcFirstLastPara="1" wrap="square" lIns="289850" tIns="289850" rIns="289850" bIns="289850" anchor="t" anchorCtr="0">
+          <a:bodyPr anchorCtr="0" anchor="t" bIns="289850" lIns="289850" spcFirstLastPara="1" rIns="289850" wrap="square" tIns="289850">
             <a:normAutofit/>
           </a:bodyPr>
           <a:lstStyle>
@@ -3929,19 +3834,15 @@
               <a:defRPr sz="6700"/>
             </a:lvl9pPr>
           </a:lstStyle>
-          <a:p>
-            <a:endParaRPr/>
-          </a:p>
+          <a:p/>
         </p:txBody>
       </p:sp>
       <p:sp>
         <p:nvSpPr>
           <p:cNvPr id="39" name="Google Shape;39;p9"/>
-          <p:cNvSpPr txBox="1">
-            <a:spLocks noGrp="1"/>
-          </p:cNvSpPr>
+          <p:cNvSpPr txBox="1"/>
           <p:nvPr>
-            <p:ph type="body" idx="2"/>
+            <p:ph idx="2" type="body"/>
           </p:nvPr>
         </p:nvSpPr>
         <p:spPr>
@@ -3954,11 +3855,11 @@
           </a:prstGeom>
         </p:spPr>
         <p:txBody>
-          <a:bodyPr spcFirstLastPara="1" wrap="square" lIns="289850" tIns="289850" rIns="289850" bIns="289850" anchor="ctr" anchorCtr="0">
+          <a:bodyPr anchorCtr="0" anchor="ctr" bIns="289850" lIns="289850" spcFirstLastPara="1" rIns="289850" wrap="square" tIns="289850">
             <a:normAutofit/>
           </a:bodyPr>
           <a:lstStyle>
-            <a:lvl1pPr marL="457200" lvl="0" indent="-590550">
+            <a:lvl1pPr indent="-590550" lvl="0" marL="457200">
               <a:spcBef>
                 <a:spcPts val="0"/>
               </a:spcBef>
@@ -3969,7 +3870,7 @@
               <a:buChar char="●"/>
               <a:defRPr/>
             </a:lvl1pPr>
-            <a:lvl2pPr marL="914400" lvl="1" indent="-508000">
+            <a:lvl2pPr indent="-508000" lvl="1" marL="914400">
               <a:spcBef>
                 <a:spcPts val="0"/>
               </a:spcBef>
@@ -3980,7 +3881,7 @@
               <a:buChar char="○"/>
               <a:defRPr/>
             </a:lvl2pPr>
-            <a:lvl3pPr marL="1371600" lvl="2" indent="-508000">
+            <a:lvl3pPr indent="-508000" lvl="2" marL="1371600">
               <a:spcBef>
                 <a:spcPts val="0"/>
               </a:spcBef>
@@ -3991,7 +3892,7 @@
               <a:buChar char="■"/>
               <a:defRPr/>
             </a:lvl3pPr>
-            <a:lvl4pPr marL="1828800" lvl="3" indent="-508000">
+            <a:lvl4pPr indent="-508000" lvl="3" marL="1828800">
               <a:spcBef>
                 <a:spcPts val="0"/>
               </a:spcBef>
@@ -4002,7 +3903,7 @@
               <a:buChar char="●"/>
               <a:defRPr/>
             </a:lvl4pPr>
-            <a:lvl5pPr marL="2286000" lvl="4" indent="-508000">
+            <a:lvl5pPr indent="-508000" lvl="4" marL="2286000">
               <a:spcBef>
                 <a:spcPts val="0"/>
               </a:spcBef>
@@ -4013,7 +3914,7 @@
               <a:buChar char="○"/>
               <a:defRPr/>
             </a:lvl5pPr>
-            <a:lvl6pPr marL="2743200" lvl="5" indent="-508000">
+            <a:lvl6pPr indent="-508000" lvl="5" marL="2743200">
               <a:spcBef>
                 <a:spcPts val="0"/>
               </a:spcBef>
@@ -4024,7 +3925,7 @@
               <a:buChar char="■"/>
               <a:defRPr/>
             </a:lvl6pPr>
-            <a:lvl7pPr marL="3200400" lvl="6" indent="-508000">
+            <a:lvl7pPr indent="-508000" lvl="6" marL="3200400">
               <a:spcBef>
                 <a:spcPts val="0"/>
               </a:spcBef>
@@ -4035,7 +3936,7 @@
               <a:buChar char="●"/>
               <a:defRPr/>
             </a:lvl7pPr>
-            <a:lvl8pPr marL="3657600" lvl="7" indent="-508000">
+            <a:lvl8pPr indent="-508000" lvl="7" marL="3657600">
               <a:spcBef>
                 <a:spcPts val="0"/>
               </a:spcBef>
@@ -4046,7 +3947,7 @@
               <a:buChar char="○"/>
               <a:defRPr/>
             </a:lvl8pPr>
-            <a:lvl9pPr marL="4114800" lvl="8" indent="-508000">
+            <a:lvl9pPr indent="-508000" lvl="8" marL="4114800">
               <a:spcBef>
                 <a:spcPts val="0"/>
               </a:spcBef>
@@ -4058,19 +3959,15 @@
               <a:defRPr/>
             </a:lvl9pPr>
           </a:lstStyle>
-          <a:p>
-            <a:endParaRPr/>
-          </a:p>
+          <a:p/>
         </p:txBody>
       </p:sp>
       <p:sp>
         <p:nvSpPr>
           <p:cNvPr id="40" name="Google Shape;40;p9"/>
-          <p:cNvSpPr txBox="1">
-            <a:spLocks noGrp="1"/>
-          </p:cNvSpPr>
+          <p:cNvSpPr txBox="1"/>
           <p:nvPr>
-            <p:ph type="sldNum" idx="12"/>
+            <p:ph idx="12" type="sldNum"/>
           </p:nvPr>
         </p:nvSpPr>
         <p:spPr>
@@ -4083,7 +3980,7 @@
           </a:prstGeom>
         </p:spPr>
         <p:txBody>
-          <a:bodyPr spcFirstLastPara="1" wrap="square" lIns="289850" tIns="289850" rIns="289850" bIns="289850" anchor="ctr" anchorCtr="0">
+          <a:bodyPr anchorCtr="0" anchor="ctr" bIns="289850" lIns="289850" spcFirstLastPara="1" rIns="289850" wrap="square" tIns="289850">
             <a:normAutofit/>
           </a:bodyPr>
           <a:lstStyle>
@@ -4125,7 +4022,7 @@
             </a:lvl9pPr>
           </a:lstStyle>
           <a:p>
-            <a:pPr marL="0" lvl="0" indent="0" algn="r" rtl="0">
+            <a:pPr indent="0" lvl="0" marL="0" rtl="0" algn="r">
               <a:spcBef>
                 <a:spcPts val="0"/>
               </a:spcBef>
@@ -4151,11 +4048,11 @@
 </file>
 
 <file path=ppt/slideLayouts/slideLayout9.xml><?xml version="1.0" encoding="utf-8"?>
-<p:sldLayout xmlns:a="http://schemas.openxmlformats.org/drawingml/2006/main" xmlns:r="http://schemas.openxmlformats.org/officeDocument/2006/relationships" xmlns:p="http://schemas.openxmlformats.org/presentationml/2006/main" matchingName="Caption">
+<p:sldLayout xmlns:a="http://schemas.openxmlformats.org/drawingml/2006/main" xmlns:r="http://schemas.openxmlformats.org/officeDocument/2006/relationships" xmlns:mc="http://schemas.openxmlformats.org/markup-compatibility/2006" xmlns:mv="urn:schemas-microsoft-com:mac:vml" xmlns:p="http://schemas.openxmlformats.org/presentationml/2006/main" xmlns:c="http://schemas.openxmlformats.org/drawingml/2006/chart" xmlns:dgm="http://schemas.openxmlformats.org/drawingml/2006/diagram" xmlns:o="urn:schemas-microsoft-com:office:office" xmlns:v="urn:schemas-microsoft-com:vml" xmlns:pvml="urn:schemas-microsoft-com:office:powerpoint" xmlns:com="http://schemas.openxmlformats.org/drawingml/2006/compatibility" xmlns:p14="http://schemas.microsoft.com/office/powerpoint/2010/main" xmlns:p15="http://schemas.microsoft.com/office/powerpoint/2012/main" xmlns:ahyp="http://schemas.microsoft.com/office/drawing/2018/hyperlinkcolor" matchingName="Caption">
   <p:cSld name="CAPTION_ONLY">
     <p:spTree>
       <p:nvGrpSpPr>
-        <p:cNvPr id="1" name="Shape 41"/>
+        <p:cNvPr id="41" name="Shape 41"/>
         <p:cNvGrpSpPr/>
         <p:nvPr/>
       </p:nvGrpSpPr>
@@ -4170,11 +4067,9 @@
       <p:sp>
         <p:nvSpPr>
           <p:cNvPr id="42" name="Google Shape;42;p10"/>
-          <p:cNvSpPr txBox="1">
-            <a:spLocks noGrp="1"/>
-          </p:cNvSpPr>
+          <p:cNvSpPr txBox="1"/>
           <p:nvPr>
-            <p:ph type="body" idx="1"/>
+            <p:ph idx="1" type="body"/>
           </p:nvPr>
         </p:nvSpPr>
         <p:spPr>
@@ -4187,11 +4082,11 @@
           </a:prstGeom>
         </p:spPr>
         <p:txBody>
-          <a:bodyPr spcFirstLastPara="1" wrap="square" lIns="289850" tIns="289850" rIns="289850" bIns="289850" anchor="ctr" anchorCtr="0">
+          <a:bodyPr anchorCtr="0" anchor="ctr" bIns="289850" lIns="289850" spcFirstLastPara="1" rIns="289850" wrap="square" tIns="289850">
             <a:normAutofit/>
           </a:bodyPr>
           <a:lstStyle>
-            <a:lvl1pPr marL="457200" lvl="0" indent="-228600">
+            <a:lvl1pPr indent="-228600" lvl="0" marL="457200">
               <a:lnSpc>
                 <a:spcPct val="100000"/>
               </a:lnSpc>
@@ -4206,19 +4101,15 @@
               <a:defRPr/>
             </a:lvl1pPr>
           </a:lstStyle>
-          <a:p>
-            <a:endParaRPr/>
-          </a:p>
+          <a:p/>
         </p:txBody>
       </p:sp>
       <p:sp>
         <p:nvSpPr>
           <p:cNvPr id="43" name="Google Shape;43;p10"/>
-          <p:cNvSpPr txBox="1">
-            <a:spLocks noGrp="1"/>
-          </p:cNvSpPr>
+          <p:cNvSpPr txBox="1"/>
           <p:nvPr>
-            <p:ph type="sldNum" idx="12"/>
+            <p:ph idx="12" type="sldNum"/>
           </p:nvPr>
         </p:nvSpPr>
         <p:spPr>
@@ -4231,7 +4122,7 @@
           </a:prstGeom>
         </p:spPr>
         <p:txBody>
-          <a:bodyPr spcFirstLastPara="1" wrap="square" lIns="289850" tIns="289850" rIns="289850" bIns="289850" anchor="ctr" anchorCtr="0">
+          <a:bodyPr anchorCtr="0" anchor="ctr" bIns="289850" lIns="289850" spcFirstLastPara="1" rIns="289850" wrap="square" tIns="289850">
             <a:normAutofit/>
           </a:bodyPr>
           <a:lstStyle>
@@ -4273,7 +4164,7 @@
             </a:lvl9pPr>
           </a:lstStyle>
           <a:p>
-            <a:pPr marL="0" lvl="0" indent="0" algn="r" rtl="0">
+            <a:pPr indent="0" lvl="0" marL="0" rtl="0" algn="r">
               <a:spcBef>
                 <a:spcPts val="0"/>
               </a:spcBef>
@@ -4299,19 +4190,18 @@
 </file>
 
 <file path=ppt/slideMasters/slideMaster1.xml><?xml version="1.0" encoding="utf-8"?>
-<p:sldMaster xmlns:a="http://schemas.openxmlformats.org/drawingml/2006/main" xmlns:r="http://schemas.openxmlformats.org/officeDocument/2006/relationships" xmlns:p="http://schemas.openxmlformats.org/presentationml/2006/main">
+<p:sldMaster xmlns:a="http://schemas.openxmlformats.org/drawingml/2006/main" xmlns:r="http://schemas.openxmlformats.org/officeDocument/2006/relationships" xmlns:mc="http://schemas.openxmlformats.org/markup-compatibility/2006" xmlns:mv="urn:schemas-microsoft-com:mac:vml" xmlns:p="http://schemas.openxmlformats.org/presentationml/2006/main" xmlns:c="http://schemas.openxmlformats.org/drawingml/2006/chart" xmlns:dgm="http://schemas.openxmlformats.org/drawingml/2006/diagram" xmlns:o="urn:schemas-microsoft-com:office:office" xmlns:v="urn:schemas-microsoft-com:vml" xmlns:pvml="urn:schemas-microsoft-com:office:powerpoint" xmlns:com="http://schemas.openxmlformats.org/drawingml/2006/compatibility" xmlns:p14="http://schemas.microsoft.com/office/powerpoint/2010/main" xmlns:p15="http://schemas.microsoft.com/office/powerpoint/2012/main" xmlns:ahyp="http://schemas.microsoft.com/office/drawing/2018/hyperlinkcolor">
   <p:cSld name="simple-light-2">
     <p:bg>
       <p:bgPr>
         <a:solidFill>
           <a:schemeClr val="lt1"/>
         </a:solidFill>
-        <a:effectLst/>
       </p:bgPr>
     </p:bg>
     <p:spTree>
       <p:nvGrpSpPr>
-        <p:cNvPr id="1" name="Shape 5"/>
+        <p:cNvPr id="5" name="Shape 5"/>
         <p:cNvGrpSpPr/>
         <p:nvPr/>
       </p:nvGrpSpPr>
@@ -4326,9 +4216,7 @@
       <p:sp>
         <p:nvSpPr>
           <p:cNvPr id="6" name="Google Shape;6;p1"/>
-          <p:cNvSpPr txBox="1">
-            <a:spLocks noGrp="1"/>
-          </p:cNvSpPr>
+          <p:cNvSpPr txBox="1"/>
           <p:nvPr>
             <p:ph type="title"/>
           </p:nvPr>
@@ -4347,7 +4235,7 @@
           </a:ln>
         </p:spPr>
         <p:txBody>
-          <a:bodyPr spcFirstLastPara="1" wrap="square" lIns="289850" tIns="289850" rIns="289850" bIns="289850" anchor="t" anchorCtr="0">
+          <a:bodyPr anchorCtr="0" anchor="t" bIns="289850" lIns="289850" spcFirstLastPara="1" rIns="289850" wrap="square" tIns="289850">
             <a:normAutofit/>
           </a:bodyPr>
           <a:lstStyle>
@@ -4514,19 +4402,15 @@
               </a:defRPr>
             </a:lvl9pPr>
           </a:lstStyle>
-          <a:p>
-            <a:endParaRPr/>
-          </a:p>
+          <a:p/>
         </p:txBody>
       </p:sp>
       <p:sp>
         <p:nvSpPr>
           <p:cNvPr id="7" name="Google Shape;7;p1"/>
-          <p:cNvSpPr txBox="1">
-            <a:spLocks noGrp="1"/>
-          </p:cNvSpPr>
+          <p:cNvSpPr txBox="1"/>
           <p:nvPr>
-            <p:ph type="body" idx="1"/>
+            <p:ph idx="1" type="body"/>
           </p:nvPr>
         </p:nvSpPr>
         <p:spPr>
@@ -4543,11 +4427,11 @@
           </a:ln>
         </p:spPr>
         <p:txBody>
-          <a:bodyPr spcFirstLastPara="1" wrap="square" lIns="289850" tIns="289850" rIns="289850" bIns="289850" anchor="t" anchorCtr="0">
+          <a:bodyPr anchorCtr="0" anchor="t" bIns="289850" lIns="289850" spcFirstLastPara="1" rIns="289850" wrap="square" tIns="289850">
             <a:normAutofit/>
           </a:bodyPr>
           <a:lstStyle>
-            <a:lvl1pPr marL="457200" lvl="0" indent="-590550">
+            <a:lvl1pPr indent="-590550" lvl="0" marL="457200">
               <a:lnSpc>
                 <a:spcPct val="115000"/>
               </a:lnSpc>
@@ -4568,7 +4452,7 @@
                 </a:solidFill>
               </a:defRPr>
             </a:lvl1pPr>
-            <a:lvl2pPr marL="914400" lvl="1" indent="-508000">
+            <a:lvl2pPr indent="-508000" lvl="1" marL="914400">
               <a:lnSpc>
                 <a:spcPct val="115000"/>
               </a:lnSpc>
@@ -4589,7 +4473,7 @@
                 </a:solidFill>
               </a:defRPr>
             </a:lvl2pPr>
-            <a:lvl3pPr marL="1371600" lvl="2" indent="-508000">
+            <a:lvl3pPr indent="-508000" lvl="2" marL="1371600">
               <a:lnSpc>
                 <a:spcPct val="115000"/>
               </a:lnSpc>
@@ -4610,7 +4494,7 @@
                 </a:solidFill>
               </a:defRPr>
             </a:lvl3pPr>
-            <a:lvl4pPr marL="1828800" lvl="3" indent="-508000">
+            <a:lvl4pPr indent="-508000" lvl="3" marL="1828800">
               <a:lnSpc>
                 <a:spcPct val="115000"/>
               </a:lnSpc>
@@ -4631,7 +4515,7 @@
                 </a:solidFill>
               </a:defRPr>
             </a:lvl4pPr>
-            <a:lvl5pPr marL="2286000" lvl="4" indent="-508000">
+            <a:lvl5pPr indent="-508000" lvl="4" marL="2286000">
               <a:lnSpc>
                 <a:spcPct val="115000"/>
               </a:lnSpc>
@@ -4652,7 +4536,7 @@
                 </a:solidFill>
               </a:defRPr>
             </a:lvl5pPr>
-            <a:lvl6pPr marL="2743200" lvl="5" indent="-508000">
+            <a:lvl6pPr indent="-508000" lvl="5" marL="2743200">
               <a:lnSpc>
                 <a:spcPct val="115000"/>
               </a:lnSpc>
@@ -4673,7 +4557,7 @@
                 </a:solidFill>
               </a:defRPr>
             </a:lvl6pPr>
-            <a:lvl7pPr marL="3200400" lvl="6" indent="-508000">
+            <a:lvl7pPr indent="-508000" lvl="6" marL="3200400">
               <a:lnSpc>
                 <a:spcPct val="115000"/>
               </a:lnSpc>
@@ -4694,7 +4578,7 @@
                 </a:solidFill>
               </a:defRPr>
             </a:lvl7pPr>
-            <a:lvl8pPr marL="3657600" lvl="7" indent="-508000">
+            <a:lvl8pPr indent="-508000" lvl="7" marL="3657600">
               <a:lnSpc>
                 <a:spcPct val="115000"/>
               </a:lnSpc>
@@ -4715,7 +4599,7 @@
                 </a:solidFill>
               </a:defRPr>
             </a:lvl8pPr>
-            <a:lvl9pPr marL="4114800" lvl="8" indent="-508000">
+            <a:lvl9pPr indent="-508000" lvl="8" marL="4114800">
               <a:lnSpc>
                 <a:spcPct val="115000"/>
               </a:lnSpc>
@@ -4737,19 +4621,15 @@
               </a:defRPr>
             </a:lvl9pPr>
           </a:lstStyle>
-          <a:p>
-            <a:endParaRPr/>
-          </a:p>
+          <a:p/>
         </p:txBody>
       </p:sp>
       <p:sp>
         <p:nvSpPr>
           <p:cNvPr id="8" name="Google Shape;8;p1"/>
-          <p:cNvSpPr txBox="1">
-            <a:spLocks noGrp="1"/>
-          </p:cNvSpPr>
+          <p:cNvSpPr txBox="1"/>
           <p:nvPr>
-            <p:ph type="sldNum" idx="12"/>
+            <p:ph idx="12" type="sldNum"/>
           </p:nvPr>
         </p:nvSpPr>
         <p:spPr>
@@ -4766,7 +4646,7 @@
           </a:ln>
         </p:spPr>
         <p:txBody>
-          <a:bodyPr spcFirstLastPara="1" wrap="square" lIns="289850" tIns="289850" rIns="289850" bIns="289850" anchor="ctr" anchorCtr="0">
+          <a:bodyPr anchorCtr="0" anchor="ctr" bIns="289850" lIns="289850" spcFirstLastPara="1" rIns="289850" wrap="square" tIns="289850">
             <a:normAutofit/>
           </a:bodyPr>
           <a:lstStyle>
@@ -4844,7 +4724,7 @@
             </a:lvl9pPr>
           </a:lstStyle>
           <a:p>
-            <a:pPr marL="0" lvl="0" indent="0" algn="r" rtl="0">
+            <a:pPr indent="0" lvl="0" marL="0" rtl="0" algn="r">
               <a:spcBef>
                 <a:spcPts val="0"/>
               </a:spcBef>
@@ -4863,7 +4743,7 @@
       </p:sp>
     </p:spTree>
   </p:cSld>
-  <p:clrMap bg1="lt1" tx1="dk1" bg2="dk2" tx2="lt2" accent1="accent1" accent2="accent2" accent3="accent3" accent4="accent4" accent5="accent5" accent6="accent6" hlink="hlink" folHlink="folHlink"/>
+  <p:clrMap accent1="accent1" accent2="accent2" accent3="accent3" accent4="accent4" accent5="accent5" accent6="accent6" bg1="lt1" bg2="dk2" tx1="dk1" tx2="lt2" folHlink="folHlink" hlink="hlink"/>
   <p:sldLayoutIdLst>
     <p:sldLayoutId id="2147483648" r:id="rId1"/>
     <p:sldLayoutId id="2147483649" r:id="rId2"/>
@@ -4877,10 +4757,10 @@
     <p:sldLayoutId id="2147483657" r:id="rId10"/>
     <p:sldLayoutId id="2147483658" r:id="rId11"/>
   </p:sldLayoutIdLst>
-  <p:hf sldNum="0" hdr="0" ftr="0" dt="0"/>
+  <p:hf dt="0" ftr="0" hdr="0" sldNum="0"/>
   <p:txStyles>
     <p:titleStyle>
-      <a:defPPr marR="0" lvl="0" algn="l" rtl="0">
+      <a:defPPr lvl="0" marR="0" rtl="0" algn="l">
         <a:lnSpc>
           <a:spcPct val="100000"/>
         </a:lnSpc>
@@ -4891,7 +4771,7 @@
           <a:spcPts val="0"/>
         </a:spcAft>
       </a:defPPr>
-      <a:lvl1pPr marR="0" lvl="0" algn="l" rtl="0">
+      <a:lvl1pPr lvl="0" marR="0" rtl="0" algn="l">
         <a:lnSpc>
           <a:spcPct val="100000"/>
         </a:lnSpc>
@@ -4905,7 +4785,7 @@
           <a:srgbClr val="000000"/>
         </a:buClr>
         <a:buFont typeface="Arial"/>
-        <a:defRPr sz="1400" b="0" i="0" u="none" strike="noStrike" cap="none">
+        <a:defRPr b="0" i="0" sz="1400" u="none" cap="none" strike="noStrike">
           <a:solidFill>
             <a:srgbClr val="000000"/>
           </a:solidFill>
@@ -4915,7 +4795,7 @@
           <a:sym typeface="Arial"/>
         </a:defRPr>
       </a:lvl1pPr>
-      <a:lvl2pPr marR="0" lvl="1" algn="l" rtl="0">
+      <a:lvl2pPr lvl="1" marR="0" rtl="0" algn="l">
         <a:lnSpc>
           <a:spcPct val="100000"/>
         </a:lnSpc>
@@ -4929,7 +4809,7 @@
           <a:srgbClr val="000000"/>
         </a:buClr>
         <a:buFont typeface="Arial"/>
-        <a:defRPr sz="1400" b="0" i="0" u="none" strike="noStrike" cap="none">
+        <a:defRPr b="0" i="0" sz="1400" u="none" cap="none" strike="noStrike">
           <a:solidFill>
             <a:srgbClr val="000000"/>
           </a:solidFill>
@@ -4939,7 +4819,7 @@
           <a:sym typeface="Arial"/>
         </a:defRPr>
       </a:lvl2pPr>
-      <a:lvl3pPr marR="0" lvl="2" algn="l" rtl="0">
+      <a:lvl3pPr lvl="2" marR="0" rtl="0" algn="l">
         <a:lnSpc>
           <a:spcPct val="100000"/>
         </a:lnSpc>
@@ -4953,7 +4833,7 @@
           <a:srgbClr val="000000"/>
         </a:buClr>
         <a:buFont typeface="Arial"/>
-        <a:defRPr sz="1400" b="0" i="0" u="none" strike="noStrike" cap="none">
+        <a:defRPr b="0" i="0" sz="1400" u="none" cap="none" strike="noStrike">
           <a:solidFill>
             <a:srgbClr val="000000"/>
           </a:solidFill>
@@ -4963,7 +4843,7 @@
           <a:sym typeface="Arial"/>
         </a:defRPr>
       </a:lvl3pPr>
-      <a:lvl4pPr marR="0" lvl="3" algn="l" rtl="0">
+      <a:lvl4pPr lvl="3" marR="0" rtl="0" algn="l">
         <a:lnSpc>
           <a:spcPct val="100000"/>
         </a:lnSpc>
@@ -4977,7 +4857,7 @@
           <a:srgbClr val="000000"/>
         </a:buClr>
         <a:buFont typeface="Arial"/>
-        <a:defRPr sz="1400" b="0" i="0" u="none" strike="noStrike" cap="none">
+        <a:defRPr b="0" i="0" sz="1400" u="none" cap="none" strike="noStrike">
           <a:solidFill>
             <a:srgbClr val="000000"/>
           </a:solidFill>
@@ -4987,7 +4867,7 @@
           <a:sym typeface="Arial"/>
         </a:defRPr>
       </a:lvl4pPr>
-      <a:lvl5pPr marR="0" lvl="4" algn="l" rtl="0">
+      <a:lvl5pPr lvl="4" marR="0" rtl="0" algn="l">
         <a:lnSpc>
           <a:spcPct val="100000"/>
         </a:lnSpc>
@@ -5001,7 +4881,7 @@
           <a:srgbClr val="000000"/>
         </a:buClr>
         <a:buFont typeface="Arial"/>
-        <a:defRPr sz="1400" b="0" i="0" u="none" strike="noStrike" cap="none">
+        <a:defRPr b="0" i="0" sz="1400" u="none" cap="none" strike="noStrike">
           <a:solidFill>
             <a:srgbClr val="000000"/>
           </a:solidFill>
@@ -5011,7 +4891,7 @@
           <a:sym typeface="Arial"/>
         </a:defRPr>
       </a:lvl5pPr>
-      <a:lvl6pPr marR="0" lvl="5" algn="l" rtl="0">
+      <a:lvl6pPr lvl="5" marR="0" rtl="0" algn="l">
         <a:lnSpc>
           <a:spcPct val="100000"/>
         </a:lnSpc>
@@ -5025,7 +4905,7 @@
           <a:srgbClr val="000000"/>
         </a:buClr>
         <a:buFont typeface="Arial"/>
-        <a:defRPr sz="1400" b="0" i="0" u="none" strike="noStrike" cap="none">
+        <a:defRPr b="0" i="0" sz="1400" u="none" cap="none" strike="noStrike">
           <a:solidFill>
             <a:srgbClr val="000000"/>
           </a:solidFill>
@@ -5035,7 +4915,7 @@
           <a:sym typeface="Arial"/>
         </a:defRPr>
       </a:lvl6pPr>
-      <a:lvl7pPr marR="0" lvl="6" algn="l" rtl="0">
+      <a:lvl7pPr lvl="6" marR="0" rtl="0" algn="l">
         <a:lnSpc>
           <a:spcPct val="100000"/>
         </a:lnSpc>
@@ -5049,7 +4929,7 @@
           <a:srgbClr val="000000"/>
         </a:buClr>
         <a:buFont typeface="Arial"/>
-        <a:defRPr sz="1400" b="0" i="0" u="none" strike="noStrike" cap="none">
+        <a:defRPr b="0" i="0" sz="1400" u="none" cap="none" strike="noStrike">
           <a:solidFill>
             <a:srgbClr val="000000"/>
           </a:solidFill>
@@ -5059,7 +4939,7 @@
           <a:sym typeface="Arial"/>
         </a:defRPr>
       </a:lvl7pPr>
-      <a:lvl8pPr marR="0" lvl="7" algn="l" rtl="0">
+      <a:lvl8pPr lvl="7" marR="0" rtl="0" algn="l">
         <a:lnSpc>
           <a:spcPct val="100000"/>
         </a:lnSpc>
@@ -5073,7 +4953,7 @@
           <a:srgbClr val="000000"/>
         </a:buClr>
         <a:buFont typeface="Arial"/>
-        <a:defRPr sz="1400" b="0" i="0" u="none" strike="noStrike" cap="none">
+        <a:defRPr b="0" i="0" sz="1400" u="none" cap="none" strike="noStrike">
           <a:solidFill>
             <a:srgbClr val="000000"/>
           </a:solidFill>
@@ -5083,7 +4963,7 @@
           <a:sym typeface="Arial"/>
         </a:defRPr>
       </a:lvl8pPr>
-      <a:lvl9pPr marR="0" lvl="8" algn="l" rtl="0">
+      <a:lvl9pPr lvl="8" marR="0" rtl="0" algn="l">
         <a:lnSpc>
           <a:spcPct val="100000"/>
         </a:lnSpc>
@@ -5097,7 +4977,7 @@
           <a:srgbClr val="000000"/>
         </a:buClr>
         <a:buFont typeface="Arial"/>
-        <a:defRPr sz="1400" b="0" i="0" u="none" strike="noStrike" cap="none">
+        <a:defRPr b="0" i="0" sz="1400" u="none" cap="none" strike="noStrike">
           <a:solidFill>
             <a:srgbClr val="000000"/>
           </a:solidFill>
@@ -5109,7 +4989,7 @@
       </a:lvl9pPr>
     </p:titleStyle>
     <p:bodyStyle>
-      <a:defPPr marR="0" lvl="0" algn="l" rtl="0">
+      <a:defPPr lvl="0" marR="0" rtl="0" algn="l">
         <a:lnSpc>
           <a:spcPct val="100000"/>
         </a:lnSpc>
@@ -5120,7 +5000,7 @@
           <a:spcPts val="0"/>
         </a:spcAft>
       </a:defPPr>
-      <a:lvl1pPr marR="0" lvl="0" algn="l" rtl="0">
+      <a:lvl1pPr lvl="0" marR="0" rtl="0" algn="l">
         <a:lnSpc>
           <a:spcPct val="100000"/>
         </a:lnSpc>
@@ -5134,7 +5014,7 @@
           <a:srgbClr val="000000"/>
         </a:buClr>
         <a:buFont typeface="Arial"/>
-        <a:defRPr sz="1400" b="0" i="0" u="none" strike="noStrike" cap="none">
+        <a:defRPr b="0" i="0" sz="1400" u="none" cap="none" strike="noStrike">
           <a:solidFill>
             <a:srgbClr val="000000"/>
           </a:solidFill>
@@ -5144,7 +5024,7 @@
           <a:sym typeface="Arial"/>
         </a:defRPr>
       </a:lvl1pPr>
-      <a:lvl2pPr marR="0" lvl="1" algn="l" rtl="0">
+      <a:lvl2pPr lvl="1" marR="0" rtl="0" algn="l">
         <a:lnSpc>
           <a:spcPct val="100000"/>
         </a:lnSpc>
@@ -5158,7 +5038,7 @@
           <a:srgbClr val="000000"/>
         </a:buClr>
         <a:buFont typeface="Arial"/>
-        <a:defRPr sz="1400" b="0" i="0" u="none" strike="noStrike" cap="none">
+        <a:defRPr b="0" i="0" sz="1400" u="none" cap="none" strike="noStrike">
           <a:solidFill>
             <a:srgbClr val="000000"/>
           </a:solidFill>
@@ -5168,7 +5048,7 @@
           <a:sym typeface="Arial"/>
         </a:defRPr>
       </a:lvl2pPr>
-      <a:lvl3pPr marR="0" lvl="2" algn="l" rtl="0">
+      <a:lvl3pPr lvl="2" marR="0" rtl="0" algn="l">
         <a:lnSpc>
           <a:spcPct val="100000"/>
         </a:lnSpc>
@@ -5182,7 +5062,7 @@
           <a:srgbClr val="000000"/>
         </a:buClr>
         <a:buFont typeface="Arial"/>
-        <a:defRPr sz="1400" b="0" i="0" u="none" strike="noStrike" cap="none">
+        <a:defRPr b="0" i="0" sz="1400" u="none" cap="none" strike="noStrike">
           <a:solidFill>
             <a:srgbClr val="000000"/>
           </a:solidFill>
@@ -5192,7 +5072,7 @@
           <a:sym typeface="Arial"/>
         </a:defRPr>
       </a:lvl3pPr>
-      <a:lvl4pPr marR="0" lvl="3" algn="l" rtl="0">
+      <a:lvl4pPr lvl="3" marR="0" rtl="0" algn="l">
         <a:lnSpc>
           <a:spcPct val="100000"/>
         </a:lnSpc>
@@ -5206,7 +5086,7 @@
           <a:srgbClr val="000000"/>
         </a:buClr>
         <a:buFont typeface="Arial"/>
-        <a:defRPr sz="1400" b="0" i="0" u="none" strike="noStrike" cap="none">
+        <a:defRPr b="0" i="0" sz="1400" u="none" cap="none" strike="noStrike">
           <a:solidFill>
             <a:srgbClr val="000000"/>
           </a:solidFill>
@@ -5216,7 +5096,7 @@
           <a:sym typeface="Arial"/>
         </a:defRPr>
       </a:lvl4pPr>
-      <a:lvl5pPr marR="0" lvl="4" algn="l" rtl="0">
+      <a:lvl5pPr lvl="4" marR="0" rtl="0" algn="l">
         <a:lnSpc>
           <a:spcPct val="100000"/>
         </a:lnSpc>
@@ -5230,7 +5110,7 @@
           <a:srgbClr val="000000"/>
         </a:buClr>
         <a:buFont typeface="Arial"/>
-        <a:defRPr sz="1400" b="0" i="0" u="none" strike="noStrike" cap="none">
+        <a:defRPr b="0" i="0" sz="1400" u="none" cap="none" strike="noStrike">
           <a:solidFill>
             <a:srgbClr val="000000"/>
           </a:solidFill>
@@ -5240,7 +5120,7 @@
           <a:sym typeface="Arial"/>
         </a:defRPr>
       </a:lvl5pPr>
-      <a:lvl6pPr marR="0" lvl="5" algn="l" rtl="0">
+      <a:lvl6pPr lvl="5" marR="0" rtl="0" algn="l">
         <a:lnSpc>
           <a:spcPct val="100000"/>
         </a:lnSpc>
@@ -5254,7 +5134,7 @@
           <a:srgbClr val="000000"/>
         </a:buClr>
         <a:buFont typeface="Arial"/>
-        <a:defRPr sz="1400" b="0" i="0" u="none" strike="noStrike" cap="none">
+        <a:defRPr b="0" i="0" sz="1400" u="none" cap="none" strike="noStrike">
           <a:solidFill>
             <a:srgbClr val="000000"/>
           </a:solidFill>
@@ -5264,7 +5144,7 @@
           <a:sym typeface="Arial"/>
         </a:defRPr>
       </a:lvl6pPr>
-      <a:lvl7pPr marR="0" lvl="6" algn="l" rtl="0">
+      <a:lvl7pPr lvl="6" marR="0" rtl="0" algn="l">
         <a:lnSpc>
           <a:spcPct val="100000"/>
         </a:lnSpc>
@@ -5278,7 +5158,7 @@
           <a:srgbClr val="000000"/>
         </a:buClr>
         <a:buFont typeface="Arial"/>
-        <a:defRPr sz="1400" b="0" i="0" u="none" strike="noStrike" cap="none">
+        <a:defRPr b="0" i="0" sz="1400" u="none" cap="none" strike="noStrike">
           <a:solidFill>
             <a:srgbClr val="000000"/>
           </a:solidFill>
@@ -5288,7 +5168,7 @@
           <a:sym typeface="Arial"/>
         </a:defRPr>
       </a:lvl7pPr>
-      <a:lvl8pPr marR="0" lvl="7" algn="l" rtl="0">
+      <a:lvl8pPr lvl="7" marR="0" rtl="0" algn="l">
         <a:lnSpc>
           <a:spcPct val="100000"/>
         </a:lnSpc>
@@ -5302,7 +5182,7 @@
           <a:srgbClr val="000000"/>
         </a:buClr>
         <a:buFont typeface="Arial"/>
-        <a:defRPr sz="1400" b="0" i="0" u="none" strike="noStrike" cap="none">
+        <a:defRPr b="0" i="0" sz="1400" u="none" cap="none" strike="noStrike">
           <a:solidFill>
             <a:srgbClr val="000000"/>
           </a:solidFill>
@@ -5312,7 +5192,7 @@
           <a:sym typeface="Arial"/>
         </a:defRPr>
       </a:lvl8pPr>
-      <a:lvl9pPr marR="0" lvl="8" algn="l" rtl="0">
+      <a:lvl9pPr lvl="8" marR="0" rtl="0" algn="l">
         <a:lnSpc>
           <a:spcPct val="100000"/>
         </a:lnSpc>
@@ -5326,7 +5206,7 @@
           <a:srgbClr val="000000"/>
         </a:buClr>
         <a:buFont typeface="Arial"/>
-        <a:defRPr sz="1400" b="0" i="0" u="none" strike="noStrike" cap="none">
+        <a:defRPr b="0" i="0" sz="1400" u="none" cap="none" strike="noStrike">
           <a:solidFill>
             <a:srgbClr val="000000"/>
           </a:solidFill>
@@ -5338,7 +5218,7 @@
       </a:lvl9pPr>
     </p:bodyStyle>
     <p:otherStyle>
-      <a:defPPr marR="0" lvl="0" algn="l" rtl="0">
+      <a:defPPr lvl="0" marR="0" rtl="0" algn="l">
         <a:lnSpc>
           <a:spcPct val="100000"/>
         </a:lnSpc>
@@ -5349,7 +5229,7 @@
           <a:spcPts val="0"/>
         </a:spcAft>
       </a:defPPr>
-      <a:lvl1pPr marR="0" lvl="0" algn="l" rtl="0">
+      <a:lvl1pPr lvl="0" marR="0" rtl="0" algn="l">
         <a:lnSpc>
           <a:spcPct val="100000"/>
         </a:lnSpc>
@@ -5363,7 +5243,7 @@
           <a:srgbClr val="000000"/>
         </a:buClr>
         <a:buFont typeface="Arial"/>
-        <a:defRPr sz="1400" b="0" i="0" u="none" strike="noStrike" cap="none">
+        <a:defRPr b="0" i="0" sz="1400" u="none" cap="none" strike="noStrike">
           <a:solidFill>
             <a:srgbClr val="000000"/>
           </a:solidFill>
@@ -5373,7 +5253,7 @@
           <a:sym typeface="Arial"/>
         </a:defRPr>
       </a:lvl1pPr>
-      <a:lvl2pPr marR="0" lvl="1" algn="l" rtl="0">
+      <a:lvl2pPr lvl="1" marR="0" rtl="0" algn="l">
         <a:lnSpc>
           <a:spcPct val="100000"/>
         </a:lnSpc>
@@ -5387,7 +5267,7 @@
           <a:srgbClr val="000000"/>
         </a:buClr>
         <a:buFont typeface="Arial"/>
-        <a:defRPr sz="1400" b="0" i="0" u="none" strike="noStrike" cap="none">
+        <a:defRPr b="0" i="0" sz="1400" u="none" cap="none" strike="noStrike">
           <a:solidFill>
             <a:srgbClr val="000000"/>
           </a:solidFill>
@@ -5397,7 +5277,7 @@
           <a:sym typeface="Arial"/>
         </a:defRPr>
       </a:lvl2pPr>
-      <a:lvl3pPr marR="0" lvl="2" algn="l" rtl="0">
+      <a:lvl3pPr lvl="2" marR="0" rtl="0" algn="l">
         <a:lnSpc>
           <a:spcPct val="100000"/>
         </a:lnSpc>
@@ -5411,7 +5291,7 @@
           <a:srgbClr val="000000"/>
         </a:buClr>
         <a:buFont typeface="Arial"/>
-        <a:defRPr sz="1400" b="0" i="0" u="none" strike="noStrike" cap="none">
+        <a:defRPr b="0" i="0" sz="1400" u="none" cap="none" strike="noStrike">
           <a:solidFill>
             <a:srgbClr val="000000"/>
           </a:solidFill>
@@ -5421,7 +5301,7 @@
           <a:sym typeface="Arial"/>
         </a:defRPr>
       </a:lvl3pPr>
-      <a:lvl4pPr marR="0" lvl="3" algn="l" rtl="0">
+      <a:lvl4pPr lvl="3" marR="0" rtl="0" algn="l">
         <a:lnSpc>
           <a:spcPct val="100000"/>
         </a:lnSpc>
@@ -5435,7 +5315,7 @@
           <a:srgbClr val="000000"/>
         </a:buClr>
         <a:buFont typeface="Arial"/>
-        <a:defRPr sz="1400" b="0" i="0" u="none" strike="noStrike" cap="none">
+        <a:defRPr b="0" i="0" sz="1400" u="none" cap="none" strike="noStrike">
           <a:solidFill>
             <a:srgbClr val="000000"/>
           </a:solidFill>
@@ -5445,7 +5325,7 @@
           <a:sym typeface="Arial"/>
         </a:defRPr>
       </a:lvl4pPr>
-      <a:lvl5pPr marR="0" lvl="4" algn="l" rtl="0">
+      <a:lvl5pPr lvl="4" marR="0" rtl="0" algn="l">
         <a:lnSpc>
           <a:spcPct val="100000"/>
         </a:lnSpc>
@@ -5459,7 +5339,7 @@
           <a:srgbClr val="000000"/>
         </a:buClr>
         <a:buFont typeface="Arial"/>
-        <a:defRPr sz="1400" b="0" i="0" u="none" strike="noStrike" cap="none">
+        <a:defRPr b="0" i="0" sz="1400" u="none" cap="none" strike="noStrike">
           <a:solidFill>
             <a:srgbClr val="000000"/>
           </a:solidFill>
@@ -5469,7 +5349,7 @@
           <a:sym typeface="Arial"/>
         </a:defRPr>
       </a:lvl5pPr>
-      <a:lvl6pPr marR="0" lvl="5" algn="l" rtl="0">
+      <a:lvl6pPr lvl="5" marR="0" rtl="0" algn="l">
         <a:lnSpc>
           <a:spcPct val="100000"/>
         </a:lnSpc>
@@ -5483,7 +5363,7 @@
           <a:srgbClr val="000000"/>
         </a:buClr>
         <a:buFont typeface="Arial"/>
-        <a:defRPr sz="1400" b="0" i="0" u="none" strike="noStrike" cap="none">
+        <a:defRPr b="0" i="0" sz="1400" u="none" cap="none" strike="noStrike">
           <a:solidFill>
             <a:srgbClr val="000000"/>
           </a:solidFill>
@@ -5493,7 +5373,7 @@
           <a:sym typeface="Arial"/>
         </a:defRPr>
       </a:lvl6pPr>
-      <a:lvl7pPr marR="0" lvl="6" algn="l" rtl="0">
+      <a:lvl7pPr lvl="6" marR="0" rtl="0" algn="l">
         <a:lnSpc>
           <a:spcPct val="100000"/>
         </a:lnSpc>
@@ -5507,7 +5387,7 @@
           <a:srgbClr val="000000"/>
         </a:buClr>
         <a:buFont typeface="Arial"/>
-        <a:defRPr sz="1400" b="0" i="0" u="none" strike="noStrike" cap="none">
+        <a:defRPr b="0" i="0" sz="1400" u="none" cap="none" strike="noStrike">
           <a:solidFill>
             <a:srgbClr val="000000"/>
           </a:solidFill>
@@ -5517,7 +5397,7 @@
           <a:sym typeface="Arial"/>
         </a:defRPr>
       </a:lvl7pPr>
-      <a:lvl8pPr marR="0" lvl="7" algn="l" rtl="0">
+      <a:lvl8pPr lvl="7" marR="0" rtl="0" algn="l">
         <a:lnSpc>
           <a:spcPct val="100000"/>
         </a:lnSpc>
@@ -5531,7 +5411,7 @@
           <a:srgbClr val="000000"/>
         </a:buClr>
         <a:buFont typeface="Arial"/>
-        <a:defRPr sz="1400" b="0" i="0" u="none" strike="noStrike" cap="none">
+        <a:defRPr b="0" i="0" sz="1400" u="none" cap="none" strike="noStrike">
           <a:solidFill>
             <a:srgbClr val="000000"/>
           </a:solidFill>
@@ -5541,7 +5421,7 @@
           <a:sym typeface="Arial"/>
         </a:defRPr>
       </a:lvl8pPr>
-      <a:lvl9pPr marR="0" lvl="8" algn="l" rtl="0">
+      <a:lvl9pPr lvl="8" marR="0" rtl="0" algn="l">
         <a:lnSpc>
           <a:spcPct val="100000"/>
         </a:lnSpc>
@@ -5555,7 +5435,7 @@
           <a:srgbClr val="000000"/>
         </a:buClr>
         <a:buFont typeface="Arial"/>
-        <a:defRPr sz="1400" b="0" i="0" u="none" strike="noStrike" cap="none">
+        <a:defRPr b="0" i="0" sz="1400" u="none" cap="none" strike="noStrike">
           <a:solidFill>
             <a:srgbClr val="000000"/>
           </a:solidFill>
@@ -5571,11 +5451,11 @@
 </file>
 
 <file path=ppt/slides/slide1.xml><?xml version="1.0" encoding="utf-8"?>
-<p:sld xmlns:a="http://schemas.openxmlformats.org/drawingml/2006/main" xmlns:r="http://schemas.openxmlformats.org/officeDocument/2006/relationships" xmlns:p="http://schemas.openxmlformats.org/presentationml/2006/main" show="0">
+<p:sld xmlns:a="http://schemas.openxmlformats.org/drawingml/2006/main" xmlns:r="http://schemas.openxmlformats.org/officeDocument/2006/relationships" xmlns:mc="http://schemas.openxmlformats.org/markup-compatibility/2006" xmlns:mv="urn:schemas-microsoft-com:mac:vml" xmlns:p="http://schemas.openxmlformats.org/presentationml/2006/main" xmlns:c="http://schemas.openxmlformats.org/drawingml/2006/chart" xmlns:dgm="http://schemas.openxmlformats.org/drawingml/2006/diagram" xmlns:o="urn:schemas-microsoft-com:office:office" xmlns:v="urn:schemas-microsoft-com:vml" xmlns:pvml="urn:schemas-microsoft-com:office:powerpoint" xmlns:com="http://schemas.openxmlformats.org/drawingml/2006/compatibility" xmlns:p14="http://schemas.microsoft.com/office/powerpoint/2010/main" xmlns:p15="http://schemas.microsoft.com/office/powerpoint/2012/main" xmlns:ahyp="http://schemas.microsoft.com/office/drawing/2018/hyperlinkcolor">
   <p:cSld>
     <p:spTree>
       <p:nvGrpSpPr>
-        <p:cNvPr id="1" name="Shape 53"/>
+        <p:cNvPr id="53" name="Shape 53"/>
         <p:cNvGrpSpPr/>
         <p:nvPr/>
       </p:nvGrpSpPr>
@@ -5600,23 +5480,23 @@
           </a:xfrm>
           <a:prstGeom prst="teardrop">
             <a:avLst>
-              <a:gd name="adj" fmla="val 81420"/>
+              <a:gd fmla="val 81420" name="adj"/>
             </a:avLst>
           </a:prstGeom>
           <a:solidFill>
             <a:srgbClr val="C9DAF8"/>
           </a:solidFill>
-          <a:ln w="9525" cap="flat" cmpd="sng">
+          <a:ln cap="flat" cmpd="sng" w="9525">
             <a:solidFill>
               <a:schemeClr val="dk2"/>
             </a:solidFill>
             <a:prstDash val="solid"/>
             <a:round/>
-            <a:headEnd type="none" w="sm" len="sm"/>
-            <a:tailEnd type="none" w="sm" len="sm"/>
+            <a:headEnd len="sm" w="sm" type="none"/>
+            <a:tailEnd len="sm" w="sm" type="none"/>
           </a:ln>
           <a:effectLst>
-            <a:outerShdw blurRad="171450" dist="38100" dir="1980000" algn="bl" rotWithShape="0">
+            <a:outerShdw blurRad="171450" rotWithShape="0" algn="bl" dir="1980000" dist="38100">
               <a:srgbClr val="000000">
                 <a:alpha val="20000"/>
               </a:srgbClr>
@@ -5624,12 +5504,12 @@
           </a:effectLst>
         </p:spPr>
         <p:txBody>
-          <a:bodyPr spcFirstLastPara="1" wrap="square" lIns="91425" tIns="91425" rIns="91425" bIns="91425" anchor="ctr" anchorCtr="0">
+          <a:bodyPr anchorCtr="0" anchor="ctr" bIns="91425" lIns="91425" spcFirstLastPara="1" rIns="91425" wrap="square" tIns="91425">
             <a:noAutofit/>
           </a:bodyPr>
           <a:lstStyle/>
           <a:p>
-            <a:pPr marL="0" lvl="0" indent="0" algn="ctr" rtl="0">
+            <a:pPr indent="0" lvl="0" marL="0" rtl="0" algn="ctr">
               <a:spcBef>
                 <a:spcPts val="0"/>
               </a:spcBef>
@@ -5638,82 +5518,54 @@
               </a:spcAft>
               <a:buNone/>
             </a:pPr>
+            <a:r>
+              <a:t/>
+            </a:r>
             <a:endParaRPr/>
           </a:p>
         </p:txBody>
       </p:sp>
-      <p:pic>
-        <p:nvPicPr>
-          <p:cNvPr id="55" name="Google Shape;55;p13"/>
-          <p:cNvPicPr preferRelativeResize="0"/>
-          <p:nvPr/>
-        </p:nvPicPr>
-        <p:blipFill rotWithShape="1">
-          <a:blip r:embed="rId3">
-            <a:alphaModFix/>
-          </a:blip>
-          <a:srcRect l="29324" t="9610" r="28697" b="7800"/>
-          <a:stretch/>
-        </p:blipFill>
-        <p:spPr>
-          <a:xfrm>
-            <a:off x="20922435" y="5369804"/>
-            <a:ext cx="4414336" cy="8684853"/>
-          </a:xfrm>
-          <a:prstGeom prst="rect">
-            <a:avLst/>
-          </a:prstGeom>
-          <a:noFill/>
-          <a:ln>
-            <a:noFill/>
-          </a:ln>
-        </p:spPr>
-      </p:pic>
       <p:cxnSp>
         <p:nvCxnSpPr>
-          <p:cNvPr id="56" name="Google Shape;56;p13"/>
+          <p:cNvPr id="55" name="Google Shape;55;p13"/>
           <p:cNvCxnSpPr/>
           <p:nvPr/>
         </p:nvCxnSpPr>
         <p:spPr>
           <a:xfrm>
-            <a:off x="14547173" y="5004750"/>
+            <a:off x="15090273" y="3403500"/>
             <a:ext cx="11894100" cy="18300"/>
           </a:xfrm>
           <a:prstGeom prst="straightConnector1">
             <a:avLst/>
           </a:prstGeom>
           <a:noFill/>
-          <a:ln w="9525" cap="flat" cmpd="sng">
+          <a:ln cap="flat" cmpd="sng" w="9525">
             <a:solidFill>
               <a:srgbClr val="1A171B"/>
             </a:solidFill>
             <a:prstDash val="solid"/>
             <a:round/>
-            <a:headEnd type="none" w="med" len="med"/>
-            <a:tailEnd type="none" w="med" len="med"/>
+            <a:headEnd len="med" w="med" type="none"/>
+            <a:tailEnd len="med" w="med" type="none"/>
           </a:ln>
         </p:spPr>
       </p:cxnSp>
       <p:sp>
         <p:nvSpPr>
-          <p:cNvPr id="57" name="Google Shape;57;p13"/>
+          <p:cNvPr id="56" name="Google Shape;56;p13"/>
           <p:cNvSpPr/>
           <p:nvPr/>
         </p:nvSpPr>
         <p:spPr>
-          <a:xfrm rot="1590287" flipH="1">
-            <a:off x="-5160763" y="-4674494"/>
+          <a:xfrm flipH="1" rot="1590287">
+            <a:off x="-5355163" y="-4791119"/>
             <a:ext cx="16698779" cy="12717799"/>
           </a:xfrm>
           <a:custGeom>
-            <a:avLst/>
-            <a:gdLst/>
-            <a:ahLst/>
-            <a:cxnLst/>
-            <a:rect l="l" t="t" r="r" b="b"/>
+            <a:rect b="b" l="l" r="r" t="t"/>
             <a:pathLst>
-              <a:path w="3927382" h="3445229" extrusionOk="0">
+              <a:path extrusionOk="0" h="3445229" w="3927382">
                 <a:moveTo>
                   <a:pt x="1183857" y="21916"/>
                 </a:moveTo>
@@ -5759,17 +5611,17 @@
           <a:solidFill>
             <a:srgbClr val="D6EEF1"/>
           </a:solidFill>
-          <a:ln w="9525" cap="flat" cmpd="sng">
+          <a:ln cap="flat" cmpd="sng" w="9525">
             <a:solidFill>
               <a:srgbClr val="000000"/>
             </a:solidFill>
             <a:prstDash val="solid"/>
             <a:round/>
-            <a:headEnd type="none" w="sm" len="sm"/>
-            <a:tailEnd type="none" w="sm" len="sm"/>
+            <a:headEnd len="sm" w="sm" type="none"/>
+            <a:tailEnd len="sm" w="sm" type="none"/>
           </a:ln>
           <a:effectLst>
-            <a:outerShdw blurRad="171450" dist="38100" dir="2040000" algn="bl" rotWithShape="0">
+            <a:outerShdw blurRad="171450" rotWithShape="0" algn="bl" dir="2040000" dist="38100">
               <a:srgbClr val="000000">
                 <a:alpha val="20000"/>
               </a:srgbClr>
@@ -5777,12 +5629,12 @@
           </a:effectLst>
         </p:spPr>
         <p:txBody>
-          <a:bodyPr spcFirstLastPara="1" wrap="square" lIns="289850" tIns="144875" rIns="289850" bIns="144875" anchor="ctr" anchorCtr="0">
+          <a:bodyPr anchorCtr="0" anchor="ctr" bIns="144875" lIns="289850" spcFirstLastPara="1" rIns="289850" wrap="square" tIns="144875">
             <a:noAutofit/>
           </a:bodyPr>
           <a:lstStyle/>
           <a:p>
-            <a:pPr marL="0" marR="0" lvl="0" indent="0" algn="l" rtl="0">
+            <a:pPr indent="0" lvl="0" marL="0" marR="0" rtl="0" algn="l">
               <a:spcBef>
                 <a:spcPts val="0"/>
               </a:spcBef>
@@ -5791,6 +5643,9 @@
               </a:spcAft>
               <a:buNone/>
             </a:pPr>
+            <a:r>
+              <a:t/>
+            </a:r>
             <a:endParaRPr sz="5700">
               <a:solidFill>
                 <a:srgbClr val="000000"/>
@@ -5805,15 +5660,15 @@
       </p:sp>
       <p:pic>
         <p:nvPicPr>
-          <p:cNvPr id="58" name="Google Shape;58;p13"/>
+          <p:cNvPr id="57" name="Google Shape;57;p13"/>
           <p:cNvPicPr preferRelativeResize="0"/>
           <p:nvPr/>
         </p:nvPicPr>
         <p:blipFill rotWithShape="1">
-          <a:blip r:embed="rId4">
+          <a:blip r:embed="rId3">
             <a:alphaModFix/>
           </a:blip>
-          <a:srcRect l="11796" t="16079" r="10029" b="34506"/>
+          <a:srcRect b="34506" l="11796" r="10029" t="16079"/>
           <a:stretch/>
         </p:blipFill>
         <p:spPr>
@@ -5832,14 +5687,14 @@
       </p:pic>
       <p:sp>
         <p:nvSpPr>
-          <p:cNvPr id="59" name="Google Shape;59;p13"/>
+          <p:cNvPr id="58" name="Google Shape;58;p13"/>
           <p:cNvSpPr txBox="1"/>
           <p:nvPr/>
         </p:nvSpPr>
         <p:spPr>
           <a:xfrm>
-            <a:off x="492812" y="3227563"/>
-            <a:ext cx="10015500" cy="3227623"/>
+            <a:off x="492812" y="3655024"/>
+            <a:ext cx="10015500" cy="2372700"/>
           </a:xfrm>
           <a:prstGeom prst="rect">
             <a:avLst/>
@@ -5850,12 +5705,12 @@
           </a:ln>
         </p:spPr>
         <p:txBody>
-          <a:bodyPr spcFirstLastPara="1" wrap="square" lIns="289850" tIns="289850" rIns="289850" bIns="289850" anchor="ctr" anchorCtr="0">
+          <a:bodyPr anchorCtr="0" anchor="t" bIns="289850" lIns="289850" spcFirstLastPara="1" rIns="289850" wrap="square" tIns="289850">
             <a:spAutoFit/>
           </a:bodyPr>
           <a:lstStyle/>
           <a:p>
-            <a:pPr marL="0" lvl="0" indent="0" algn="l" rtl="0">
+            <a:pPr indent="0" lvl="0" marL="0" rtl="0" algn="l">
               <a:lnSpc>
                 <a:spcPct val="115000"/>
               </a:lnSpc>
@@ -5868,7 +5723,7 @@
               <a:buNone/>
             </a:pPr>
             <a:r>
-              <a:rPr lang="en" sz="5400" dirty="0">
+              <a:rPr lang="en" sz="5400">
                 <a:latin typeface="Poppins"/>
                 <a:ea typeface="Poppins"/>
                 <a:cs typeface="Poppins"/>
@@ -5876,12 +5731,62 @@
               </a:rPr>
               <a:t>We help college students study together</a:t>
             </a:r>
-            <a:endParaRPr sz="2200" dirty="0">
+            <a:endParaRPr sz="2200">
               <a:latin typeface="Poppins"/>
               <a:ea typeface="Poppins"/>
               <a:cs typeface="Poppins"/>
               <a:sym typeface="Poppins"/>
             </a:endParaRPr>
+          </a:p>
+        </p:txBody>
+      </p:sp>
+      <p:sp>
+        <p:nvSpPr>
+          <p:cNvPr id="59" name="Google Shape;59;p13"/>
+          <p:cNvSpPr txBox="1"/>
+          <p:nvPr/>
+        </p:nvSpPr>
+        <p:spPr>
+          <a:xfrm>
+            <a:off x="322749" y="14476375"/>
+            <a:ext cx="3946200" cy="1047300"/>
+          </a:xfrm>
+          <a:prstGeom prst="rect">
+            <a:avLst/>
+          </a:prstGeom>
+          <a:noFill/>
+          <a:ln>
+            <a:noFill/>
+          </a:ln>
+        </p:spPr>
+        <p:txBody>
+          <a:bodyPr anchorCtr="0" anchor="t" bIns="289850" lIns="289850" spcFirstLastPara="1" rIns="289850" wrap="square" tIns="289850">
+            <a:spAutoFit/>
+          </a:bodyPr>
+          <a:lstStyle/>
+          <a:p>
+            <a:pPr indent="0" lvl="0" marL="0" rtl="0" algn="l">
+              <a:lnSpc>
+                <a:spcPct val="115000"/>
+              </a:lnSpc>
+              <a:spcBef>
+                <a:spcPts val="3800"/>
+              </a:spcBef>
+              <a:spcAft>
+                <a:spcPts val="3800"/>
+              </a:spcAft>
+              <a:buNone/>
+            </a:pPr>
+            <a:r>
+              <a:rPr b="1" lang="en" sz="3000">
+                <a:latin typeface="Poppins"/>
+                <a:ea typeface="Poppins"/>
+                <a:cs typeface="Poppins"/>
+                <a:sym typeface="Poppins"/>
+              </a:rPr>
+              <a:t>Needfinding</a:t>
+            </a:r>
+            <a:endParaRPr sz="3000"/>
           </a:p>
         </p:txBody>
       </p:sp>
@@ -5893,8 +5798,8 @@
         </p:nvSpPr>
         <p:spPr>
           <a:xfrm>
-            <a:off x="322749" y="13954575"/>
-            <a:ext cx="3946200" cy="2090901"/>
+            <a:off x="7610463" y="14476375"/>
+            <a:ext cx="3436200" cy="1047300"/>
           </a:xfrm>
           <a:prstGeom prst="rect">
             <a:avLst/>
@@ -5905,12 +5810,12 @@
           </a:ln>
         </p:spPr>
         <p:txBody>
-          <a:bodyPr spcFirstLastPara="1" wrap="square" lIns="289850" tIns="289850" rIns="289850" bIns="289850" anchor="ctr" anchorCtr="0">
+          <a:bodyPr anchorCtr="0" anchor="t" bIns="289850" lIns="289850" spcFirstLastPara="1" rIns="289850" wrap="square" tIns="289850">
             <a:spAutoFit/>
           </a:bodyPr>
           <a:lstStyle/>
           <a:p>
-            <a:pPr marL="0" lvl="0" indent="0" algn="l" rtl="0">
+            <a:pPr indent="0" lvl="0" marL="0" rtl="0" algn="l">
               <a:lnSpc>
                 <a:spcPct val="115000"/>
               </a:lnSpc>
@@ -5923,120 +5828,13 @@
               <a:buNone/>
             </a:pPr>
             <a:r>
-              <a:rPr lang="en" sz="3000" b="1" dirty="0">
+              <a:rPr b="1" lang="en" sz="3000">
                 <a:latin typeface="Poppins"/>
                 <a:ea typeface="Poppins"/>
                 <a:cs typeface="Poppins"/>
                 <a:sym typeface="Poppins"/>
               </a:rPr>
-              <a:t>Needfinding</a:t>
-            </a:r>
-            <a:endParaRPr sz="3000" dirty="0"/>
-          </a:p>
-        </p:txBody>
-      </p:sp>
-      <p:sp>
-        <p:nvSpPr>
-          <p:cNvPr id="61" name="Google Shape;61;p13"/>
-          <p:cNvSpPr txBox="1"/>
-          <p:nvPr/>
-        </p:nvSpPr>
-        <p:spPr>
-          <a:xfrm>
-            <a:off x="-8" y="12993605"/>
-            <a:ext cx="7274400" cy="2338662"/>
-          </a:xfrm>
-          <a:prstGeom prst="rect">
-            <a:avLst/>
-          </a:prstGeom>
-          <a:noFill/>
-          <a:ln>
-            <a:noFill/>
-          </a:ln>
-        </p:spPr>
-        <p:txBody>
-          <a:bodyPr spcFirstLastPara="1" wrap="square" lIns="289850" tIns="289850" rIns="289850" bIns="289850" anchor="ctr" anchorCtr="0">
-            <a:spAutoFit/>
-          </a:bodyPr>
-          <a:lstStyle/>
-          <a:p>
-            <a:pPr marL="0" lvl="0" indent="0" algn="l" rtl="0">
-              <a:lnSpc>
-                <a:spcPct val="115000"/>
-              </a:lnSpc>
-              <a:spcBef>
-                <a:spcPts val="3800"/>
-              </a:spcBef>
-              <a:spcAft>
-                <a:spcPts val="3800"/>
-              </a:spcAft>
-              <a:buNone/>
-            </a:pPr>
-            <a:r>
-              <a:rPr lang="en" sz="4400" b="1" dirty="0">
-                <a:solidFill>
-                  <a:schemeClr val="accent1"/>
-                </a:solidFill>
-                <a:latin typeface="Poppins"/>
-                <a:ea typeface="Poppins"/>
-                <a:cs typeface="Poppins"/>
-                <a:sym typeface="Poppins"/>
-              </a:rPr>
-              <a:t>Design Process</a:t>
-            </a:r>
-            <a:endParaRPr sz="5300" dirty="0">
-              <a:solidFill>
-                <a:schemeClr val="accent1"/>
-              </a:solidFill>
-            </a:endParaRPr>
-          </a:p>
-        </p:txBody>
-      </p:sp>
-      <p:sp>
-        <p:nvSpPr>
-          <p:cNvPr id="62" name="Google Shape;62;p13"/>
-          <p:cNvSpPr txBox="1"/>
-          <p:nvPr/>
-        </p:nvSpPr>
-        <p:spPr>
-          <a:xfrm>
-            <a:off x="7610463" y="13954575"/>
-            <a:ext cx="3436200" cy="2090901"/>
-          </a:xfrm>
-          <a:prstGeom prst="rect">
-            <a:avLst/>
-          </a:prstGeom>
-          <a:noFill/>
-          <a:ln>
-            <a:noFill/>
-          </a:ln>
-        </p:spPr>
-        <p:txBody>
-          <a:bodyPr spcFirstLastPara="1" wrap="square" lIns="289850" tIns="289850" rIns="289850" bIns="289850" anchor="ctr" anchorCtr="0">
-            <a:spAutoFit/>
-          </a:bodyPr>
-          <a:lstStyle/>
-          <a:p>
-            <a:pPr marL="0" lvl="0" indent="0" algn="l" rtl="0">
-              <a:lnSpc>
-                <a:spcPct val="115000"/>
-              </a:lnSpc>
-              <a:spcBef>
-                <a:spcPts val="3800"/>
-              </a:spcBef>
-              <a:spcAft>
-                <a:spcPts val="3800"/>
-              </a:spcAft>
-              <a:buNone/>
-            </a:pPr>
-            <a:r>
-              <a:rPr lang="en" sz="3000" b="1">
-                <a:latin typeface="Poppins"/>
-                <a:ea typeface="Poppins"/>
-                <a:cs typeface="Poppins"/>
-                <a:sym typeface="Poppins"/>
-              </a:rPr>
-              <a:t>User Testing</a:t>
+              <a:t>Testing</a:t>
             </a:r>
             <a:endParaRPr sz="3000">
               <a:latin typeface="Poppins"/>
@@ -6049,14 +5847,14 @@
       </p:sp>
       <p:sp>
         <p:nvSpPr>
-          <p:cNvPr id="63" name="Google Shape;63;p13"/>
+          <p:cNvPr id="61" name="Google Shape;61;p13"/>
           <p:cNvSpPr txBox="1"/>
           <p:nvPr/>
         </p:nvSpPr>
         <p:spPr>
           <a:xfrm>
-            <a:off x="10862975" y="13954575"/>
-            <a:ext cx="4134600" cy="2090901"/>
+            <a:off x="10862975" y="14476375"/>
+            <a:ext cx="4134600" cy="1047300"/>
           </a:xfrm>
           <a:prstGeom prst="rect">
             <a:avLst/>
@@ -6067,12 +5865,12 @@
           </a:ln>
         </p:spPr>
         <p:txBody>
-          <a:bodyPr spcFirstLastPara="1" wrap="square" lIns="289850" tIns="289850" rIns="289850" bIns="289850" anchor="ctr" anchorCtr="0">
+          <a:bodyPr anchorCtr="0" anchor="t" bIns="289850" lIns="289850" spcFirstLastPara="1" rIns="289850" wrap="square" tIns="289850">
             <a:spAutoFit/>
           </a:bodyPr>
           <a:lstStyle/>
           <a:p>
-            <a:pPr marL="0" lvl="0" indent="0" algn="l" rtl="0">
+            <a:pPr indent="0" lvl="0" marL="0" rtl="0" algn="l">
               <a:lnSpc>
                 <a:spcPct val="115000"/>
               </a:lnSpc>
@@ -6085,7 +5883,7 @@
               <a:buNone/>
             </a:pPr>
             <a:r>
-              <a:rPr lang="en" sz="3000" b="1" dirty="0">
+              <a:rPr b="1" lang="en" sz="3000">
                 <a:latin typeface="Poppins"/>
                 <a:ea typeface="Poppins"/>
                 <a:cs typeface="Poppins"/>
@@ -6093,20 +5891,20 @@
               </a:rPr>
               <a:t>Lo-Fi Prototype</a:t>
             </a:r>
-            <a:endParaRPr sz="3900" dirty="0"/>
+            <a:endParaRPr sz="3900"/>
           </a:p>
         </p:txBody>
       </p:sp>
       <p:sp>
         <p:nvSpPr>
-          <p:cNvPr id="64" name="Google Shape;64;p13"/>
+          <p:cNvPr id="62" name="Google Shape;62;p13"/>
           <p:cNvSpPr txBox="1"/>
           <p:nvPr/>
         </p:nvSpPr>
         <p:spPr>
           <a:xfrm>
-            <a:off x="16147200" y="13954575"/>
-            <a:ext cx="4726800" cy="2090901"/>
+            <a:off x="16147200" y="14476375"/>
+            <a:ext cx="4726800" cy="1047300"/>
           </a:xfrm>
           <a:prstGeom prst="rect">
             <a:avLst/>
@@ -6117,12 +5915,12 @@
           </a:ln>
         </p:spPr>
         <p:txBody>
-          <a:bodyPr spcFirstLastPara="1" wrap="square" lIns="289850" tIns="289850" rIns="289850" bIns="289850" anchor="ctr" anchorCtr="0">
+          <a:bodyPr anchorCtr="0" anchor="t" bIns="289850" lIns="289850" spcFirstLastPara="1" rIns="289850" wrap="square" tIns="289850">
             <a:spAutoFit/>
           </a:bodyPr>
           <a:lstStyle/>
           <a:p>
-            <a:pPr marL="0" lvl="0" indent="0" algn="l" rtl="0">
+            <a:pPr indent="0" lvl="0" marL="0" rtl="0" algn="l">
               <a:lnSpc>
                 <a:spcPct val="115000"/>
               </a:lnSpc>
@@ -6135,7 +5933,7 @@
               <a:buNone/>
             </a:pPr>
             <a:r>
-              <a:rPr lang="en" sz="3000" b="1">
+              <a:rPr b="1" lang="en" sz="3000">
                 <a:latin typeface="Poppins"/>
                 <a:ea typeface="Poppins"/>
                 <a:cs typeface="Poppins"/>
@@ -6149,13 +5947,13 @@
       </p:sp>
       <p:sp>
         <p:nvSpPr>
-          <p:cNvPr id="65" name="Google Shape;65;p13"/>
+          <p:cNvPr id="63" name="Google Shape;63;p13"/>
           <p:cNvSpPr txBox="1"/>
           <p:nvPr/>
         </p:nvSpPr>
         <p:spPr>
           <a:xfrm>
-            <a:off x="18496763" y="166250"/>
+            <a:off x="18496763" y="90050"/>
             <a:ext cx="4510800" cy="1262700"/>
           </a:xfrm>
           <a:prstGeom prst="rect">
@@ -6167,12 +5965,12 @@
           </a:ln>
         </p:spPr>
         <p:txBody>
-          <a:bodyPr spcFirstLastPara="1" wrap="square" lIns="289850" tIns="289850" rIns="289850" bIns="289850" anchor="ctr" anchorCtr="0">
+          <a:bodyPr anchorCtr="0" anchor="b" bIns="289850" lIns="289850" spcFirstLastPara="1" rIns="289850" wrap="square" tIns="289850">
             <a:noAutofit/>
           </a:bodyPr>
           <a:lstStyle/>
           <a:p>
-            <a:pPr marL="0" lvl="0" indent="0" algn="ctr" rtl="0">
+            <a:pPr indent="0" lvl="0" marL="0" rtl="0" algn="ctr">
               <a:spcBef>
                 <a:spcPts val="0"/>
               </a:spcBef>
@@ -6182,7 +5980,7 @@
               <a:buNone/>
             </a:pPr>
             <a:r>
-              <a:rPr lang="en" sz="4100" i="1">
+              <a:rPr i="1" lang="en" sz="4100">
                 <a:solidFill>
                   <a:srgbClr val="2A9D8F"/>
                 </a:solidFill>
@@ -6207,13 +6005,13 @@
       </p:sp>
       <p:sp>
         <p:nvSpPr>
-          <p:cNvPr id="66" name="Google Shape;66;p13"/>
+          <p:cNvPr id="64" name="Google Shape;64;p13"/>
           <p:cNvSpPr txBox="1"/>
           <p:nvPr/>
         </p:nvSpPr>
         <p:spPr>
           <a:xfrm>
-            <a:off x="11545375" y="166250"/>
+            <a:off x="11545375" y="90050"/>
             <a:ext cx="4510800" cy="1262700"/>
           </a:xfrm>
           <a:prstGeom prst="rect">
@@ -6225,12 +6023,12 @@
           </a:ln>
         </p:spPr>
         <p:txBody>
-          <a:bodyPr spcFirstLastPara="1" wrap="square" lIns="289850" tIns="289850" rIns="289850" bIns="289850" anchor="ctr" anchorCtr="0">
+          <a:bodyPr anchorCtr="0" anchor="b" bIns="289850" lIns="289850" spcFirstLastPara="1" rIns="289850" wrap="square" tIns="289850">
             <a:noAutofit/>
           </a:bodyPr>
           <a:lstStyle/>
           <a:p>
-            <a:pPr marL="0" lvl="0" indent="0" algn="ctr" rtl="0">
+            <a:pPr indent="0" lvl="0" marL="0" rtl="0" algn="ctr">
               <a:spcBef>
                 <a:spcPts val="0"/>
               </a:spcBef>
@@ -6240,7 +6038,7 @@
               <a:buNone/>
             </a:pPr>
             <a:r>
-              <a:rPr lang="en" sz="4100" i="1">
+              <a:rPr i="1" lang="en" sz="4100">
                 <a:solidFill>
                   <a:srgbClr val="2A9D8F"/>
                 </a:solidFill>
@@ -6263,2607 +6061,16 @@
           </a:p>
         </p:txBody>
       </p:sp>
-      <p:grpSp>
-        <p:nvGrpSpPr>
-          <p:cNvPr id="67" name="Google Shape;67;p13"/>
-          <p:cNvGrpSpPr/>
-          <p:nvPr/>
-        </p:nvGrpSpPr>
-        <p:grpSpPr>
-          <a:xfrm>
-            <a:off x="16258517" y="338245"/>
-            <a:ext cx="820861" cy="687603"/>
-            <a:chOff x="3065430" y="1990066"/>
-            <a:chExt cx="378190" cy="302044"/>
-          </a:xfrm>
-        </p:grpSpPr>
-        <p:sp>
-          <p:nvSpPr>
-            <p:cNvPr id="68" name="Google Shape;68;p13"/>
-            <p:cNvSpPr/>
-            <p:nvPr/>
-          </p:nvSpPr>
-          <p:spPr>
-            <a:xfrm>
-              <a:off x="3216282" y="2149742"/>
-              <a:ext cx="67714" cy="67741"/>
-            </a:xfrm>
-            <a:custGeom>
-              <a:avLst/>
-              <a:gdLst/>
-              <a:ahLst/>
-              <a:cxnLst/>
-              <a:rect l="l" t="t" r="r" b="b"/>
-              <a:pathLst>
-                <a:path w="2586" h="2587" extrusionOk="0">
-                  <a:moveTo>
-                    <a:pt x="1946" y="1"/>
-                  </a:moveTo>
-                  <a:lnTo>
-                    <a:pt x="0" y="1947"/>
-                  </a:lnTo>
-                  <a:lnTo>
-                    <a:pt x="639" y="2586"/>
-                  </a:lnTo>
-                  <a:lnTo>
-                    <a:pt x="2585" y="640"/>
-                  </a:lnTo>
-                  <a:lnTo>
-                    <a:pt x="1946" y="1"/>
-                  </a:lnTo>
-                  <a:close/>
-                </a:path>
-              </a:pathLst>
-            </a:custGeom>
-            <a:solidFill>
-              <a:srgbClr val="E9EEF1"/>
-            </a:solidFill>
-            <a:ln>
-              <a:noFill/>
-            </a:ln>
-          </p:spPr>
-          <p:txBody>
-            <a:bodyPr spcFirstLastPara="1" wrap="square" lIns="289850" tIns="289850" rIns="289850" bIns="289850" anchor="ctr" anchorCtr="0">
-              <a:noAutofit/>
-            </a:bodyPr>
-            <a:lstStyle/>
-            <a:p>
-              <a:pPr marL="0" lvl="0" indent="0" algn="l" rtl="0">
-                <a:spcBef>
-                  <a:spcPts val="0"/>
-                </a:spcBef>
-                <a:spcAft>
-                  <a:spcPts val="0"/>
-                </a:spcAft>
-                <a:buNone/>
-              </a:pPr>
-              <a:endParaRPr sz="1900"/>
-            </a:p>
-          </p:txBody>
-        </p:sp>
-        <p:sp>
-          <p:nvSpPr>
-            <p:cNvPr id="69" name="Google Shape;69;p13"/>
-            <p:cNvSpPr/>
-            <p:nvPr/>
-          </p:nvSpPr>
-          <p:spPr>
-            <a:xfrm>
-              <a:off x="3216282" y="2180483"/>
-              <a:ext cx="36973" cy="36999"/>
-            </a:xfrm>
-            <a:custGeom>
-              <a:avLst/>
-              <a:gdLst/>
-              <a:ahLst/>
-              <a:cxnLst/>
-              <a:rect l="l" t="t" r="r" b="b"/>
-              <a:pathLst>
-                <a:path w="1412" h="1413" extrusionOk="0">
-                  <a:moveTo>
-                    <a:pt x="773" y="0"/>
-                  </a:moveTo>
-                  <a:lnTo>
-                    <a:pt x="0" y="773"/>
-                  </a:lnTo>
-                  <a:lnTo>
-                    <a:pt x="639" y="1412"/>
-                  </a:lnTo>
-                  <a:lnTo>
-                    <a:pt x="1412" y="639"/>
-                  </a:lnTo>
-                  <a:lnTo>
-                    <a:pt x="773" y="0"/>
-                  </a:lnTo>
-                  <a:close/>
-                </a:path>
-              </a:pathLst>
-            </a:custGeom>
-            <a:solidFill>
-              <a:srgbClr val="CDD7DF"/>
-            </a:solidFill>
-            <a:ln>
-              <a:noFill/>
-            </a:ln>
-          </p:spPr>
-          <p:txBody>
-            <a:bodyPr spcFirstLastPara="1" wrap="square" lIns="289850" tIns="289850" rIns="289850" bIns="289850" anchor="ctr" anchorCtr="0">
-              <a:noAutofit/>
-            </a:bodyPr>
-            <a:lstStyle/>
-            <a:p>
-              <a:pPr marL="0" lvl="0" indent="0" algn="l" rtl="0">
-                <a:spcBef>
-                  <a:spcPts val="0"/>
-                </a:spcBef>
-                <a:spcAft>
-                  <a:spcPts val="0"/>
-                </a:spcAft>
-                <a:buNone/>
-              </a:pPr>
-              <a:endParaRPr sz="1900"/>
-            </a:p>
-          </p:txBody>
-        </p:sp>
-        <p:sp>
-          <p:nvSpPr>
-            <p:cNvPr id="70" name="Google Shape;70;p13"/>
-            <p:cNvSpPr/>
-            <p:nvPr/>
-          </p:nvSpPr>
-          <p:spPr>
-            <a:xfrm>
-              <a:off x="3141079" y="2188103"/>
-              <a:ext cx="104949" cy="104007"/>
-            </a:xfrm>
-            <a:custGeom>
-              <a:avLst/>
-              <a:gdLst/>
-              <a:ahLst/>
-              <a:cxnLst/>
-              <a:rect l="l" t="t" r="r" b="b"/>
-              <a:pathLst>
-                <a:path w="4008" h="3972" extrusionOk="0">
-                  <a:moveTo>
-                    <a:pt x="3020" y="0"/>
-                  </a:moveTo>
-                  <a:cubicBezTo>
-                    <a:pt x="2963" y="0"/>
-                    <a:pt x="2905" y="24"/>
-                    <a:pt x="2863" y="72"/>
-                  </a:cubicBezTo>
-                  <a:lnTo>
-                    <a:pt x="86" y="2848"/>
-                  </a:lnTo>
-                  <a:cubicBezTo>
-                    <a:pt x="1" y="2934"/>
-                    <a:pt x="1" y="3067"/>
-                    <a:pt x="86" y="3153"/>
-                  </a:cubicBezTo>
-                  <a:lnTo>
-                    <a:pt x="831" y="3907"/>
-                  </a:lnTo>
-                  <a:cubicBezTo>
-                    <a:pt x="873" y="3950"/>
-                    <a:pt x="931" y="3971"/>
-                    <a:pt x="988" y="3971"/>
-                  </a:cubicBezTo>
-                  <a:cubicBezTo>
-                    <a:pt x="1045" y="3971"/>
-                    <a:pt x="1102" y="3950"/>
-                    <a:pt x="1145" y="3907"/>
-                  </a:cubicBezTo>
-                  <a:lnTo>
-                    <a:pt x="3921" y="1121"/>
-                  </a:lnTo>
-                  <a:cubicBezTo>
-                    <a:pt x="4007" y="1035"/>
-                    <a:pt x="4007" y="902"/>
-                    <a:pt x="3921" y="816"/>
-                  </a:cubicBezTo>
-                  <a:lnTo>
-                    <a:pt x="3177" y="72"/>
-                  </a:lnTo>
-                  <a:cubicBezTo>
-                    <a:pt x="3134" y="24"/>
-                    <a:pt x="3077" y="0"/>
-                    <a:pt x="3020" y="0"/>
-                  </a:cubicBezTo>
-                  <a:close/>
-                </a:path>
-              </a:pathLst>
-            </a:custGeom>
-            <a:solidFill>
-              <a:srgbClr val="6A7F91"/>
-            </a:solidFill>
-            <a:ln>
-              <a:noFill/>
-            </a:ln>
-          </p:spPr>
-          <p:txBody>
-            <a:bodyPr spcFirstLastPara="1" wrap="square" lIns="289850" tIns="289850" rIns="289850" bIns="289850" anchor="ctr" anchorCtr="0">
-              <a:noAutofit/>
-            </a:bodyPr>
-            <a:lstStyle/>
-            <a:p>
-              <a:pPr marL="0" lvl="0" indent="0" algn="l" rtl="0">
-                <a:spcBef>
-                  <a:spcPts val="0"/>
-                </a:spcBef>
-                <a:spcAft>
-                  <a:spcPts val="0"/>
-                </a:spcAft>
-                <a:buNone/>
-              </a:pPr>
-              <a:endParaRPr sz="1900"/>
-            </a:p>
-          </p:txBody>
-        </p:sp>
-        <p:sp>
-          <p:nvSpPr>
-            <p:cNvPr id="71" name="Google Shape;71;p13"/>
-            <p:cNvSpPr/>
-            <p:nvPr/>
-          </p:nvSpPr>
-          <p:spPr>
-            <a:xfrm>
-              <a:off x="3235999" y="1990118"/>
-              <a:ext cx="207621" cy="207621"/>
-            </a:xfrm>
-            <a:custGeom>
-              <a:avLst/>
-              <a:gdLst/>
-              <a:ahLst/>
-              <a:cxnLst/>
-              <a:rect l="l" t="t" r="r" b="b"/>
-              <a:pathLst>
-                <a:path w="7929" h="7929" extrusionOk="0">
-                  <a:moveTo>
-                    <a:pt x="3969" y="1"/>
-                  </a:moveTo>
-                  <a:cubicBezTo>
-                    <a:pt x="1775" y="1"/>
-                    <a:pt x="1" y="1775"/>
-                    <a:pt x="1" y="3960"/>
-                  </a:cubicBezTo>
-                  <a:cubicBezTo>
-                    <a:pt x="1" y="6154"/>
-                    <a:pt x="1775" y="7928"/>
-                    <a:pt x="3969" y="7928"/>
-                  </a:cubicBezTo>
-                  <a:cubicBezTo>
-                    <a:pt x="6154" y="7928"/>
-                    <a:pt x="7928" y="6154"/>
-                    <a:pt x="7928" y="3960"/>
-                  </a:cubicBezTo>
-                  <a:cubicBezTo>
-                    <a:pt x="7928" y="1775"/>
-                    <a:pt x="6154" y="1"/>
-                    <a:pt x="3969" y="1"/>
-                  </a:cubicBezTo>
-                  <a:close/>
-                </a:path>
-              </a:pathLst>
-            </a:custGeom>
-            <a:solidFill>
-              <a:srgbClr val="95A6B4"/>
-            </a:solidFill>
-            <a:ln>
-              <a:noFill/>
-            </a:ln>
-          </p:spPr>
-          <p:txBody>
-            <a:bodyPr spcFirstLastPara="1" wrap="square" lIns="289850" tIns="289850" rIns="289850" bIns="289850" anchor="ctr" anchorCtr="0">
-              <a:noAutofit/>
-            </a:bodyPr>
-            <a:lstStyle/>
-            <a:p>
-              <a:pPr marL="0" lvl="0" indent="0" algn="l" rtl="0">
-                <a:spcBef>
-                  <a:spcPts val="0"/>
-                </a:spcBef>
-                <a:spcAft>
-                  <a:spcPts val="0"/>
-                </a:spcAft>
-                <a:buNone/>
-              </a:pPr>
-              <a:endParaRPr sz="1900"/>
-            </a:p>
-          </p:txBody>
-        </p:sp>
-        <p:sp>
-          <p:nvSpPr>
-            <p:cNvPr id="72" name="Google Shape;72;p13"/>
-            <p:cNvSpPr/>
-            <p:nvPr/>
-          </p:nvSpPr>
-          <p:spPr>
-            <a:xfrm>
-              <a:off x="3226023" y="1990066"/>
-              <a:ext cx="192119" cy="181933"/>
-            </a:xfrm>
-            <a:custGeom>
-              <a:avLst/>
-              <a:gdLst/>
-              <a:ahLst/>
-              <a:cxnLst/>
-              <a:rect l="l" t="t" r="r" b="b"/>
-              <a:pathLst>
-                <a:path w="7337" h="6948" extrusionOk="0">
-                  <a:moveTo>
-                    <a:pt x="4347" y="0"/>
-                  </a:moveTo>
-                  <a:cubicBezTo>
-                    <a:pt x="3332" y="0"/>
-                    <a:pt x="2318" y="389"/>
-                    <a:pt x="1546" y="1167"/>
-                  </a:cubicBezTo>
-                  <a:cubicBezTo>
-                    <a:pt x="0" y="2712"/>
-                    <a:pt x="0" y="5221"/>
-                    <a:pt x="1546" y="6767"/>
-                  </a:cubicBezTo>
-                  <a:cubicBezTo>
-                    <a:pt x="1612" y="6833"/>
-                    <a:pt x="1679" y="6891"/>
-                    <a:pt x="1746" y="6948"/>
-                  </a:cubicBezTo>
-                  <a:cubicBezTo>
-                    <a:pt x="372" y="5383"/>
-                    <a:pt x="458" y="3017"/>
-                    <a:pt x="1927" y="1548"/>
-                  </a:cubicBezTo>
-                  <a:cubicBezTo>
-                    <a:pt x="2701" y="774"/>
-                    <a:pt x="3716" y="384"/>
-                    <a:pt x="4733" y="384"/>
-                  </a:cubicBezTo>
-                  <a:cubicBezTo>
-                    <a:pt x="5659" y="384"/>
-                    <a:pt x="6586" y="707"/>
-                    <a:pt x="7336" y="1357"/>
-                  </a:cubicBezTo>
-                  <a:cubicBezTo>
-                    <a:pt x="7279" y="1291"/>
-                    <a:pt x="7212" y="1224"/>
-                    <a:pt x="7155" y="1167"/>
-                  </a:cubicBezTo>
-                  <a:cubicBezTo>
-                    <a:pt x="6378" y="389"/>
-                    <a:pt x="5362" y="0"/>
-                    <a:pt x="4347" y="0"/>
-                  </a:cubicBezTo>
-                  <a:close/>
-                </a:path>
-              </a:pathLst>
-            </a:custGeom>
-            <a:solidFill>
-              <a:srgbClr val="778DA0"/>
-            </a:solidFill>
-            <a:ln>
-              <a:noFill/>
-            </a:ln>
-          </p:spPr>
-          <p:txBody>
-            <a:bodyPr spcFirstLastPara="1" wrap="square" lIns="289850" tIns="289850" rIns="289850" bIns="289850" anchor="ctr" anchorCtr="0">
-              <a:noAutofit/>
-            </a:bodyPr>
-            <a:lstStyle/>
-            <a:p>
-              <a:pPr marL="0" lvl="0" indent="0" algn="l" rtl="0">
-                <a:spcBef>
-                  <a:spcPts val="0"/>
-                </a:spcBef>
-                <a:spcAft>
-                  <a:spcPts val="0"/>
-                </a:spcAft>
-                <a:buNone/>
-              </a:pPr>
-              <a:endParaRPr sz="1900"/>
-            </a:p>
-          </p:txBody>
-        </p:sp>
-        <p:sp>
-          <p:nvSpPr>
-            <p:cNvPr id="73" name="Google Shape;73;p13"/>
-            <p:cNvSpPr/>
-            <p:nvPr/>
-          </p:nvSpPr>
-          <p:spPr>
-            <a:xfrm>
-              <a:off x="3252234" y="2013816"/>
-              <a:ext cx="167401" cy="159938"/>
-            </a:xfrm>
-            <a:custGeom>
-              <a:avLst/>
-              <a:gdLst/>
-              <a:ahLst/>
-              <a:cxnLst/>
-              <a:rect l="l" t="t" r="r" b="b"/>
-              <a:pathLst>
-                <a:path w="6393" h="6108" extrusionOk="0">
-                  <a:moveTo>
-                    <a:pt x="3325" y="1"/>
-                  </a:moveTo>
-                  <a:cubicBezTo>
-                    <a:pt x="2577" y="1"/>
-                    <a:pt x="1814" y="278"/>
-                    <a:pt x="1193" y="899"/>
-                  </a:cubicBezTo>
-                  <a:cubicBezTo>
-                    <a:pt x="1" y="2091"/>
-                    <a:pt x="1" y="4018"/>
-                    <a:pt x="1193" y="5211"/>
-                  </a:cubicBezTo>
-                  <a:cubicBezTo>
-                    <a:pt x="1813" y="5830"/>
-                    <a:pt x="2574" y="6107"/>
-                    <a:pt x="3321" y="6107"/>
-                  </a:cubicBezTo>
-                  <a:cubicBezTo>
-                    <a:pt x="4888" y="6107"/>
-                    <a:pt x="6393" y="4889"/>
-                    <a:pt x="6393" y="3055"/>
-                  </a:cubicBezTo>
-                  <a:cubicBezTo>
-                    <a:pt x="6393" y="1216"/>
-                    <a:pt x="4891" y="1"/>
-                    <a:pt x="3325" y="1"/>
-                  </a:cubicBezTo>
-                  <a:close/>
-                </a:path>
-              </a:pathLst>
-            </a:custGeom>
-            <a:solidFill>
-              <a:srgbClr val="E9EEF1"/>
-            </a:solidFill>
-            <a:ln>
-              <a:noFill/>
-            </a:ln>
-          </p:spPr>
-          <p:txBody>
-            <a:bodyPr spcFirstLastPara="1" wrap="square" lIns="289850" tIns="289850" rIns="289850" bIns="289850" anchor="ctr" anchorCtr="0">
-              <a:noAutofit/>
-            </a:bodyPr>
-            <a:lstStyle/>
-            <a:p>
-              <a:pPr marL="0" lvl="0" indent="0" algn="l" rtl="0">
-                <a:spcBef>
-                  <a:spcPts val="0"/>
-                </a:spcBef>
-                <a:spcAft>
-                  <a:spcPts val="0"/>
-                </a:spcAft>
-                <a:buNone/>
-              </a:pPr>
-              <a:endParaRPr sz="1900"/>
-            </a:p>
-          </p:txBody>
-        </p:sp>
-        <p:sp>
-          <p:nvSpPr>
-            <p:cNvPr id="74" name="Google Shape;74;p13"/>
-            <p:cNvSpPr/>
-            <p:nvPr/>
-          </p:nvSpPr>
-          <p:spPr>
-            <a:xfrm>
-              <a:off x="3275722" y="2029605"/>
-              <a:ext cx="153654" cy="144175"/>
-            </a:xfrm>
-            <a:custGeom>
-              <a:avLst/>
-              <a:gdLst/>
-              <a:ahLst/>
-              <a:cxnLst/>
-              <a:rect l="l" t="t" r="r" b="b"/>
-              <a:pathLst>
-                <a:path w="5868" h="5506" extrusionOk="0">
-                  <a:moveTo>
-                    <a:pt x="4255" y="0"/>
-                  </a:moveTo>
-                  <a:lnTo>
-                    <a:pt x="4255" y="0"/>
-                  </a:lnTo>
-                  <a:cubicBezTo>
-                    <a:pt x="5143" y="1212"/>
-                    <a:pt x="5019" y="2891"/>
-                    <a:pt x="3960" y="3959"/>
-                  </a:cubicBezTo>
-                  <a:cubicBezTo>
-                    <a:pt x="3367" y="4547"/>
-                    <a:pt x="2586" y="4849"/>
-                    <a:pt x="1802" y="4849"/>
-                  </a:cubicBezTo>
-                  <a:cubicBezTo>
-                    <a:pt x="1172" y="4849"/>
-                    <a:pt x="540" y="4654"/>
-                    <a:pt x="1" y="4255"/>
-                  </a:cubicBezTo>
-                  <a:lnTo>
-                    <a:pt x="1" y="4255"/>
-                  </a:lnTo>
-                  <a:cubicBezTo>
-                    <a:pt x="600" y="5078"/>
-                    <a:pt x="1524" y="5505"/>
-                    <a:pt x="2458" y="5505"/>
-                  </a:cubicBezTo>
-                  <a:cubicBezTo>
-                    <a:pt x="3159" y="5505"/>
-                    <a:pt x="3865" y="5265"/>
-                    <a:pt x="4446" y="4770"/>
-                  </a:cubicBezTo>
-                  <a:cubicBezTo>
-                    <a:pt x="5791" y="3606"/>
-                    <a:pt x="5868" y="1546"/>
-                    <a:pt x="4608" y="296"/>
-                  </a:cubicBezTo>
-                  <a:cubicBezTo>
-                    <a:pt x="4494" y="191"/>
-                    <a:pt x="4379" y="86"/>
-                    <a:pt x="4255" y="0"/>
-                  </a:cubicBezTo>
-                  <a:close/>
-                </a:path>
-              </a:pathLst>
-            </a:custGeom>
-            <a:solidFill>
-              <a:srgbClr val="CDD7DF"/>
-            </a:solidFill>
-            <a:ln>
-              <a:noFill/>
-            </a:ln>
-          </p:spPr>
-          <p:txBody>
-            <a:bodyPr spcFirstLastPara="1" wrap="square" lIns="289850" tIns="289850" rIns="289850" bIns="289850" anchor="ctr" anchorCtr="0">
-              <a:noAutofit/>
-            </a:bodyPr>
-            <a:lstStyle/>
-            <a:p>
-              <a:pPr marL="0" lvl="0" indent="0" algn="l" rtl="0">
-                <a:spcBef>
-                  <a:spcPts val="0"/>
-                </a:spcBef>
-                <a:spcAft>
-                  <a:spcPts val="0"/>
-                </a:spcAft>
-                <a:buNone/>
-              </a:pPr>
-              <a:endParaRPr sz="1900"/>
-            </a:p>
-          </p:txBody>
-        </p:sp>
-        <p:sp>
-          <p:nvSpPr>
-            <p:cNvPr id="75" name="Google Shape;75;p13"/>
-            <p:cNvSpPr/>
-            <p:nvPr/>
-          </p:nvSpPr>
-          <p:spPr>
-            <a:xfrm>
-              <a:off x="3065430" y="1990066"/>
-              <a:ext cx="177587" cy="149464"/>
-            </a:xfrm>
-            <a:custGeom>
-              <a:avLst/>
-              <a:gdLst/>
-              <a:ahLst/>
-              <a:cxnLst/>
-              <a:rect l="l" t="t" r="r" b="b"/>
-              <a:pathLst>
-                <a:path w="6782" h="5708" extrusionOk="0">
-                  <a:moveTo>
-                    <a:pt x="3369" y="1"/>
-                  </a:moveTo>
-                  <a:cubicBezTo>
-                    <a:pt x="1279" y="1"/>
-                    <a:pt x="1" y="2352"/>
-                    <a:pt x="1182" y="4114"/>
-                  </a:cubicBezTo>
-                  <a:cubicBezTo>
-                    <a:pt x="1674" y="4860"/>
-                    <a:pt x="2504" y="5285"/>
-                    <a:pt x="3371" y="5285"/>
-                  </a:cubicBezTo>
-                  <a:cubicBezTo>
-                    <a:pt x="3614" y="5285"/>
-                    <a:pt x="3859" y="5252"/>
-                    <a:pt x="4101" y="5183"/>
-                  </a:cubicBezTo>
-                  <a:lnTo>
-                    <a:pt x="5189" y="5689"/>
-                  </a:lnTo>
-                  <a:cubicBezTo>
-                    <a:pt x="5217" y="5702"/>
-                    <a:pt x="5247" y="5708"/>
-                    <a:pt x="5276" y="5708"/>
-                  </a:cubicBezTo>
-                  <a:cubicBezTo>
-                    <a:pt x="5393" y="5708"/>
-                    <a:pt x="5502" y="5609"/>
-                    <a:pt x="5494" y="5479"/>
-                  </a:cubicBezTo>
-                  <a:lnTo>
-                    <a:pt x="5446" y="4286"/>
-                  </a:lnTo>
-                  <a:cubicBezTo>
-                    <a:pt x="6782" y="2588"/>
-                    <a:pt x="5637" y="89"/>
-                    <a:pt x="3481" y="3"/>
-                  </a:cubicBezTo>
-                  <a:cubicBezTo>
-                    <a:pt x="3443" y="1"/>
-                    <a:pt x="3406" y="1"/>
-                    <a:pt x="3369" y="1"/>
-                  </a:cubicBezTo>
-                  <a:close/>
-                </a:path>
-              </a:pathLst>
-            </a:custGeom>
-            <a:solidFill>
-              <a:srgbClr val="6A7F91"/>
-            </a:solidFill>
-            <a:ln>
-              <a:noFill/>
-            </a:ln>
-          </p:spPr>
-          <p:txBody>
-            <a:bodyPr spcFirstLastPara="1" wrap="square" lIns="289850" tIns="289850" rIns="289850" bIns="289850" anchor="ctr" anchorCtr="0">
-              <a:noAutofit/>
-            </a:bodyPr>
-            <a:lstStyle/>
-            <a:p>
-              <a:pPr marL="0" lvl="0" indent="0" algn="l" rtl="0">
-                <a:spcBef>
-                  <a:spcPts val="0"/>
-                </a:spcBef>
-                <a:spcAft>
-                  <a:spcPts val="0"/>
-                </a:spcAft>
-                <a:buNone/>
-              </a:pPr>
-              <a:endParaRPr sz="1900"/>
-            </a:p>
-          </p:txBody>
-        </p:sp>
-        <p:sp>
-          <p:nvSpPr>
-            <p:cNvPr id="76" name="Google Shape;76;p13"/>
-            <p:cNvSpPr/>
-            <p:nvPr/>
-          </p:nvSpPr>
-          <p:spPr>
-            <a:xfrm>
-              <a:off x="3137832" y="2038089"/>
-              <a:ext cx="20503" cy="52972"/>
-            </a:xfrm>
-            <a:custGeom>
-              <a:avLst/>
-              <a:gdLst/>
-              <a:ahLst/>
-              <a:cxnLst/>
-              <a:rect l="l" t="t" r="r" b="b"/>
-              <a:pathLst>
-                <a:path w="783" h="2023" extrusionOk="0">
-                  <a:moveTo>
-                    <a:pt x="249" y="0"/>
-                  </a:moveTo>
-                  <a:cubicBezTo>
-                    <a:pt x="1" y="19"/>
-                    <a:pt x="1" y="401"/>
-                    <a:pt x="249" y="420"/>
-                  </a:cubicBezTo>
-                  <a:lnTo>
-                    <a:pt x="373" y="420"/>
-                  </a:lnTo>
-                  <a:lnTo>
-                    <a:pt x="373" y="1823"/>
-                  </a:lnTo>
-                  <a:cubicBezTo>
-                    <a:pt x="373" y="1937"/>
-                    <a:pt x="468" y="2023"/>
-                    <a:pt x="582" y="2023"/>
-                  </a:cubicBezTo>
-                  <a:cubicBezTo>
-                    <a:pt x="687" y="2023"/>
-                    <a:pt x="783" y="1927"/>
-                    <a:pt x="783" y="1823"/>
-                  </a:cubicBezTo>
-                  <a:lnTo>
-                    <a:pt x="783" y="210"/>
-                  </a:lnTo>
-                  <a:cubicBezTo>
-                    <a:pt x="783" y="96"/>
-                    <a:pt x="687" y="0"/>
-                    <a:pt x="573" y="0"/>
-                  </a:cubicBezTo>
-                  <a:close/>
-                </a:path>
-              </a:pathLst>
-            </a:custGeom>
-            <a:solidFill>
-              <a:srgbClr val="E9EEF1"/>
-            </a:solidFill>
-            <a:ln>
-              <a:noFill/>
-            </a:ln>
-          </p:spPr>
-          <p:txBody>
-            <a:bodyPr spcFirstLastPara="1" wrap="square" lIns="289850" tIns="289850" rIns="289850" bIns="289850" anchor="ctr" anchorCtr="0">
-              <a:noAutofit/>
-            </a:bodyPr>
-            <a:lstStyle/>
-            <a:p>
-              <a:pPr marL="0" lvl="0" indent="0" algn="l" rtl="0">
-                <a:spcBef>
-                  <a:spcPts val="0"/>
-                </a:spcBef>
-                <a:spcAft>
-                  <a:spcPts val="0"/>
-                </a:spcAft>
-                <a:buNone/>
-              </a:pPr>
-              <a:endParaRPr sz="1900"/>
-            </a:p>
-          </p:txBody>
-        </p:sp>
-        <p:sp>
-          <p:nvSpPr>
-            <p:cNvPr id="77" name="Google Shape;77;p13"/>
-            <p:cNvSpPr/>
-            <p:nvPr/>
-          </p:nvSpPr>
-          <p:spPr>
-            <a:xfrm>
-              <a:off x="3137334" y="2082525"/>
-              <a:ext cx="32338" cy="10814"/>
-            </a:xfrm>
-            <a:custGeom>
-              <a:avLst/>
-              <a:gdLst/>
-              <a:ahLst/>
-              <a:cxnLst/>
-              <a:rect l="l" t="t" r="r" b="b"/>
-              <a:pathLst>
-                <a:path w="1235" h="413" extrusionOk="0">
-                  <a:moveTo>
-                    <a:pt x="971" y="0"/>
-                  </a:moveTo>
-                  <a:cubicBezTo>
-                    <a:pt x="963" y="0"/>
-                    <a:pt x="954" y="1"/>
-                    <a:pt x="945" y="2"/>
-                  </a:cubicBezTo>
-                  <a:lnTo>
-                    <a:pt x="258" y="2"/>
-                  </a:lnTo>
-                  <a:cubicBezTo>
-                    <a:pt x="0" y="21"/>
-                    <a:pt x="0" y="393"/>
-                    <a:pt x="258" y="412"/>
-                  </a:cubicBezTo>
-                  <a:lnTo>
-                    <a:pt x="945" y="412"/>
-                  </a:lnTo>
-                  <a:cubicBezTo>
-                    <a:pt x="951" y="412"/>
-                    <a:pt x="957" y="412"/>
-                    <a:pt x="963" y="412"/>
-                  </a:cubicBezTo>
-                  <a:cubicBezTo>
-                    <a:pt x="1232" y="412"/>
-                    <a:pt x="1235" y="0"/>
-                    <a:pt x="971" y="0"/>
-                  </a:cubicBezTo>
-                  <a:close/>
-                </a:path>
-              </a:pathLst>
-            </a:custGeom>
-            <a:solidFill>
-              <a:srgbClr val="E9EEF1"/>
-            </a:solidFill>
-            <a:ln>
-              <a:noFill/>
-            </a:ln>
-          </p:spPr>
-          <p:txBody>
-            <a:bodyPr spcFirstLastPara="1" wrap="square" lIns="289850" tIns="289850" rIns="289850" bIns="289850" anchor="ctr" anchorCtr="0">
-              <a:noAutofit/>
-            </a:bodyPr>
-            <a:lstStyle/>
-            <a:p>
-              <a:pPr marL="0" lvl="0" indent="0" algn="l" rtl="0">
-                <a:spcBef>
-                  <a:spcPts val="0"/>
-                </a:spcBef>
-                <a:spcAft>
-                  <a:spcPts val="0"/>
-                </a:spcAft>
-                <a:buNone/>
-              </a:pPr>
-              <a:endParaRPr sz="1900"/>
-            </a:p>
-          </p:txBody>
-        </p:sp>
-        <p:sp>
-          <p:nvSpPr>
-            <p:cNvPr id="78" name="Google Shape;78;p13"/>
-            <p:cNvSpPr/>
-            <p:nvPr/>
-          </p:nvSpPr>
-          <p:spPr>
-            <a:xfrm>
-              <a:off x="3139822" y="2021488"/>
-              <a:ext cx="18513" cy="15868"/>
-            </a:xfrm>
-            <a:custGeom>
-              <a:avLst/>
-              <a:gdLst/>
-              <a:ahLst/>
-              <a:cxnLst/>
-              <a:rect l="l" t="t" r="r" b="b"/>
-              <a:pathLst>
-                <a:path w="707" h="606" extrusionOk="0">
-                  <a:moveTo>
-                    <a:pt x="404" y="1"/>
-                  </a:moveTo>
-                  <a:cubicBezTo>
-                    <a:pt x="330" y="1"/>
-                    <a:pt x="254" y="29"/>
-                    <a:pt x="192" y="91"/>
-                  </a:cubicBezTo>
-                  <a:cubicBezTo>
-                    <a:pt x="1" y="281"/>
-                    <a:pt x="134" y="606"/>
-                    <a:pt x="402" y="606"/>
-                  </a:cubicBezTo>
-                  <a:cubicBezTo>
-                    <a:pt x="573" y="606"/>
-                    <a:pt x="707" y="472"/>
-                    <a:pt x="707" y="301"/>
-                  </a:cubicBezTo>
-                  <a:cubicBezTo>
-                    <a:pt x="707" y="120"/>
-                    <a:pt x="559" y="1"/>
-                    <a:pt x="404" y="1"/>
-                  </a:cubicBezTo>
-                  <a:close/>
-                </a:path>
-              </a:pathLst>
-            </a:custGeom>
-            <a:solidFill>
-              <a:srgbClr val="E9EEF1"/>
-            </a:solidFill>
-            <a:ln>
-              <a:noFill/>
-            </a:ln>
-          </p:spPr>
-          <p:txBody>
-            <a:bodyPr spcFirstLastPara="1" wrap="square" lIns="289850" tIns="289850" rIns="289850" bIns="289850" anchor="ctr" anchorCtr="0">
-              <a:noAutofit/>
-            </a:bodyPr>
-            <a:lstStyle/>
-            <a:p>
-              <a:pPr marL="0" lvl="0" indent="0" algn="l" rtl="0">
-                <a:spcBef>
-                  <a:spcPts val="0"/>
-                </a:spcBef>
-                <a:spcAft>
-                  <a:spcPts val="0"/>
-                </a:spcAft>
-                <a:buNone/>
-              </a:pPr>
-              <a:endParaRPr sz="1900"/>
-            </a:p>
-          </p:txBody>
-        </p:sp>
-      </p:grpSp>
-      <p:grpSp>
-        <p:nvGrpSpPr>
-          <p:cNvPr id="79" name="Google Shape;79;p13"/>
-          <p:cNvGrpSpPr/>
-          <p:nvPr/>
-        </p:nvGrpSpPr>
-        <p:grpSpPr>
-          <a:xfrm>
-            <a:off x="23311426" y="345788"/>
-            <a:ext cx="820840" cy="903635"/>
-            <a:chOff x="1361556" y="2425923"/>
-            <a:chExt cx="283224" cy="366482"/>
-          </a:xfrm>
-        </p:grpSpPr>
-        <p:sp>
-          <p:nvSpPr>
-            <p:cNvPr id="80" name="Google Shape;80;p13"/>
-            <p:cNvSpPr/>
-            <p:nvPr/>
-          </p:nvSpPr>
-          <p:spPr>
-            <a:xfrm>
-              <a:off x="1361556" y="2425923"/>
-              <a:ext cx="283224" cy="366482"/>
-            </a:xfrm>
-            <a:custGeom>
-              <a:avLst/>
-              <a:gdLst/>
-              <a:ahLst/>
-              <a:cxnLst/>
-              <a:rect l="l" t="t" r="r" b="b"/>
-              <a:pathLst>
-                <a:path w="10838" h="14024" extrusionOk="0">
-                  <a:moveTo>
-                    <a:pt x="5753" y="1"/>
-                  </a:moveTo>
-                  <a:cubicBezTo>
-                    <a:pt x="4965" y="1"/>
-                    <a:pt x="4173" y="198"/>
-                    <a:pt x="3453" y="599"/>
-                  </a:cubicBezTo>
-                  <a:cubicBezTo>
-                    <a:pt x="1712" y="1570"/>
-                    <a:pt x="760" y="3532"/>
-                    <a:pt x="1097" y="5503"/>
-                  </a:cubicBezTo>
-                  <a:lnTo>
-                    <a:pt x="222" y="8081"/>
-                  </a:lnTo>
-                  <a:cubicBezTo>
-                    <a:pt x="1" y="8706"/>
-                    <a:pt x="443" y="9379"/>
-                    <a:pt x="1106" y="9417"/>
-                  </a:cubicBezTo>
-                  <a:lnTo>
-                    <a:pt x="1491" y="9417"/>
-                  </a:lnTo>
-                  <a:cubicBezTo>
-                    <a:pt x="1597" y="9417"/>
-                    <a:pt x="1683" y="9504"/>
-                    <a:pt x="1683" y="9619"/>
-                  </a:cubicBezTo>
-                  <a:lnTo>
-                    <a:pt x="1683" y="11408"/>
-                  </a:lnTo>
-                  <a:cubicBezTo>
-                    <a:pt x="1683" y="11937"/>
-                    <a:pt x="2116" y="12369"/>
-                    <a:pt x="2645" y="12369"/>
-                  </a:cubicBezTo>
-                  <a:lnTo>
-                    <a:pt x="4010" y="12138"/>
-                  </a:lnTo>
-                  <a:cubicBezTo>
-                    <a:pt x="4021" y="12137"/>
-                    <a:pt x="4032" y="12136"/>
-                    <a:pt x="4042" y="12136"/>
-                  </a:cubicBezTo>
-                  <a:cubicBezTo>
-                    <a:pt x="4153" y="12136"/>
-                    <a:pt x="4241" y="12226"/>
-                    <a:pt x="4241" y="12340"/>
-                  </a:cubicBezTo>
-                  <a:lnTo>
-                    <a:pt x="4241" y="13735"/>
-                  </a:lnTo>
-                  <a:cubicBezTo>
-                    <a:pt x="4241" y="13889"/>
-                    <a:pt x="4376" y="14023"/>
-                    <a:pt x="4539" y="14023"/>
-                  </a:cubicBezTo>
-                  <a:lnTo>
-                    <a:pt x="8915" y="14023"/>
-                  </a:lnTo>
-                  <a:cubicBezTo>
-                    <a:pt x="9078" y="14023"/>
-                    <a:pt x="9213" y="13898"/>
-                    <a:pt x="9213" y="13735"/>
-                  </a:cubicBezTo>
-                  <a:lnTo>
-                    <a:pt x="9213" y="9090"/>
-                  </a:lnTo>
-                  <a:cubicBezTo>
-                    <a:pt x="9213" y="8792"/>
-                    <a:pt x="9251" y="8484"/>
-                    <a:pt x="9328" y="8196"/>
-                  </a:cubicBezTo>
-                  <a:cubicBezTo>
-                    <a:pt x="9415" y="7907"/>
-                    <a:pt x="9540" y="7629"/>
-                    <a:pt x="9703" y="7369"/>
-                  </a:cubicBezTo>
-                  <a:cubicBezTo>
-                    <a:pt x="9944" y="6994"/>
-                    <a:pt x="10126" y="6580"/>
-                    <a:pt x="10261" y="6148"/>
-                  </a:cubicBezTo>
-                  <a:lnTo>
-                    <a:pt x="10261" y="6138"/>
-                  </a:lnTo>
-                  <a:cubicBezTo>
-                    <a:pt x="10838" y="4292"/>
-                    <a:pt x="10232" y="2282"/>
-                    <a:pt x="8732" y="1061"/>
-                  </a:cubicBezTo>
-                  <a:cubicBezTo>
-                    <a:pt x="7871" y="360"/>
-                    <a:pt x="6816" y="1"/>
-                    <a:pt x="5753" y="1"/>
-                  </a:cubicBezTo>
-                  <a:close/>
-                </a:path>
-              </a:pathLst>
-            </a:custGeom>
-            <a:solidFill>
-              <a:srgbClr val="D6EEF1"/>
-            </a:solidFill>
-            <a:ln>
-              <a:noFill/>
-            </a:ln>
-          </p:spPr>
-          <p:txBody>
-            <a:bodyPr spcFirstLastPara="1" wrap="square" lIns="289850" tIns="289850" rIns="289850" bIns="289850" anchor="ctr" anchorCtr="0">
-              <a:noAutofit/>
-            </a:bodyPr>
-            <a:lstStyle/>
-            <a:p>
-              <a:pPr marL="0" lvl="0" indent="0" algn="l" rtl="0">
-                <a:spcBef>
-                  <a:spcPts val="0"/>
-                </a:spcBef>
-                <a:spcAft>
-                  <a:spcPts val="0"/>
-                </a:spcAft>
-                <a:buNone/>
-              </a:pPr>
-              <a:endParaRPr sz="1900"/>
-            </a:p>
-          </p:txBody>
-        </p:sp>
-        <p:sp>
-          <p:nvSpPr>
-            <p:cNvPr id="81" name="Google Shape;81;p13"/>
-            <p:cNvSpPr/>
-            <p:nvPr/>
-          </p:nvSpPr>
-          <p:spPr>
-            <a:xfrm>
-              <a:off x="1493499" y="2660698"/>
-              <a:ext cx="36951" cy="22866"/>
-            </a:xfrm>
-            <a:custGeom>
-              <a:avLst/>
-              <a:gdLst/>
-              <a:ahLst/>
-              <a:cxnLst/>
-              <a:rect l="l" t="t" r="r" b="b"/>
-              <a:pathLst>
-                <a:path w="1414" h="875" extrusionOk="0">
-                  <a:moveTo>
-                    <a:pt x="0" y="0"/>
-                  </a:moveTo>
-                  <a:lnTo>
-                    <a:pt x="0" y="174"/>
-                  </a:lnTo>
-                  <a:cubicBezTo>
-                    <a:pt x="0" y="582"/>
-                    <a:pt x="337" y="874"/>
-                    <a:pt x="706" y="874"/>
-                  </a:cubicBezTo>
-                  <a:cubicBezTo>
-                    <a:pt x="823" y="874"/>
-                    <a:pt x="944" y="844"/>
-                    <a:pt x="1058" y="779"/>
-                  </a:cubicBezTo>
-                  <a:lnTo>
-                    <a:pt x="1067" y="779"/>
-                  </a:lnTo>
-                  <a:cubicBezTo>
-                    <a:pt x="1279" y="654"/>
-                    <a:pt x="1414" y="424"/>
-                    <a:pt x="1414" y="183"/>
-                  </a:cubicBezTo>
-                  <a:lnTo>
-                    <a:pt x="1414" y="10"/>
-                  </a:lnTo>
-                  <a:lnTo>
-                    <a:pt x="1414" y="0"/>
-                  </a:lnTo>
-                  <a:close/>
-                </a:path>
-              </a:pathLst>
-            </a:custGeom>
-            <a:solidFill>
-              <a:srgbClr val="488696"/>
-            </a:solidFill>
-            <a:ln>
-              <a:noFill/>
-            </a:ln>
-          </p:spPr>
-          <p:txBody>
-            <a:bodyPr spcFirstLastPara="1" wrap="square" lIns="289850" tIns="289850" rIns="289850" bIns="289850" anchor="ctr" anchorCtr="0">
-              <a:noAutofit/>
-            </a:bodyPr>
-            <a:lstStyle/>
-            <a:p>
-              <a:pPr marL="0" lvl="0" indent="0" algn="l" rtl="0">
-                <a:spcBef>
-                  <a:spcPts val="0"/>
-                </a:spcBef>
-                <a:spcAft>
-                  <a:spcPts val="0"/>
-                </a:spcAft>
-                <a:buNone/>
-              </a:pPr>
-              <a:endParaRPr sz="1900"/>
-            </a:p>
-          </p:txBody>
-        </p:sp>
-        <p:sp>
-          <p:nvSpPr>
-            <p:cNvPr id="82" name="Google Shape;82;p13"/>
-            <p:cNvSpPr/>
-            <p:nvPr/>
-          </p:nvSpPr>
-          <p:spPr>
-            <a:xfrm>
-              <a:off x="1512341" y="2660959"/>
-              <a:ext cx="18110" cy="20122"/>
-            </a:xfrm>
-            <a:custGeom>
-              <a:avLst/>
-              <a:gdLst/>
-              <a:ahLst/>
-              <a:cxnLst/>
-              <a:rect l="l" t="t" r="r" b="b"/>
-              <a:pathLst>
-                <a:path w="693" h="770" extrusionOk="0">
-                  <a:moveTo>
-                    <a:pt x="0" y="0"/>
-                  </a:moveTo>
-                  <a:lnTo>
-                    <a:pt x="0" y="173"/>
-                  </a:lnTo>
-                  <a:cubicBezTo>
-                    <a:pt x="0" y="414"/>
-                    <a:pt x="135" y="644"/>
-                    <a:pt x="346" y="769"/>
-                  </a:cubicBezTo>
-                  <a:cubicBezTo>
-                    <a:pt x="558" y="644"/>
-                    <a:pt x="693" y="414"/>
-                    <a:pt x="693" y="173"/>
-                  </a:cubicBezTo>
-                  <a:lnTo>
-                    <a:pt x="693" y="0"/>
-                  </a:lnTo>
-                  <a:close/>
-                </a:path>
-              </a:pathLst>
-            </a:custGeom>
-            <a:solidFill>
-              <a:srgbClr val="FFFFFF">
-                <a:alpha val="20000"/>
-              </a:srgbClr>
-            </a:solidFill>
-            <a:ln>
-              <a:noFill/>
-            </a:ln>
-          </p:spPr>
-          <p:txBody>
-            <a:bodyPr spcFirstLastPara="1" wrap="square" lIns="289850" tIns="289850" rIns="289850" bIns="289850" anchor="ctr" anchorCtr="0">
-              <a:noAutofit/>
-            </a:bodyPr>
-            <a:lstStyle/>
-            <a:p>
-              <a:pPr marL="0" lvl="0" indent="0" algn="l" rtl="0">
-                <a:spcBef>
-                  <a:spcPts val="0"/>
-                </a:spcBef>
-                <a:spcAft>
-                  <a:spcPts val="0"/>
-                </a:spcAft>
-                <a:buNone/>
-              </a:pPr>
-              <a:endParaRPr sz="1900"/>
-            </a:p>
-          </p:txBody>
-        </p:sp>
-        <p:sp>
-          <p:nvSpPr>
-            <p:cNvPr id="83" name="Google Shape;83;p13"/>
-            <p:cNvSpPr/>
-            <p:nvPr/>
-          </p:nvSpPr>
-          <p:spPr>
-            <a:xfrm>
-              <a:off x="1433290" y="2489556"/>
-              <a:ext cx="153711" cy="173180"/>
-            </a:xfrm>
-            <a:custGeom>
-              <a:avLst/>
-              <a:gdLst/>
-              <a:ahLst/>
-              <a:cxnLst/>
-              <a:rect l="l" t="t" r="r" b="b"/>
-              <a:pathLst>
-                <a:path w="5882" h="6627" extrusionOk="0">
-                  <a:moveTo>
-                    <a:pt x="3006" y="0"/>
-                  </a:moveTo>
-                  <a:cubicBezTo>
-                    <a:pt x="978" y="0"/>
-                    <a:pt x="1" y="2504"/>
-                    <a:pt x="1515" y="3876"/>
-                  </a:cubicBezTo>
-                  <a:cubicBezTo>
-                    <a:pt x="1785" y="4126"/>
-                    <a:pt x="1939" y="4482"/>
-                    <a:pt x="1939" y="4857"/>
-                  </a:cubicBezTo>
-                  <a:lnTo>
-                    <a:pt x="1939" y="6251"/>
-                  </a:lnTo>
-                  <a:cubicBezTo>
-                    <a:pt x="1939" y="6347"/>
-                    <a:pt x="1977" y="6444"/>
-                    <a:pt x="2044" y="6521"/>
-                  </a:cubicBezTo>
-                  <a:cubicBezTo>
-                    <a:pt x="2064" y="6530"/>
-                    <a:pt x="2073" y="6540"/>
-                    <a:pt x="2092" y="6549"/>
-                  </a:cubicBezTo>
-                  <a:lnTo>
-                    <a:pt x="2121" y="6569"/>
-                  </a:lnTo>
-                  <a:cubicBezTo>
-                    <a:pt x="2179" y="6607"/>
-                    <a:pt x="2246" y="6626"/>
-                    <a:pt x="2314" y="6626"/>
-                  </a:cubicBezTo>
-                  <a:lnTo>
-                    <a:pt x="3698" y="6626"/>
-                  </a:lnTo>
-                  <a:cubicBezTo>
-                    <a:pt x="3775" y="6626"/>
-                    <a:pt x="3843" y="6607"/>
-                    <a:pt x="3900" y="6569"/>
-                  </a:cubicBezTo>
-                  <a:lnTo>
-                    <a:pt x="3929" y="6549"/>
-                  </a:lnTo>
-                  <a:cubicBezTo>
-                    <a:pt x="3948" y="6540"/>
-                    <a:pt x="3958" y="6530"/>
-                    <a:pt x="3968" y="6521"/>
-                  </a:cubicBezTo>
-                  <a:cubicBezTo>
-                    <a:pt x="4045" y="6444"/>
-                    <a:pt x="4083" y="6347"/>
-                    <a:pt x="4083" y="6251"/>
-                  </a:cubicBezTo>
-                  <a:lnTo>
-                    <a:pt x="4083" y="4847"/>
-                  </a:lnTo>
-                  <a:cubicBezTo>
-                    <a:pt x="4083" y="4472"/>
-                    <a:pt x="4246" y="4117"/>
-                    <a:pt x="4525" y="3867"/>
-                  </a:cubicBezTo>
-                  <a:cubicBezTo>
-                    <a:pt x="5881" y="2616"/>
-                    <a:pt x="5218" y="357"/>
-                    <a:pt x="3400" y="30"/>
-                  </a:cubicBezTo>
-                  <a:lnTo>
-                    <a:pt x="3352" y="20"/>
-                  </a:lnTo>
-                  <a:cubicBezTo>
-                    <a:pt x="3256" y="11"/>
-                    <a:pt x="3160" y="1"/>
-                    <a:pt x="3064" y="1"/>
-                  </a:cubicBezTo>
-                  <a:cubicBezTo>
-                    <a:pt x="3044" y="0"/>
-                    <a:pt x="3025" y="0"/>
-                    <a:pt x="3006" y="0"/>
-                  </a:cubicBezTo>
-                  <a:close/>
-                </a:path>
-              </a:pathLst>
-            </a:custGeom>
-            <a:solidFill>
-              <a:srgbClr val="84DDCF"/>
-            </a:solidFill>
-            <a:ln>
-              <a:noFill/>
-            </a:ln>
-          </p:spPr>
-          <p:txBody>
-            <a:bodyPr spcFirstLastPara="1" wrap="square" lIns="289850" tIns="289850" rIns="289850" bIns="289850" anchor="ctr" anchorCtr="0">
-              <a:noAutofit/>
-            </a:bodyPr>
-            <a:lstStyle/>
-            <a:p>
-              <a:pPr marL="0" lvl="0" indent="0" algn="l" rtl="0">
-                <a:spcBef>
-                  <a:spcPts val="0"/>
-                </a:spcBef>
-                <a:spcAft>
-                  <a:spcPts val="0"/>
-                </a:spcAft>
-                <a:buNone/>
-              </a:pPr>
-              <a:endParaRPr sz="1900"/>
-            </a:p>
-          </p:txBody>
-        </p:sp>
-        <p:sp>
-          <p:nvSpPr>
-            <p:cNvPr id="84" name="Google Shape;84;p13"/>
-            <p:cNvSpPr/>
-            <p:nvPr/>
-          </p:nvSpPr>
-          <p:spPr>
-            <a:xfrm>
-              <a:off x="1457306" y="2490314"/>
-              <a:ext cx="129434" cy="172422"/>
-            </a:xfrm>
-            <a:custGeom>
-              <a:avLst/>
-              <a:gdLst/>
-              <a:ahLst/>
-              <a:cxnLst/>
-              <a:rect l="l" t="t" r="r" b="b"/>
-              <a:pathLst>
-                <a:path w="4953" h="6598" extrusionOk="0">
-                  <a:moveTo>
-                    <a:pt x="2472" y="1"/>
-                  </a:moveTo>
-                  <a:cubicBezTo>
-                    <a:pt x="654" y="328"/>
-                    <a:pt x="0" y="2607"/>
-                    <a:pt x="1366" y="3847"/>
-                  </a:cubicBezTo>
-                  <a:cubicBezTo>
-                    <a:pt x="1645" y="4097"/>
-                    <a:pt x="1798" y="4453"/>
-                    <a:pt x="1798" y="4828"/>
-                  </a:cubicBezTo>
-                  <a:lnTo>
-                    <a:pt x="1798" y="6222"/>
-                  </a:lnTo>
-                  <a:cubicBezTo>
-                    <a:pt x="1789" y="6428"/>
-                    <a:pt x="1962" y="6598"/>
-                    <a:pt x="2166" y="6598"/>
-                  </a:cubicBezTo>
-                  <a:cubicBezTo>
-                    <a:pt x="2172" y="6598"/>
-                    <a:pt x="2178" y="6598"/>
-                    <a:pt x="2183" y="6597"/>
-                  </a:cubicBezTo>
-                  <a:lnTo>
-                    <a:pt x="2779" y="6597"/>
-                  </a:lnTo>
-                  <a:cubicBezTo>
-                    <a:pt x="2991" y="6597"/>
-                    <a:pt x="3164" y="6424"/>
-                    <a:pt x="3164" y="6222"/>
-                  </a:cubicBezTo>
-                  <a:lnTo>
-                    <a:pt x="3164" y="4818"/>
-                  </a:lnTo>
-                  <a:cubicBezTo>
-                    <a:pt x="3164" y="4443"/>
-                    <a:pt x="3327" y="4088"/>
-                    <a:pt x="3606" y="3838"/>
-                  </a:cubicBezTo>
-                  <a:lnTo>
-                    <a:pt x="3597" y="3838"/>
-                  </a:lnTo>
-                  <a:cubicBezTo>
-                    <a:pt x="4953" y="2587"/>
-                    <a:pt x="4289" y="328"/>
-                    <a:pt x="2472" y="1"/>
-                  </a:cubicBezTo>
-                  <a:close/>
-                </a:path>
-              </a:pathLst>
-            </a:custGeom>
-            <a:solidFill>
-              <a:srgbClr val="FFFFFF">
-                <a:alpha val="20000"/>
-              </a:srgbClr>
-            </a:solidFill>
-            <a:ln>
-              <a:noFill/>
-            </a:ln>
-          </p:spPr>
-          <p:txBody>
-            <a:bodyPr spcFirstLastPara="1" wrap="square" lIns="289850" tIns="289850" rIns="289850" bIns="289850" anchor="ctr" anchorCtr="0">
-              <a:noAutofit/>
-            </a:bodyPr>
-            <a:lstStyle/>
-            <a:p>
-              <a:pPr marL="0" lvl="0" indent="0" algn="l" rtl="0">
-                <a:spcBef>
-                  <a:spcPts val="0"/>
-                </a:spcBef>
-                <a:spcAft>
-                  <a:spcPts val="0"/>
-                </a:spcAft>
-                <a:buNone/>
-              </a:pPr>
-              <a:endParaRPr sz="1900"/>
-            </a:p>
-          </p:txBody>
-        </p:sp>
-        <p:sp>
-          <p:nvSpPr>
-            <p:cNvPr id="85" name="Google Shape;85;p13"/>
-            <p:cNvSpPr/>
-            <p:nvPr/>
-          </p:nvSpPr>
-          <p:spPr>
-            <a:xfrm>
-              <a:off x="1469876" y="2523502"/>
-              <a:ext cx="79417" cy="95253"/>
-            </a:xfrm>
-            <a:custGeom>
-              <a:avLst/>
-              <a:gdLst/>
-              <a:ahLst/>
-              <a:cxnLst/>
-              <a:rect l="l" t="t" r="r" b="b"/>
-              <a:pathLst>
-                <a:path w="3039" h="3645" extrusionOk="0">
-                  <a:moveTo>
-                    <a:pt x="837" y="423"/>
-                  </a:moveTo>
-                  <a:cubicBezTo>
-                    <a:pt x="933" y="423"/>
-                    <a:pt x="1010" y="510"/>
-                    <a:pt x="1010" y="606"/>
-                  </a:cubicBezTo>
-                  <a:lnTo>
-                    <a:pt x="1010" y="779"/>
-                  </a:lnTo>
-                  <a:lnTo>
-                    <a:pt x="1010" y="789"/>
-                  </a:lnTo>
-                  <a:lnTo>
-                    <a:pt x="798" y="789"/>
-                  </a:lnTo>
-                  <a:cubicBezTo>
-                    <a:pt x="558" y="789"/>
-                    <a:pt x="558" y="423"/>
-                    <a:pt x="798" y="423"/>
-                  </a:cubicBezTo>
-                  <a:close/>
-                  <a:moveTo>
-                    <a:pt x="2423" y="433"/>
-                  </a:moveTo>
-                  <a:cubicBezTo>
-                    <a:pt x="2654" y="433"/>
-                    <a:pt x="2654" y="789"/>
-                    <a:pt x="2423" y="789"/>
-                  </a:cubicBezTo>
-                  <a:lnTo>
-                    <a:pt x="2212" y="789"/>
-                  </a:lnTo>
-                  <a:lnTo>
-                    <a:pt x="2212" y="606"/>
-                  </a:lnTo>
-                  <a:cubicBezTo>
-                    <a:pt x="2212" y="510"/>
-                    <a:pt x="2289" y="433"/>
-                    <a:pt x="2385" y="433"/>
-                  </a:cubicBezTo>
-                  <a:close/>
-                  <a:moveTo>
-                    <a:pt x="817" y="0"/>
-                  </a:moveTo>
-                  <a:cubicBezTo>
-                    <a:pt x="0" y="0"/>
-                    <a:pt x="0" y="1221"/>
-                    <a:pt x="817" y="1221"/>
-                  </a:cubicBezTo>
-                  <a:lnTo>
-                    <a:pt x="1019" y="1221"/>
-                  </a:lnTo>
-                  <a:lnTo>
-                    <a:pt x="1019" y="3635"/>
-                  </a:lnTo>
-                  <a:lnTo>
-                    <a:pt x="1452" y="3635"/>
-                  </a:lnTo>
-                  <a:lnTo>
-                    <a:pt x="1452" y="1221"/>
-                  </a:lnTo>
-                  <a:lnTo>
-                    <a:pt x="1789" y="1221"/>
-                  </a:lnTo>
-                  <a:lnTo>
-                    <a:pt x="1789" y="3645"/>
-                  </a:lnTo>
-                  <a:lnTo>
-                    <a:pt x="2221" y="3645"/>
-                  </a:lnTo>
-                  <a:lnTo>
-                    <a:pt x="2221" y="1221"/>
-                  </a:lnTo>
-                  <a:lnTo>
-                    <a:pt x="2433" y="1221"/>
-                  </a:lnTo>
-                  <a:cubicBezTo>
-                    <a:pt x="2760" y="1221"/>
-                    <a:pt x="3039" y="952"/>
-                    <a:pt x="3039" y="615"/>
-                  </a:cubicBezTo>
-                  <a:cubicBezTo>
-                    <a:pt x="3039" y="279"/>
-                    <a:pt x="2760" y="10"/>
-                    <a:pt x="2433" y="10"/>
-                  </a:cubicBezTo>
-                  <a:lnTo>
-                    <a:pt x="2414" y="0"/>
-                  </a:lnTo>
-                  <a:lnTo>
-                    <a:pt x="2385" y="0"/>
-                  </a:lnTo>
-                  <a:cubicBezTo>
-                    <a:pt x="2058" y="10"/>
-                    <a:pt x="1789" y="269"/>
-                    <a:pt x="1789" y="606"/>
-                  </a:cubicBezTo>
-                  <a:lnTo>
-                    <a:pt x="1789" y="779"/>
-                  </a:lnTo>
-                  <a:lnTo>
-                    <a:pt x="1442" y="779"/>
-                  </a:lnTo>
-                  <a:lnTo>
-                    <a:pt x="1442" y="606"/>
-                  </a:lnTo>
-                  <a:cubicBezTo>
-                    <a:pt x="1442" y="269"/>
-                    <a:pt x="1173" y="10"/>
-                    <a:pt x="846" y="0"/>
-                  </a:cubicBezTo>
-                  <a:close/>
-                </a:path>
-              </a:pathLst>
-            </a:custGeom>
-            <a:solidFill>
-              <a:srgbClr val="6199BD"/>
-            </a:solidFill>
-            <a:ln>
-              <a:noFill/>
-            </a:ln>
-          </p:spPr>
-          <p:txBody>
-            <a:bodyPr spcFirstLastPara="1" wrap="square" lIns="289850" tIns="289850" rIns="289850" bIns="289850" anchor="ctr" anchorCtr="0">
-              <a:noAutofit/>
-            </a:bodyPr>
-            <a:lstStyle/>
-            <a:p>
-              <a:pPr marL="0" lvl="0" indent="0" algn="l" rtl="0">
-                <a:spcBef>
-                  <a:spcPts val="0"/>
-                </a:spcBef>
-                <a:spcAft>
-                  <a:spcPts val="0"/>
-                </a:spcAft>
-                <a:buNone/>
-              </a:pPr>
-              <a:endParaRPr sz="1900"/>
-            </a:p>
-          </p:txBody>
-        </p:sp>
-        <p:sp>
-          <p:nvSpPr>
-            <p:cNvPr id="86" name="Google Shape;86;p13"/>
-            <p:cNvSpPr/>
-            <p:nvPr/>
-          </p:nvSpPr>
-          <p:spPr>
-            <a:xfrm>
-              <a:off x="1421086" y="2581412"/>
-              <a:ext cx="30131" cy="19338"/>
-            </a:xfrm>
-            <a:custGeom>
-              <a:avLst/>
-              <a:gdLst/>
-              <a:ahLst/>
-              <a:cxnLst/>
-              <a:rect l="l" t="t" r="r" b="b"/>
-              <a:pathLst>
-                <a:path w="1153" h="740" extrusionOk="0">
-                  <a:moveTo>
-                    <a:pt x="850" y="1"/>
-                  </a:moveTo>
-                  <a:cubicBezTo>
-                    <a:pt x="819" y="1"/>
-                    <a:pt x="786" y="8"/>
-                    <a:pt x="752" y="25"/>
-                  </a:cubicBezTo>
-                  <a:lnTo>
-                    <a:pt x="232" y="323"/>
-                  </a:lnTo>
-                  <a:cubicBezTo>
-                    <a:pt x="0" y="435"/>
-                    <a:pt x="121" y="739"/>
-                    <a:pt x="317" y="739"/>
-                  </a:cubicBezTo>
-                  <a:cubicBezTo>
-                    <a:pt x="357" y="739"/>
-                    <a:pt x="400" y="727"/>
-                    <a:pt x="444" y="698"/>
-                  </a:cubicBezTo>
-                  <a:lnTo>
-                    <a:pt x="963" y="400"/>
-                  </a:lnTo>
-                  <a:cubicBezTo>
-                    <a:pt x="1153" y="268"/>
-                    <a:pt x="1038" y="1"/>
-                    <a:pt x="850" y="1"/>
-                  </a:cubicBezTo>
-                  <a:close/>
-                </a:path>
-              </a:pathLst>
-            </a:custGeom>
-            <a:solidFill>
-              <a:srgbClr val="84DDCF"/>
-            </a:solidFill>
-            <a:ln>
-              <a:noFill/>
-            </a:ln>
-          </p:spPr>
-          <p:txBody>
-            <a:bodyPr spcFirstLastPara="1" wrap="square" lIns="289850" tIns="289850" rIns="289850" bIns="289850" anchor="ctr" anchorCtr="0">
-              <a:noAutofit/>
-            </a:bodyPr>
-            <a:lstStyle/>
-            <a:p>
-              <a:pPr marL="0" lvl="0" indent="0" algn="l" rtl="0">
-                <a:spcBef>
-                  <a:spcPts val="0"/>
-                </a:spcBef>
-                <a:spcAft>
-                  <a:spcPts val="0"/>
-                </a:spcAft>
-                <a:buNone/>
-              </a:pPr>
-              <a:endParaRPr sz="1900"/>
-            </a:p>
-          </p:txBody>
-        </p:sp>
-        <p:sp>
-          <p:nvSpPr>
-            <p:cNvPr id="87" name="Google Shape;87;p13"/>
-            <p:cNvSpPr/>
-            <p:nvPr/>
-          </p:nvSpPr>
-          <p:spPr>
-            <a:xfrm>
-              <a:off x="1569336" y="2582222"/>
-              <a:ext cx="30157" cy="19312"/>
-            </a:xfrm>
-            <a:custGeom>
-              <a:avLst/>
-              <a:gdLst/>
-              <a:ahLst/>
-              <a:cxnLst/>
-              <a:rect l="l" t="t" r="r" b="b"/>
-              <a:pathLst>
-                <a:path w="1154" h="739" extrusionOk="0">
-                  <a:moveTo>
-                    <a:pt x="321" y="0"/>
-                  </a:moveTo>
-                  <a:cubicBezTo>
-                    <a:pt x="128" y="0"/>
-                    <a:pt x="1" y="305"/>
-                    <a:pt x="233" y="417"/>
-                  </a:cubicBezTo>
-                  <a:lnTo>
-                    <a:pt x="752" y="715"/>
-                  </a:lnTo>
-                  <a:cubicBezTo>
-                    <a:pt x="786" y="731"/>
-                    <a:pt x="819" y="738"/>
-                    <a:pt x="851" y="738"/>
-                  </a:cubicBezTo>
-                  <a:cubicBezTo>
-                    <a:pt x="1039" y="738"/>
-                    <a:pt x="1153" y="473"/>
-                    <a:pt x="964" y="349"/>
-                  </a:cubicBezTo>
-                  <a:lnTo>
-                    <a:pt x="444" y="42"/>
-                  </a:lnTo>
-                  <a:cubicBezTo>
-                    <a:pt x="402" y="13"/>
-                    <a:pt x="360" y="0"/>
-                    <a:pt x="321" y="0"/>
-                  </a:cubicBezTo>
-                  <a:close/>
-                </a:path>
-              </a:pathLst>
-            </a:custGeom>
-            <a:solidFill>
-              <a:srgbClr val="84DDCF"/>
-            </a:solidFill>
-            <a:ln>
-              <a:noFill/>
-            </a:ln>
-          </p:spPr>
-          <p:txBody>
-            <a:bodyPr spcFirstLastPara="1" wrap="square" lIns="289850" tIns="289850" rIns="289850" bIns="289850" anchor="ctr" anchorCtr="0">
-              <a:noAutofit/>
-            </a:bodyPr>
-            <a:lstStyle/>
-            <a:p>
-              <a:pPr marL="0" lvl="0" indent="0" algn="l" rtl="0">
-                <a:spcBef>
-                  <a:spcPts val="0"/>
-                </a:spcBef>
-                <a:spcAft>
-                  <a:spcPts val="0"/>
-                </a:spcAft>
-                <a:buNone/>
-              </a:pPr>
-              <a:endParaRPr sz="1900"/>
-            </a:p>
-          </p:txBody>
-        </p:sp>
-        <p:sp>
-          <p:nvSpPr>
-            <p:cNvPr id="88" name="Google Shape;88;p13"/>
-            <p:cNvSpPr/>
-            <p:nvPr/>
-          </p:nvSpPr>
-          <p:spPr>
-            <a:xfrm>
-              <a:off x="1506304" y="2449599"/>
-              <a:ext cx="11342" cy="26498"/>
-            </a:xfrm>
-            <a:custGeom>
-              <a:avLst/>
-              <a:gdLst/>
-              <a:ahLst/>
-              <a:cxnLst/>
-              <a:rect l="l" t="t" r="r" b="b"/>
-              <a:pathLst>
-                <a:path w="434" h="1014" extrusionOk="0">
-                  <a:moveTo>
-                    <a:pt x="212" y="1"/>
-                  </a:moveTo>
-                  <a:cubicBezTo>
-                    <a:pt x="97" y="1"/>
-                    <a:pt x="0" y="97"/>
-                    <a:pt x="0" y="213"/>
-                  </a:cubicBezTo>
-                  <a:lnTo>
-                    <a:pt x="0" y="818"/>
-                  </a:lnTo>
-                  <a:cubicBezTo>
-                    <a:pt x="10" y="948"/>
-                    <a:pt x="113" y="1013"/>
-                    <a:pt x="217" y="1013"/>
-                  </a:cubicBezTo>
-                  <a:cubicBezTo>
-                    <a:pt x="320" y="1013"/>
-                    <a:pt x="424" y="948"/>
-                    <a:pt x="433" y="818"/>
-                  </a:cubicBezTo>
-                  <a:lnTo>
-                    <a:pt x="433" y="213"/>
-                  </a:lnTo>
-                  <a:cubicBezTo>
-                    <a:pt x="433" y="97"/>
-                    <a:pt x="337" y="1"/>
-                    <a:pt x="212" y="1"/>
-                  </a:cubicBezTo>
-                  <a:close/>
-                </a:path>
-              </a:pathLst>
-            </a:custGeom>
-            <a:solidFill>
-              <a:srgbClr val="84DDCF"/>
-            </a:solidFill>
-            <a:ln>
-              <a:noFill/>
-            </a:ln>
-          </p:spPr>
-          <p:txBody>
-            <a:bodyPr spcFirstLastPara="1" wrap="square" lIns="289850" tIns="289850" rIns="289850" bIns="289850" anchor="ctr" anchorCtr="0">
-              <a:noAutofit/>
-            </a:bodyPr>
-            <a:lstStyle/>
-            <a:p>
-              <a:pPr marL="0" lvl="0" indent="0" algn="l" rtl="0">
-                <a:spcBef>
-                  <a:spcPts val="0"/>
-                </a:spcBef>
-                <a:spcAft>
-                  <a:spcPts val="0"/>
-                </a:spcAft>
-                <a:buNone/>
-              </a:pPr>
-              <a:endParaRPr sz="1900"/>
-            </a:p>
-          </p:txBody>
-        </p:sp>
-        <p:sp>
-          <p:nvSpPr>
-            <p:cNvPr id="89" name="Google Shape;89;p13"/>
-            <p:cNvSpPr/>
-            <p:nvPr/>
-          </p:nvSpPr>
-          <p:spPr>
-            <a:xfrm>
-              <a:off x="1457228" y="2461176"/>
-              <a:ext cx="23624" cy="25897"/>
-            </a:xfrm>
-            <a:custGeom>
-              <a:avLst/>
-              <a:gdLst/>
-              <a:ahLst/>
-              <a:cxnLst/>
-              <a:rect l="l" t="t" r="r" b="b"/>
-              <a:pathLst>
-                <a:path w="904" h="991" extrusionOk="0">
-                  <a:moveTo>
-                    <a:pt x="302" y="1"/>
-                  </a:moveTo>
-                  <a:cubicBezTo>
-                    <a:pt x="151" y="1"/>
-                    <a:pt x="0" y="169"/>
-                    <a:pt x="119" y="346"/>
-                  </a:cubicBezTo>
-                  <a:lnTo>
-                    <a:pt x="417" y="866"/>
-                  </a:lnTo>
-                  <a:cubicBezTo>
-                    <a:pt x="459" y="954"/>
-                    <a:pt x="529" y="990"/>
-                    <a:pt x="599" y="990"/>
-                  </a:cubicBezTo>
-                  <a:cubicBezTo>
-                    <a:pt x="750" y="990"/>
-                    <a:pt x="903" y="822"/>
-                    <a:pt x="792" y="645"/>
-                  </a:cubicBezTo>
-                  <a:lnTo>
-                    <a:pt x="484" y="125"/>
-                  </a:lnTo>
-                  <a:cubicBezTo>
-                    <a:pt x="441" y="37"/>
-                    <a:pt x="372" y="1"/>
-                    <a:pt x="302" y="1"/>
-                  </a:cubicBezTo>
-                  <a:close/>
-                </a:path>
-              </a:pathLst>
-            </a:custGeom>
-            <a:solidFill>
-              <a:srgbClr val="84DDCF"/>
-            </a:solidFill>
-            <a:ln>
-              <a:noFill/>
-            </a:ln>
-          </p:spPr>
-          <p:txBody>
-            <a:bodyPr spcFirstLastPara="1" wrap="square" lIns="289850" tIns="289850" rIns="289850" bIns="289850" anchor="ctr" anchorCtr="0">
-              <a:noAutofit/>
-            </a:bodyPr>
-            <a:lstStyle/>
-            <a:p>
-              <a:pPr marL="0" lvl="0" indent="0" algn="l" rtl="0">
-                <a:spcBef>
-                  <a:spcPts val="0"/>
-                </a:spcBef>
-                <a:spcAft>
-                  <a:spcPts val="0"/>
-                </a:spcAft>
-                <a:buNone/>
-              </a:pPr>
-              <a:endParaRPr sz="1900"/>
-            </a:p>
-          </p:txBody>
-        </p:sp>
-        <p:sp>
-          <p:nvSpPr>
-            <p:cNvPr id="90" name="Google Shape;90;p13"/>
-            <p:cNvSpPr/>
-            <p:nvPr/>
-          </p:nvSpPr>
-          <p:spPr>
-            <a:xfrm>
-              <a:off x="1422680" y="2495723"/>
-              <a:ext cx="29295" cy="18868"/>
-            </a:xfrm>
-            <a:custGeom>
-              <a:avLst/>
-              <a:gdLst/>
-              <a:ahLst/>
-              <a:cxnLst/>
-              <a:rect l="l" t="t" r="r" b="b"/>
-              <a:pathLst>
-                <a:path w="1121" h="722" extrusionOk="0">
-                  <a:moveTo>
-                    <a:pt x="313" y="1"/>
-                  </a:moveTo>
-                  <a:cubicBezTo>
-                    <a:pt x="123" y="1"/>
-                    <a:pt x="1" y="268"/>
-                    <a:pt x="191" y="400"/>
-                  </a:cubicBezTo>
-                  <a:lnTo>
-                    <a:pt x="719" y="698"/>
-                  </a:lnTo>
-                  <a:cubicBezTo>
-                    <a:pt x="752" y="714"/>
-                    <a:pt x="784" y="721"/>
-                    <a:pt x="815" y="721"/>
-                  </a:cubicBezTo>
-                  <a:cubicBezTo>
-                    <a:pt x="999" y="721"/>
-                    <a:pt x="1121" y="456"/>
-                    <a:pt x="931" y="332"/>
-                  </a:cubicBezTo>
-                  <a:lnTo>
-                    <a:pt x="412" y="25"/>
-                  </a:lnTo>
-                  <a:cubicBezTo>
-                    <a:pt x="378" y="8"/>
-                    <a:pt x="344" y="1"/>
-                    <a:pt x="313" y="1"/>
-                  </a:cubicBezTo>
-                  <a:close/>
-                </a:path>
-              </a:pathLst>
-            </a:custGeom>
-            <a:solidFill>
-              <a:srgbClr val="84DDCF"/>
-            </a:solidFill>
-            <a:ln>
-              <a:noFill/>
-            </a:ln>
-          </p:spPr>
-          <p:txBody>
-            <a:bodyPr spcFirstLastPara="1" wrap="square" lIns="289850" tIns="289850" rIns="289850" bIns="289850" anchor="ctr" anchorCtr="0">
-              <a:noAutofit/>
-            </a:bodyPr>
-            <a:lstStyle/>
-            <a:p>
-              <a:pPr marL="0" lvl="0" indent="0" algn="l" rtl="0">
-                <a:spcBef>
-                  <a:spcPts val="0"/>
-                </a:spcBef>
-                <a:spcAft>
-                  <a:spcPts val="0"/>
-                </a:spcAft>
-                <a:buNone/>
-              </a:pPr>
-              <a:endParaRPr sz="1900"/>
-            </a:p>
-          </p:txBody>
-        </p:sp>
-        <p:sp>
-          <p:nvSpPr>
-            <p:cNvPr id="91" name="Google Shape;91;p13"/>
-            <p:cNvSpPr/>
-            <p:nvPr/>
-          </p:nvSpPr>
-          <p:spPr>
-            <a:xfrm>
-              <a:off x="1410816" y="2542344"/>
-              <a:ext cx="28171" cy="11315"/>
-            </a:xfrm>
-            <a:custGeom>
-              <a:avLst/>
-              <a:gdLst/>
-              <a:ahLst/>
-              <a:cxnLst/>
-              <a:rect l="l" t="t" r="r" b="b"/>
-              <a:pathLst>
-                <a:path w="1078" h="433" extrusionOk="0">
-                  <a:moveTo>
-                    <a:pt x="260" y="0"/>
-                  </a:moveTo>
-                  <a:cubicBezTo>
-                    <a:pt x="0" y="20"/>
-                    <a:pt x="0" y="404"/>
-                    <a:pt x="260" y="433"/>
-                  </a:cubicBezTo>
-                  <a:lnTo>
-                    <a:pt x="866" y="433"/>
-                  </a:lnTo>
-                  <a:cubicBezTo>
-                    <a:pt x="981" y="433"/>
-                    <a:pt x="1077" y="337"/>
-                    <a:pt x="1077" y="212"/>
-                  </a:cubicBezTo>
-                  <a:cubicBezTo>
-                    <a:pt x="1077" y="96"/>
-                    <a:pt x="981" y="0"/>
-                    <a:pt x="866" y="0"/>
-                  </a:cubicBezTo>
-                  <a:close/>
-                </a:path>
-              </a:pathLst>
-            </a:custGeom>
-            <a:solidFill>
-              <a:srgbClr val="84DDCF"/>
-            </a:solidFill>
-            <a:ln>
-              <a:noFill/>
-            </a:ln>
-          </p:spPr>
-          <p:txBody>
-            <a:bodyPr spcFirstLastPara="1" wrap="square" lIns="289850" tIns="289850" rIns="289850" bIns="289850" anchor="ctr" anchorCtr="0">
-              <a:noAutofit/>
-            </a:bodyPr>
-            <a:lstStyle/>
-            <a:p>
-              <a:pPr marL="0" lvl="0" indent="0" algn="l" rtl="0">
-                <a:spcBef>
-                  <a:spcPts val="0"/>
-                </a:spcBef>
-                <a:spcAft>
-                  <a:spcPts val="0"/>
-                </a:spcAft>
-                <a:buNone/>
-              </a:pPr>
-              <a:endParaRPr sz="1900"/>
-            </a:p>
-          </p:txBody>
-        </p:sp>
-        <p:sp>
-          <p:nvSpPr>
-            <p:cNvPr id="92" name="Google Shape;92;p13"/>
-            <p:cNvSpPr/>
-            <p:nvPr/>
-          </p:nvSpPr>
-          <p:spPr>
-            <a:xfrm>
-              <a:off x="1581932" y="2543833"/>
-              <a:ext cx="29687" cy="11342"/>
-            </a:xfrm>
-            <a:custGeom>
-              <a:avLst/>
-              <a:gdLst/>
-              <a:ahLst/>
-              <a:cxnLst/>
-              <a:rect l="l" t="t" r="r" b="b"/>
-              <a:pathLst>
-                <a:path w="1136" h="434" extrusionOk="0">
-                  <a:moveTo>
-                    <a:pt x="270" y="1"/>
-                  </a:moveTo>
-                  <a:cubicBezTo>
-                    <a:pt x="1" y="20"/>
-                    <a:pt x="1" y="405"/>
-                    <a:pt x="270" y="434"/>
-                  </a:cubicBezTo>
-                  <a:lnTo>
-                    <a:pt x="876" y="434"/>
-                  </a:lnTo>
-                  <a:cubicBezTo>
-                    <a:pt x="1136" y="405"/>
-                    <a:pt x="1136" y="20"/>
-                    <a:pt x="876" y="1"/>
-                  </a:cubicBezTo>
-                  <a:close/>
-                </a:path>
-              </a:pathLst>
-            </a:custGeom>
-            <a:solidFill>
-              <a:srgbClr val="84DDCF"/>
-            </a:solidFill>
-            <a:ln>
-              <a:noFill/>
-            </a:ln>
-          </p:spPr>
-          <p:txBody>
-            <a:bodyPr spcFirstLastPara="1" wrap="square" lIns="289850" tIns="289850" rIns="289850" bIns="289850" anchor="ctr" anchorCtr="0">
-              <a:noAutofit/>
-            </a:bodyPr>
-            <a:lstStyle/>
-            <a:p>
-              <a:pPr marL="0" lvl="0" indent="0" algn="l" rtl="0">
-                <a:spcBef>
-                  <a:spcPts val="0"/>
-                </a:spcBef>
-                <a:spcAft>
-                  <a:spcPts val="0"/>
-                </a:spcAft>
-                <a:buNone/>
-              </a:pPr>
-              <a:endParaRPr sz="1900"/>
-            </a:p>
-          </p:txBody>
-        </p:sp>
-        <p:sp>
-          <p:nvSpPr>
-            <p:cNvPr id="93" name="Google Shape;93;p13"/>
-            <p:cNvSpPr/>
-            <p:nvPr/>
-          </p:nvSpPr>
-          <p:spPr>
-            <a:xfrm>
-              <a:off x="1571139" y="2496742"/>
-              <a:ext cx="30183" cy="19234"/>
-            </a:xfrm>
-            <a:custGeom>
-              <a:avLst/>
-              <a:gdLst/>
-              <a:ahLst/>
-              <a:cxnLst/>
-              <a:rect l="l" t="t" r="r" b="b"/>
-              <a:pathLst>
-                <a:path w="1155" h="736" extrusionOk="0">
-                  <a:moveTo>
-                    <a:pt x="837" y="1"/>
-                  </a:moveTo>
-                  <a:cubicBezTo>
-                    <a:pt x="797" y="1"/>
-                    <a:pt x="755" y="14"/>
-                    <a:pt x="712" y="43"/>
-                  </a:cubicBezTo>
-                  <a:lnTo>
-                    <a:pt x="193" y="341"/>
-                  </a:lnTo>
-                  <a:cubicBezTo>
-                    <a:pt x="0" y="447"/>
-                    <a:pt x="77" y="736"/>
-                    <a:pt x="298" y="736"/>
-                  </a:cubicBezTo>
-                  <a:cubicBezTo>
-                    <a:pt x="337" y="736"/>
-                    <a:pt x="375" y="726"/>
-                    <a:pt x="404" y="707"/>
-                  </a:cubicBezTo>
-                  <a:lnTo>
-                    <a:pt x="923" y="409"/>
-                  </a:lnTo>
-                  <a:cubicBezTo>
-                    <a:pt x="1155" y="297"/>
-                    <a:pt x="1029" y="1"/>
-                    <a:pt x="837" y="1"/>
-                  </a:cubicBezTo>
-                  <a:close/>
-                </a:path>
-              </a:pathLst>
-            </a:custGeom>
-            <a:solidFill>
-              <a:srgbClr val="84DDCF"/>
-            </a:solidFill>
-            <a:ln>
-              <a:noFill/>
-            </a:ln>
-          </p:spPr>
-          <p:txBody>
-            <a:bodyPr spcFirstLastPara="1" wrap="square" lIns="289850" tIns="289850" rIns="289850" bIns="289850" anchor="ctr" anchorCtr="0">
-              <a:noAutofit/>
-            </a:bodyPr>
-            <a:lstStyle/>
-            <a:p>
-              <a:pPr marL="0" lvl="0" indent="0" algn="l" rtl="0">
-                <a:spcBef>
-                  <a:spcPts val="0"/>
-                </a:spcBef>
-                <a:spcAft>
-                  <a:spcPts val="0"/>
-                </a:spcAft>
-                <a:buNone/>
-              </a:pPr>
-              <a:endParaRPr sz="1900"/>
-            </a:p>
-          </p:txBody>
-        </p:sp>
-        <p:sp>
-          <p:nvSpPr>
-            <p:cNvPr id="94" name="Google Shape;94;p13"/>
-            <p:cNvSpPr/>
-            <p:nvPr/>
-          </p:nvSpPr>
-          <p:spPr>
-            <a:xfrm>
-              <a:off x="1542655" y="2462483"/>
-              <a:ext cx="22213" cy="25349"/>
-            </a:xfrm>
-            <a:custGeom>
-              <a:avLst/>
-              <a:gdLst/>
-              <a:ahLst/>
-              <a:cxnLst/>
-              <a:rect l="l" t="t" r="r" b="b"/>
-              <a:pathLst>
-                <a:path w="850" h="970" extrusionOk="0">
-                  <a:moveTo>
-                    <a:pt x="611" y="0"/>
-                  </a:moveTo>
-                  <a:cubicBezTo>
-                    <a:pt x="536" y="0"/>
-                    <a:pt x="466" y="39"/>
-                    <a:pt x="427" y="104"/>
-                  </a:cubicBezTo>
-                  <a:lnTo>
-                    <a:pt x="119" y="623"/>
-                  </a:lnTo>
-                  <a:cubicBezTo>
-                    <a:pt x="1" y="801"/>
-                    <a:pt x="156" y="969"/>
-                    <a:pt x="310" y="969"/>
-                  </a:cubicBezTo>
-                  <a:cubicBezTo>
-                    <a:pt x="381" y="969"/>
-                    <a:pt x="452" y="933"/>
-                    <a:pt x="494" y="845"/>
-                  </a:cubicBezTo>
-                  <a:lnTo>
-                    <a:pt x="792" y="325"/>
-                  </a:lnTo>
-                  <a:cubicBezTo>
-                    <a:pt x="850" y="220"/>
-                    <a:pt x="821" y="85"/>
-                    <a:pt x="715" y="27"/>
-                  </a:cubicBezTo>
-                  <a:cubicBezTo>
-                    <a:pt x="681" y="9"/>
-                    <a:pt x="646" y="0"/>
-                    <a:pt x="611" y="0"/>
-                  </a:cubicBezTo>
-                  <a:close/>
-                </a:path>
-              </a:pathLst>
-            </a:custGeom>
-            <a:solidFill>
-              <a:srgbClr val="84DDCF"/>
-            </a:solidFill>
-            <a:ln>
-              <a:noFill/>
-            </a:ln>
-          </p:spPr>
-          <p:txBody>
-            <a:bodyPr spcFirstLastPara="1" wrap="square" lIns="289850" tIns="289850" rIns="289850" bIns="289850" anchor="ctr" anchorCtr="0">
-              <a:noAutofit/>
-            </a:bodyPr>
-            <a:lstStyle/>
-            <a:p>
-              <a:pPr marL="0" lvl="0" indent="0" algn="l" rtl="0">
-                <a:spcBef>
-                  <a:spcPts val="0"/>
-                </a:spcBef>
-                <a:spcAft>
-                  <a:spcPts val="0"/>
-                </a:spcAft>
-                <a:buNone/>
-              </a:pPr>
-              <a:endParaRPr sz="1900"/>
-            </a:p>
-          </p:txBody>
-        </p:sp>
-        <p:sp>
-          <p:nvSpPr>
-            <p:cNvPr id="95" name="Google Shape;95;p13"/>
-            <p:cNvSpPr/>
-            <p:nvPr/>
-          </p:nvSpPr>
-          <p:spPr>
-            <a:xfrm>
-              <a:off x="1483935" y="2618468"/>
-              <a:ext cx="56054" cy="22160"/>
-            </a:xfrm>
-            <a:custGeom>
-              <a:avLst/>
-              <a:gdLst/>
-              <a:ahLst/>
-              <a:cxnLst/>
-              <a:rect l="l" t="t" r="r" b="b"/>
-              <a:pathLst>
-                <a:path w="2145" h="848" extrusionOk="0">
-                  <a:moveTo>
-                    <a:pt x="1" y="1"/>
-                  </a:moveTo>
-                  <a:lnTo>
-                    <a:pt x="1" y="847"/>
-                  </a:lnTo>
-                  <a:lnTo>
-                    <a:pt x="2145" y="847"/>
-                  </a:lnTo>
-                  <a:lnTo>
-                    <a:pt x="2145" y="1"/>
-                  </a:lnTo>
-                  <a:close/>
-                </a:path>
-              </a:pathLst>
-            </a:custGeom>
-            <a:solidFill>
-              <a:srgbClr val="6199BD"/>
-            </a:solidFill>
-            <a:ln>
-              <a:noFill/>
-            </a:ln>
-          </p:spPr>
-          <p:txBody>
-            <a:bodyPr spcFirstLastPara="1" wrap="square" lIns="289850" tIns="289850" rIns="289850" bIns="289850" anchor="ctr" anchorCtr="0">
-              <a:noAutofit/>
-            </a:bodyPr>
-            <a:lstStyle/>
-            <a:p>
-              <a:pPr marL="0" lvl="0" indent="0" algn="l" rtl="0">
-                <a:spcBef>
-                  <a:spcPts val="0"/>
-                </a:spcBef>
-                <a:spcAft>
-                  <a:spcPts val="0"/>
-                </a:spcAft>
-                <a:buNone/>
-              </a:pPr>
-              <a:endParaRPr sz="1900"/>
-            </a:p>
-          </p:txBody>
-        </p:sp>
-        <p:sp>
-          <p:nvSpPr>
-            <p:cNvPr id="96" name="Google Shape;96;p13"/>
-            <p:cNvSpPr/>
-            <p:nvPr/>
-          </p:nvSpPr>
-          <p:spPr>
-            <a:xfrm>
-              <a:off x="1483935" y="2640602"/>
-              <a:ext cx="56054" cy="22134"/>
-            </a:xfrm>
-            <a:custGeom>
-              <a:avLst/>
-              <a:gdLst/>
-              <a:ahLst/>
-              <a:cxnLst/>
-              <a:rect l="l" t="t" r="r" b="b"/>
-              <a:pathLst>
-                <a:path w="2145" h="847" extrusionOk="0">
-                  <a:moveTo>
-                    <a:pt x="1" y="0"/>
-                  </a:moveTo>
-                  <a:lnTo>
-                    <a:pt x="1" y="471"/>
-                  </a:lnTo>
-                  <a:cubicBezTo>
-                    <a:pt x="1" y="567"/>
-                    <a:pt x="39" y="664"/>
-                    <a:pt x="106" y="741"/>
-                  </a:cubicBezTo>
-                  <a:cubicBezTo>
-                    <a:pt x="126" y="750"/>
-                    <a:pt x="135" y="760"/>
-                    <a:pt x="154" y="769"/>
-                  </a:cubicBezTo>
-                  <a:lnTo>
-                    <a:pt x="183" y="789"/>
-                  </a:lnTo>
-                  <a:cubicBezTo>
-                    <a:pt x="241" y="827"/>
-                    <a:pt x="308" y="846"/>
-                    <a:pt x="376" y="846"/>
-                  </a:cubicBezTo>
-                  <a:lnTo>
-                    <a:pt x="1760" y="846"/>
-                  </a:lnTo>
-                  <a:cubicBezTo>
-                    <a:pt x="1837" y="846"/>
-                    <a:pt x="1905" y="827"/>
-                    <a:pt x="1962" y="789"/>
-                  </a:cubicBezTo>
-                  <a:lnTo>
-                    <a:pt x="1991" y="769"/>
-                  </a:lnTo>
-                  <a:cubicBezTo>
-                    <a:pt x="2010" y="760"/>
-                    <a:pt x="2020" y="750"/>
-                    <a:pt x="2030" y="741"/>
-                  </a:cubicBezTo>
-                  <a:cubicBezTo>
-                    <a:pt x="2107" y="664"/>
-                    <a:pt x="2145" y="567"/>
-                    <a:pt x="2145" y="471"/>
-                  </a:cubicBezTo>
-                  <a:lnTo>
-                    <a:pt x="2145" y="0"/>
-                  </a:lnTo>
-                  <a:close/>
-                </a:path>
-              </a:pathLst>
-            </a:custGeom>
-            <a:solidFill>
-              <a:srgbClr val="6199BD"/>
-            </a:solidFill>
-            <a:ln>
-              <a:noFill/>
-            </a:ln>
-          </p:spPr>
-          <p:txBody>
-            <a:bodyPr spcFirstLastPara="1" wrap="square" lIns="289850" tIns="289850" rIns="289850" bIns="289850" anchor="ctr" anchorCtr="0">
-              <a:noAutofit/>
-            </a:bodyPr>
-            <a:lstStyle/>
-            <a:p>
-              <a:pPr marL="0" lvl="0" indent="0" algn="l" rtl="0">
-                <a:spcBef>
-                  <a:spcPts val="0"/>
-                </a:spcBef>
-                <a:spcAft>
-                  <a:spcPts val="0"/>
-                </a:spcAft>
-                <a:buNone/>
-              </a:pPr>
-              <a:endParaRPr sz="1900"/>
-            </a:p>
-          </p:txBody>
-        </p:sp>
-        <p:sp>
-          <p:nvSpPr>
-            <p:cNvPr id="97" name="Google Shape;97;p13"/>
-            <p:cNvSpPr/>
-            <p:nvPr/>
-          </p:nvSpPr>
-          <p:spPr>
-            <a:xfrm>
-              <a:off x="1504292" y="2618468"/>
-              <a:ext cx="35697" cy="22160"/>
-            </a:xfrm>
-            <a:custGeom>
-              <a:avLst/>
-              <a:gdLst/>
-              <a:ahLst/>
-              <a:cxnLst/>
-              <a:rect l="l" t="t" r="r" b="b"/>
-              <a:pathLst>
-                <a:path w="1366" h="848" extrusionOk="0">
-                  <a:moveTo>
-                    <a:pt x="0" y="1"/>
-                  </a:moveTo>
-                  <a:lnTo>
-                    <a:pt x="0" y="847"/>
-                  </a:lnTo>
-                  <a:lnTo>
-                    <a:pt x="1366" y="847"/>
-                  </a:lnTo>
-                  <a:lnTo>
-                    <a:pt x="1366" y="1"/>
-                  </a:lnTo>
-                  <a:close/>
-                </a:path>
-              </a:pathLst>
-            </a:custGeom>
-            <a:solidFill>
-              <a:srgbClr val="FFFFFF">
-                <a:alpha val="20000"/>
-              </a:srgbClr>
-            </a:solidFill>
-            <a:ln>
-              <a:noFill/>
-            </a:ln>
-          </p:spPr>
-          <p:txBody>
-            <a:bodyPr spcFirstLastPara="1" wrap="square" lIns="289850" tIns="289850" rIns="289850" bIns="289850" anchor="ctr" anchorCtr="0">
-              <a:noAutofit/>
-            </a:bodyPr>
-            <a:lstStyle/>
-            <a:p>
-              <a:pPr marL="0" lvl="0" indent="0" algn="l" rtl="0">
-                <a:spcBef>
-                  <a:spcPts val="0"/>
-                </a:spcBef>
-                <a:spcAft>
-                  <a:spcPts val="0"/>
-                </a:spcAft>
-                <a:buNone/>
-              </a:pPr>
-              <a:endParaRPr sz="1900"/>
-            </a:p>
-          </p:txBody>
-        </p:sp>
-        <p:sp>
-          <p:nvSpPr>
-            <p:cNvPr id="98" name="Google Shape;98;p13"/>
-            <p:cNvSpPr/>
-            <p:nvPr/>
-          </p:nvSpPr>
-          <p:spPr>
-            <a:xfrm>
-              <a:off x="1504031" y="2640602"/>
-              <a:ext cx="35958" cy="22134"/>
-            </a:xfrm>
-            <a:custGeom>
-              <a:avLst/>
-              <a:gdLst/>
-              <a:ahLst/>
-              <a:cxnLst/>
-              <a:rect l="l" t="t" r="r" b="b"/>
-              <a:pathLst>
-                <a:path w="1376" h="847" extrusionOk="0">
-                  <a:moveTo>
-                    <a:pt x="10" y="0"/>
-                  </a:moveTo>
-                  <a:lnTo>
-                    <a:pt x="10" y="471"/>
-                  </a:lnTo>
-                  <a:cubicBezTo>
-                    <a:pt x="1" y="683"/>
-                    <a:pt x="184" y="846"/>
-                    <a:pt x="395" y="846"/>
-                  </a:cubicBezTo>
-                  <a:lnTo>
-                    <a:pt x="991" y="846"/>
-                  </a:lnTo>
-                  <a:cubicBezTo>
-                    <a:pt x="1068" y="846"/>
-                    <a:pt x="1136" y="827"/>
-                    <a:pt x="1193" y="789"/>
-                  </a:cubicBezTo>
-                  <a:lnTo>
-                    <a:pt x="1222" y="769"/>
-                  </a:lnTo>
-                  <a:cubicBezTo>
-                    <a:pt x="1241" y="760"/>
-                    <a:pt x="1251" y="750"/>
-                    <a:pt x="1261" y="741"/>
-                  </a:cubicBezTo>
-                  <a:cubicBezTo>
-                    <a:pt x="1338" y="664"/>
-                    <a:pt x="1376" y="567"/>
-                    <a:pt x="1376" y="471"/>
-                  </a:cubicBezTo>
-                  <a:lnTo>
-                    <a:pt x="1376" y="0"/>
-                  </a:lnTo>
-                  <a:close/>
-                </a:path>
-              </a:pathLst>
-            </a:custGeom>
-            <a:solidFill>
-              <a:srgbClr val="FFFFFF">
-                <a:alpha val="20000"/>
-              </a:srgbClr>
-            </a:solidFill>
-            <a:ln>
-              <a:noFill/>
-            </a:ln>
-          </p:spPr>
-          <p:txBody>
-            <a:bodyPr spcFirstLastPara="1" wrap="square" lIns="289850" tIns="289850" rIns="289850" bIns="289850" anchor="ctr" anchorCtr="0">
-              <a:noAutofit/>
-            </a:bodyPr>
-            <a:lstStyle/>
-            <a:p>
-              <a:pPr marL="0" lvl="0" indent="0" algn="l" rtl="0">
-                <a:spcBef>
-                  <a:spcPts val="0"/>
-                </a:spcBef>
-                <a:spcAft>
-                  <a:spcPts val="0"/>
-                </a:spcAft>
-                <a:buNone/>
-              </a:pPr>
-              <a:endParaRPr sz="1900"/>
-            </a:p>
-          </p:txBody>
-        </p:sp>
-      </p:grpSp>
       <p:sp>
         <p:nvSpPr>
-          <p:cNvPr id="99" name="Google Shape;99;p13"/>
+          <p:cNvPr id="65" name="Google Shape;65;p13"/>
           <p:cNvSpPr txBox="1"/>
           <p:nvPr/>
         </p:nvSpPr>
         <p:spPr>
           <a:xfrm>
-            <a:off x="12228050" y="1150125"/>
-            <a:ext cx="7004700" cy="3300600"/>
+            <a:off x="12233700" y="894550"/>
+            <a:ext cx="7004700" cy="2172600"/>
           </a:xfrm>
           <a:prstGeom prst="rect">
             <a:avLst/>
@@ -8874,12 +6081,12 @@
           </a:ln>
         </p:spPr>
         <p:txBody>
-          <a:bodyPr spcFirstLastPara="1" wrap="square" lIns="289850" tIns="289850" rIns="289850" bIns="289850" anchor="ctr" anchorCtr="0">
+          <a:bodyPr anchorCtr="0" anchor="t" bIns="289850" lIns="289850" spcFirstLastPara="1" rIns="289850" wrap="square" tIns="289850">
             <a:noAutofit/>
           </a:bodyPr>
           <a:lstStyle/>
           <a:p>
-            <a:pPr marL="0" lvl="0" indent="0" algn="l" rtl="0">
+            <a:pPr indent="0" lvl="0" marL="0" rtl="0" algn="l">
               <a:spcBef>
                 <a:spcPts val="0"/>
               </a:spcBef>
@@ -8889,7 +6096,7 @@
               <a:buNone/>
             </a:pPr>
             <a:r>
-              <a:rPr lang="en" sz="2800" dirty="0">
+              <a:rPr lang="en" sz="2800">
                 <a:solidFill>
                   <a:srgbClr val="1A171B"/>
                 </a:solidFill>
@@ -8898,10 +6105,10 @@
                 <a:cs typeface="Poppins"/>
                 <a:sym typeface="Poppins"/>
               </a:rPr>
-              <a:t>Many U.S. undergraduate students use collaboration as a study tool for academic success, but often find the </a:t>
+              <a:t>Many u</a:t>
             </a:r>
             <a:r>
-              <a:rPr lang="en" sz="2800" b="1" dirty="0">
+              <a:rPr lang="en" sz="2800">
                 <a:solidFill>
                   <a:srgbClr val="1A171B"/>
                 </a:solidFill>
@@ -8910,10 +6117,10 @@
                 <a:cs typeface="Poppins"/>
                 <a:sym typeface="Poppins"/>
               </a:rPr>
-              <a:t>formation</a:t>
+              <a:t>ndergrads value </a:t>
             </a:r>
             <a:r>
-              <a:rPr lang="en" sz="2800" dirty="0">
+              <a:rPr b="1" lang="en" sz="2800">
                 <a:solidFill>
                   <a:srgbClr val="1A171B"/>
                 </a:solidFill>
@@ -8922,10 +6129,10 @@
                 <a:cs typeface="Poppins"/>
                 <a:sym typeface="Poppins"/>
               </a:rPr>
-              <a:t>, </a:t>
+              <a:t>collaboration</a:t>
             </a:r>
             <a:r>
-              <a:rPr lang="en" sz="2800" b="1" dirty="0">
+              <a:rPr lang="en" sz="2800">
                 <a:solidFill>
                   <a:srgbClr val="1A171B"/>
                 </a:solidFill>
@@ -8934,10 +6141,10 @@
                 <a:cs typeface="Poppins"/>
                 <a:sym typeface="Poppins"/>
               </a:rPr>
-              <a:t>scheduling</a:t>
+              <a:t>, but find </a:t>
             </a:r>
             <a:r>
-              <a:rPr lang="en" sz="2800" dirty="0">
+              <a:rPr lang="en" sz="2800">
                 <a:solidFill>
                   <a:srgbClr val="1A171B"/>
                 </a:solidFill>
@@ -8946,10 +6153,10 @@
                 <a:cs typeface="Poppins"/>
                 <a:sym typeface="Poppins"/>
               </a:rPr>
-              <a:t>, and </a:t>
+              <a:t>it </a:t>
             </a:r>
             <a:r>
-              <a:rPr lang="en" sz="2800" b="1" dirty="0">
+              <a:rPr b="1" lang="en" sz="2800">
                 <a:solidFill>
                   <a:srgbClr val="1A171B"/>
                 </a:solidFill>
@@ -8958,10 +6165,10 @@
                 <a:cs typeface="Poppins"/>
                 <a:sym typeface="Poppins"/>
               </a:rPr>
-              <a:t>planning </a:t>
+              <a:t>hard </a:t>
             </a:r>
             <a:r>
-              <a:rPr lang="en" sz="2800" dirty="0">
+              <a:rPr lang="en" sz="2800">
                 <a:solidFill>
                   <a:srgbClr val="1A171B"/>
                 </a:solidFill>
@@ -8970,10 +6177,10 @@
                 <a:cs typeface="Poppins"/>
                 <a:sym typeface="Poppins"/>
               </a:rPr>
-              <a:t>of such groups quite </a:t>
+              <a:t>to make a </a:t>
             </a:r>
             <a:r>
-              <a:rPr lang="en" sz="2800" b="1" dirty="0">
+              <a:rPr lang="en" sz="2800">
                 <a:solidFill>
                   <a:srgbClr val="1A171B"/>
                 </a:solidFill>
@@ -8982,9 +6189,21 @@
                 <a:cs typeface="Poppins"/>
                 <a:sym typeface="Poppins"/>
               </a:rPr>
-              <a:t>difficult</a:t>
+              <a:t>study</a:t>
             </a:r>
-            <a:endParaRPr sz="2800" b="1" dirty="0">
+            <a:r>
+              <a:rPr lang="en" sz="2800">
+                <a:solidFill>
+                  <a:srgbClr val="1A171B"/>
+                </a:solidFill>
+                <a:latin typeface="Poppins"/>
+                <a:ea typeface="Poppins"/>
+                <a:cs typeface="Poppins"/>
+                <a:sym typeface="Poppins"/>
+              </a:rPr>
+              <a:t> group</a:t>
+            </a:r>
+            <a:endParaRPr b="1" sz="2800">
               <a:solidFill>
                 <a:schemeClr val="dk1"/>
               </a:solidFill>
@@ -8998,14 +6217,14 @@
       </p:sp>
       <p:sp>
         <p:nvSpPr>
-          <p:cNvPr id="100" name="Google Shape;100;p13"/>
+          <p:cNvPr id="66" name="Google Shape;66;p13"/>
           <p:cNvSpPr txBox="1"/>
           <p:nvPr/>
         </p:nvSpPr>
         <p:spPr>
           <a:xfrm>
-            <a:off x="19227075" y="1150125"/>
-            <a:ext cx="6370500" cy="3300600"/>
+            <a:off x="19232725" y="894550"/>
+            <a:ext cx="6370500" cy="2172600"/>
           </a:xfrm>
           <a:prstGeom prst="rect">
             <a:avLst/>
@@ -9016,12 +6235,12 @@
           </a:ln>
         </p:spPr>
         <p:txBody>
-          <a:bodyPr spcFirstLastPara="1" wrap="square" lIns="289850" tIns="289850" rIns="289850" bIns="289850" anchor="ctr" anchorCtr="0">
+          <a:bodyPr anchorCtr="0" anchor="t" bIns="289850" lIns="289850" spcFirstLastPara="1" rIns="289850" wrap="square" tIns="289850">
             <a:noAutofit/>
           </a:bodyPr>
           <a:lstStyle/>
           <a:p>
-            <a:pPr marL="0" lvl="0" indent="0" algn="l" rtl="0">
+            <a:pPr indent="0" lvl="0" marL="0" rtl="0" algn="l">
               <a:spcBef>
                 <a:spcPts val="0"/>
               </a:spcBef>
@@ -9040,10 +6259,10 @@
                 <a:cs typeface="Poppins"/>
                 <a:sym typeface="Poppins"/>
               </a:rPr>
-              <a:t>A centralized platform to foster academic partnerships with</a:t>
+              <a:t>A </a:t>
             </a:r>
             <a:r>
-              <a:rPr lang="en" sz="2800" b="1">
+              <a:rPr b="1" lang="en" sz="2800">
                 <a:solidFill>
                   <a:srgbClr val="1A171B"/>
                 </a:solidFill>
@@ -9052,7 +6271,7 @@
                 <a:cs typeface="Poppins"/>
                 <a:sym typeface="Poppins"/>
               </a:rPr>
-              <a:t> pre-planned</a:t>
+              <a:t>platform </a:t>
             </a:r>
             <a:r>
               <a:rPr lang="en" sz="2800">
@@ -9064,19 +6283,7 @@
                 <a:cs typeface="Poppins"/>
                 <a:sym typeface="Poppins"/>
               </a:rPr>
-              <a:t> and </a:t>
-            </a:r>
-            <a:r>
-              <a:rPr lang="en" sz="2800" b="1">
-                <a:solidFill>
-                  <a:srgbClr val="1A171B"/>
-                </a:solidFill>
-                <a:latin typeface="Poppins"/>
-                <a:ea typeface="Poppins"/>
-                <a:cs typeface="Poppins"/>
-                <a:sym typeface="Poppins"/>
-              </a:rPr>
-              <a:t>convenient </a:t>
+              <a:t>to foster academic partnerships and </a:t>
             </a:r>
             <a:r>
               <a:rPr lang="en" sz="2800">
@@ -9088,9 +6295,57 @@
                 <a:cs typeface="Poppins"/>
                 <a:sym typeface="Poppins"/>
               </a:rPr>
-              <a:t>study group sessions using preferences, schedules, and learning styles </a:t>
+              <a:t>plan </a:t>
             </a:r>
-            <a:endParaRPr sz="2800">
+            <a:r>
+              <a:rPr lang="en" sz="2800">
+                <a:solidFill>
+                  <a:srgbClr val="1A171B"/>
+                </a:solidFill>
+                <a:latin typeface="Poppins"/>
+                <a:ea typeface="Poppins"/>
+                <a:cs typeface="Poppins"/>
+                <a:sym typeface="Poppins"/>
+              </a:rPr>
+              <a:t>study groups by </a:t>
+            </a:r>
+            <a:r>
+              <a:rPr b="1" lang="en" sz="2800">
+                <a:solidFill>
+                  <a:srgbClr val="1A171B"/>
+                </a:solidFill>
+                <a:latin typeface="Poppins"/>
+                <a:ea typeface="Poppins"/>
+                <a:cs typeface="Poppins"/>
+                <a:sym typeface="Poppins"/>
+              </a:rPr>
+              <a:t>schedule </a:t>
+            </a:r>
+            <a:r>
+              <a:rPr lang="en" sz="2800">
+                <a:solidFill>
+                  <a:srgbClr val="1A171B"/>
+                </a:solidFill>
+                <a:latin typeface="Poppins"/>
+                <a:ea typeface="Poppins"/>
+                <a:cs typeface="Poppins"/>
+                <a:sym typeface="Poppins"/>
+              </a:rPr>
+              <a:t>and </a:t>
+            </a:r>
+            <a:r>
+              <a:rPr b="1" lang="en" sz="2800">
+                <a:solidFill>
+                  <a:srgbClr val="1A171B"/>
+                </a:solidFill>
+                <a:latin typeface="Poppins"/>
+                <a:ea typeface="Poppins"/>
+                <a:cs typeface="Poppins"/>
+                <a:sym typeface="Poppins"/>
+              </a:rPr>
+              <a:t>learning style</a:t>
+            </a:r>
+            <a:endParaRPr b="1" sz="2800">
               <a:solidFill>
                 <a:schemeClr val="dk1"/>
               </a:solidFill>
@@ -9104,12 +6359,12 @@
       </p:sp>
       <p:pic>
         <p:nvPicPr>
-          <p:cNvPr id="101" name="Google Shape;101;p13"/>
+          <p:cNvPr id="67" name="Google Shape;67;p13"/>
           <p:cNvPicPr preferRelativeResize="0"/>
           <p:nvPr/>
         </p:nvPicPr>
         <p:blipFill>
-          <a:blip r:embed="rId5">
+          <a:blip r:embed="rId4">
             <a:alphaModFix/>
           </a:blip>
           <a:stretch>
@@ -9125,20 +6380,54 @@
             <a:avLst/>
           </a:prstGeom>
           <a:noFill/>
-          <a:ln w="9525" cap="flat" cmpd="sng">
+          <a:ln cap="flat" cmpd="sng" w="9525">
             <a:solidFill>
               <a:schemeClr val="dk1"/>
             </a:solidFill>
             <a:prstDash val="solid"/>
             <a:round/>
-            <a:headEnd type="none" w="sm" len="sm"/>
-            <a:tailEnd type="none" w="sm" len="sm"/>
+            <a:headEnd len="sm" w="sm" type="none"/>
+            <a:tailEnd len="sm" w="sm" type="none"/>
           </a:ln>
         </p:spPr>
       </p:pic>
       <p:pic>
         <p:nvPicPr>
-          <p:cNvPr id="102" name="Google Shape;102;p13"/>
+          <p:cNvPr id="68" name="Google Shape;68;p13"/>
+          <p:cNvPicPr preferRelativeResize="0"/>
+          <p:nvPr/>
+        </p:nvPicPr>
+        <p:blipFill>
+          <a:blip r:embed="rId5">
+            <a:alphaModFix/>
+          </a:blip>
+          <a:stretch>
+            <a:fillRect/>
+          </a:stretch>
+        </p:blipFill>
+        <p:spPr>
+          <a:xfrm>
+            <a:off x="7906533" y="15579024"/>
+            <a:ext cx="2526514" cy="3375125"/>
+          </a:xfrm>
+          <a:prstGeom prst="rect">
+            <a:avLst/>
+          </a:prstGeom>
+          <a:noFill/>
+          <a:ln cap="flat" cmpd="sng" w="9525">
+            <a:solidFill>
+              <a:schemeClr val="dk1"/>
+            </a:solidFill>
+            <a:prstDash val="solid"/>
+            <a:round/>
+            <a:headEnd len="sm" w="sm" type="none"/>
+            <a:tailEnd len="sm" w="sm" type="none"/>
+          </a:ln>
+        </p:spPr>
+      </p:pic>
+      <p:pic>
+        <p:nvPicPr>
+          <p:cNvPr id="69" name="Google Shape;69;p13"/>
           <p:cNvPicPr preferRelativeResize="0"/>
           <p:nvPr/>
         </p:nvPicPr>
@@ -9152,66 +6441,32 @@
         </p:blipFill>
         <p:spPr>
           <a:xfrm>
-            <a:off x="7806800" y="15579024"/>
-            <a:ext cx="2526514" cy="3375125"/>
-          </a:xfrm>
-          <a:prstGeom prst="rect">
-            <a:avLst/>
-          </a:prstGeom>
-          <a:noFill/>
-          <a:ln w="9525" cap="flat" cmpd="sng">
-            <a:solidFill>
-              <a:schemeClr val="dk1"/>
-            </a:solidFill>
-            <a:prstDash val="solid"/>
-            <a:round/>
-            <a:headEnd type="none" w="sm" len="sm"/>
-            <a:tailEnd type="none" w="sm" len="sm"/>
-          </a:ln>
-        </p:spPr>
-      </p:pic>
-      <p:pic>
-        <p:nvPicPr>
-          <p:cNvPr id="103" name="Google Shape;103;p13"/>
-          <p:cNvPicPr preferRelativeResize="0"/>
-          <p:nvPr/>
-        </p:nvPicPr>
-        <p:blipFill>
-          <a:blip r:embed="rId7">
-            <a:alphaModFix/>
-          </a:blip>
-          <a:stretch>
-            <a:fillRect/>
-          </a:stretch>
-        </p:blipFill>
-        <p:spPr>
-          <a:xfrm>
-            <a:off x="11046675" y="15579025"/>
+            <a:off x="11096530" y="15579025"/>
             <a:ext cx="4510800" cy="3375125"/>
           </a:xfrm>
           <a:prstGeom prst="rect">
             <a:avLst/>
           </a:prstGeom>
           <a:noFill/>
-          <a:ln w="9525" cap="flat" cmpd="sng">
+          <a:ln cap="flat" cmpd="sng" w="9525">
             <a:solidFill>
               <a:schemeClr val="dk1"/>
             </a:solidFill>
             <a:prstDash val="solid"/>
             <a:round/>
-            <a:headEnd type="none" w="sm" len="sm"/>
-            <a:tailEnd type="none" w="sm" len="sm"/>
+            <a:headEnd len="sm" w="sm" type="none"/>
+            <a:tailEnd len="sm" w="sm" type="none"/>
           </a:ln>
         </p:spPr>
       </p:pic>
       <p:pic>
         <p:nvPicPr>
-          <p:cNvPr id="104" name="Google Shape;104;p13"/>
+          <p:cNvPr id="70" name="Google Shape;70;p13"/>
           <p:cNvPicPr preferRelativeResize="0"/>
           <p:nvPr/>
         </p:nvPicPr>
         <p:blipFill>
-          <a:blip r:embed="rId8">
+          <a:blip r:embed="rId7">
             <a:alphaModFix/>
           </a:blip>
           <a:stretch>
@@ -9227,27 +6482,27 @@
             <a:avLst/>
           </a:prstGeom>
           <a:noFill/>
-          <a:ln w="9525" cap="flat" cmpd="sng">
+          <a:ln cap="flat" cmpd="sng" w="9525">
             <a:solidFill>
               <a:schemeClr val="dk1"/>
             </a:solidFill>
             <a:prstDash val="solid"/>
             <a:round/>
-            <a:headEnd type="none" w="sm" len="sm"/>
-            <a:tailEnd type="none" w="sm" len="sm"/>
+            <a:headEnd len="sm" w="sm" type="none"/>
+            <a:tailEnd len="sm" w="sm" type="none"/>
           </a:ln>
         </p:spPr>
       </p:pic>
       <p:sp>
         <p:nvSpPr>
-          <p:cNvPr id="105" name="Google Shape;105;p13"/>
+          <p:cNvPr id="71" name="Google Shape;71;p13"/>
           <p:cNvSpPr/>
           <p:nvPr/>
         </p:nvSpPr>
         <p:spPr>
           <a:xfrm>
-            <a:off x="25" y="19262075"/>
-            <a:ext cx="25603200" cy="903600"/>
+            <a:off x="-76175" y="19262075"/>
+            <a:ext cx="25679400" cy="903600"/>
           </a:xfrm>
           <a:prstGeom prst="rect">
             <a:avLst/>
@@ -9255,23 +6510,23 @@
           <a:solidFill>
             <a:schemeClr val="accent1"/>
           </a:solidFill>
-          <a:ln w="9525" cap="flat" cmpd="sng">
+          <a:ln cap="flat" cmpd="sng" w="9525">
             <a:solidFill>
               <a:schemeClr val="lt1"/>
             </a:solidFill>
             <a:prstDash val="solid"/>
             <a:round/>
-            <a:headEnd type="none" w="sm" len="sm"/>
-            <a:tailEnd type="none" w="sm" len="sm"/>
+            <a:headEnd len="sm" w="sm" type="none"/>
+            <a:tailEnd len="sm" w="sm" type="none"/>
           </a:ln>
         </p:spPr>
         <p:txBody>
-          <a:bodyPr spcFirstLastPara="1" wrap="square" lIns="289850" tIns="289850" rIns="289850" bIns="289850" anchor="ctr" anchorCtr="0">
+          <a:bodyPr anchorCtr="0" anchor="ctr" bIns="289850" lIns="289850" spcFirstLastPara="1" rIns="289850" wrap="square" tIns="289850">
             <a:noAutofit/>
           </a:bodyPr>
           <a:lstStyle/>
           <a:p>
-            <a:pPr marL="0" lvl="0" indent="0" algn="ctr" rtl="0">
+            <a:pPr indent="0" lvl="0" marL="0" rtl="0" algn="ctr">
               <a:spcBef>
                 <a:spcPts val="0"/>
               </a:spcBef>
@@ -9281,7 +6536,7 @@
               <a:buNone/>
             </a:pPr>
             <a:r>
-              <a:rPr lang="en" sz="2400" b="1" dirty="0">
+              <a:rPr b="1" lang="en" sz="2400">
                 <a:solidFill>
                   <a:schemeClr val="lt1"/>
                 </a:solidFill>
@@ -9290,10 +6545,10 @@
                 <a:cs typeface="Poppins"/>
                 <a:sym typeface="Poppins"/>
               </a:rPr>
-              <a:t>Alexander Yue, Evan Hsu, Diego Valdez, Ecem Yilmazhaliloglu</a:t>
+              <a:t>Alexander Y.  Evan H.  Diego V.  Ecem Y. </a:t>
             </a:r>
             <a:r>
-              <a:rPr lang="en" sz="2400" dirty="0">
+              <a:rPr lang="en" sz="2400">
                 <a:solidFill>
                   <a:schemeClr val="lt1"/>
                 </a:solidFill>
@@ -9302,9 +6557,9 @@
                 <a:cs typeface="Poppins"/>
                 <a:sym typeface="Poppins"/>
               </a:rPr>
-              <a:t> | CS147 Autumn 2024 | https://web.stanford.edu/class/cs147/projects/AI-in-Classroom/LockedIn/</a:t>
+              <a:t> | CS147 Autumn 2024 | https://hci..stanford.edu/courses/cs147/2024/au/projects/AI-in-Classroom/LockedIn/</a:t>
             </a:r>
-            <a:endParaRPr sz="2400" dirty="0">
+            <a:endParaRPr sz="2400">
               <a:solidFill>
                 <a:schemeClr val="lt1"/>
               </a:solidFill>
@@ -9318,12 +6573,12 @@
       </p:sp>
       <p:cxnSp>
         <p:nvCxnSpPr>
-          <p:cNvPr id="106" name="Google Shape;106;p13"/>
+          <p:cNvPr id="72" name="Google Shape;72;p13"/>
           <p:cNvCxnSpPr/>
           <p:nvPr/>
         </p:nvCxnSpPr>
         <p:spPr>
-          <a:xfrm rot="10800000" flipH="1">
+          <a:xfrm flipH="1" rot="10800000">
             <a:off x="4840830" y="14159027"/>
             <a:ext cx="9423000" cy="19800"/>
           </a:xfrm>
@@ -9331,27 +6586,27 @@
             <a:avLst/>
           </a:prstGeom>
           <a:noFill/>
-          <a:ln w="9525" cap="flat" cmpd="sng">
+          <a:ln cap="flat" cmpd="sng" w="9525">
             <a:solidFill>
               <a:srgbClr val="1A171B"/>
             </a:solidFill>
             <a:prstDash val="solid"/>
             <a:round/>
-            <a:headEnd type="none" w="med" len="med"/>
-            <a:tailEnd type="none" w="med" len="med"/>
+            <a:headEnd len="med" w="med" type="none"/>
+            <a:tailEnd len="med" w="med" type="none"/>
           </a:ln>
         </p:spPr>
       </p:cxnSp>
       <p:sp>
         <p:nvSpPr>
-          <p:cNvPr id="107" name="Google Shape;107;p13"/>
+          <p:cNvPr id="73" name="Google Shape;73;p13"/>
           <p:cNvSpPr txBox="1"/>
           <p:nvPr/>
         </p:nvSpPr>
         <p:spPr>
           <a:xfrm>
-            <a:off x="10355623" y="3844557"/>
-            <a:ext cx="5892900" cy="2338662"/>
+            <a:off x="11037323" y="2781288"/>
+            <a:ext cx="5892900" cy="1262700"/>
           </a:xfrm>
           <a:prstGeom prst="rect">
             <a:avLst/>
@@ -9362,12 +6617,12 @@
           </a:ln>
         </p:spPr>
         <p:txBody>
-          <a:bodyPr spcFirstLastPara="1" wrap="square" lIns="289850" tIns="289850" rIns="289850" bIns="289850" anchor="ctr" anchorCtr="0">
+          <a:bodyPr anchorCtr="0" anchor="t" bIns="289850" lIns="289850" spcFirstLastPara="1" rIns="289850" wrap="square" tIns="289850">
             <a:spAutoFit/>
           </a:bodyPr>
           <a:lstStyle/>
           <a:p>
-            <a:pPr marL="0" lvl="0" indent="0" algn="l" rtl="0">
+            <a:pPr indent="0" lvl="0" marL="0" rtl="0" algn="l">
               <a:lnSpc>
                 <a:spcPct val="115000"/>
               </a:lnSpc>
@@ -9380,7 +6635,7 @@
               <a:buNone/>
             </a:pPr>
             <a:r>
-              <a:rPr lang="en" sz="4400" b="1" dirty="0">
+              <a:rPr b="1" lang="en" sz="4400">
                 <a:solidFill>
                   <a:schemeClr val="accent1"/>
                 </a:solidFill>
@@ -9391,7 +6646,7 @@
               </a:rPr>
               <a:t>Key Features</a:t>
             </a:r>
-            <a:endParaRPr sz="5300" dirty="0">
+            <a:endParaRPr sz="5300">
               <a:solidFill>
                 <a:schemeClr val="accent1"/>
               </a:solidFill>
@@ -9403,152 +6658,9 @@
           </a:p>
         </p:txBody>
       </p:sp>
-      <p:pic>
-        <p:nvPicPr>
-          <p:cNvPr id="108" name="Google Shape;108;p13"/>
-          <p:cNvPicPr preferRelativeResize="0"/>
-          <p:nvPr/>
-        </p:nvPicPr>
-        <p:blipFill rotWithShape="1">
-          <a:blip r:embed="rId3">
-            <a:alphaModFix/>
-          </a:blip>
-          <a:srcRect l="28191" t="9611" r="28191" b="7800"/>
-          <a:stretch/>
-        </p:blipFill>
-        <p:spPr>
-          <a:xfrm>
-            <a:off x="10508300" y="5369805"/>
-            <a:ext cx="4586602" cy="8684854"/>
-          </a:xfrm>
-          <a:prstGeom prst="rect">
-            <a:avLst/>
-          </a:prstGeom>
-          <a:noFill/>
-          <a:ln>
-            <a:noFill/>
-          </a:ln>
-        </p:spPr>
-      </p:pic>
-      <p:pic>
-        <p:nvPicPr>
-          <p:cNvPr id="109" name="Google Shape;109;p13"/>
-          <p:cNvPicPr preferRelativeResize="0"/>
-          <p:nvPr/>
-        </p:nvPicPr>
-        <p:blipFill rotWithShape="1">
-          <a:blip r:embed="rId9">
-            <a:alphaModFix/>
-          </a:blip>
-          <a:srcRect b="783"/>
-          <a:stretch/>
-        </p:blipFill>
-        <p:spPr>
-          <a:xfrm>
-            <a:off x="10916713" y="5702263"/>
-            <a:ext cx="3769800" cy="8094900"/>
-          </a:xfrm>
-          <a:prstGeom prst="roundRect">
-            <a:avLst>
-              <a:gd name="adj" fmla="val 7734"/>
-            </a:avLst>
-          </a:prstGeom>
-          <a:noFill/>
-          <a:ln>
-            <a:noFill/>
-          </a:ln>
-        </p:spPr>
-      </p:pic>
-      <p:pic>
-        <p:nvPicPr>
-          <p:cNvPr id="110" name="Google Shape;110;p13"/>
-          <p:cNvPicPr preferRelativeResize="0"/>
-          <p:nvPr/>
-        </p:nvPicPr>
-        <p:blipFill>
-          <a:blip r:embed="rId10">
-            <a:alphaModFix/>
-          </a:blip>
-          <a:stretch>
-            <a:fillRect/>
-          </a:stretch>
-        </p:blipFill>
-        <p:spPr>
-          <a:xfrm>
-            <a:off x="16028175" y="5669113"/>
-            <a:ext cx="3769800" cy="8161200"/>
-          </a:xfrm>
-          <a:prstGeom prst="roundRect">
-            <a:avLst>
-              <a:gd name="adj" fmla="val 6788"/>
-            </a:avLst>
-          </a:prstGeom>
-          <a:noFill/>
-          <a:ln>
-            <a:noFill/>
-          </a:ln>
-        </p:spPr>
-      </p:pic>
-      <p:pic>
-        <p:nvPicPr>
-          <p:cNvPr id="111" name="Google Shape;111;p13"/>
-          <p:cNvPicPr preferRelativeResize="0"/>
-          <p:nvPr/>
-        </p:nvPicPr>
-        <p:blipFill>
-          <a:blip r:embed="rId11">
-            <a:alphaModFix/>
-          </a:blip>
-          <a:stretch>
-            <a:fillRect/>
-          </a:stretch>
-        </p:blipFill>
-        <p:spPr>
-          <a:xfrm>
-            <a:off x="21139625" y="5625975"/>
-            <a:ext cx="3840600" cy="8094900"/>
-          </a:xfrm>
-          <a:prstGeom prst="roundRect">
-            <a:avLst>
-              <a:gd name="adj" fmla="val 9230"/>
-            </a:avLst>
-          </a:prstGeom>
-          <a:noFill/>
-          <a:ln>
-            <a:noFill/>
-          </a:ln>
-        </p:spPr>
-      </p:pic>
-      <p:pic>
-        <p:nvPicPr>
-          <p:cNvPr id="112" name="Google Shape;112;p13"/>
-          <p:cNvPicPr preferRelativeResize="0"/>
-          <p:nvPr/>
-        </p:nvPicPr>
-        <p:blipFill rotWithShape="1">
-          <a:blip r:embed="rId3">
-            <a:alphaModFix/>
-          </a:blip>
-          <a:srcRect l="27811" t="9433" r="28141" b="7976"/>
-          <a:stretch/>
-        </p:blipFill>
-        <p:spPr>
-          <a:xfrm>
-            <a:off x="15579798" y="5351225"/>
-            <a:ext cx="4631909" cy="8684853"/>
-          </a:xfrm>
-          <a:prstGeom prst="rect">
-            <a:avLst/>
-          </a:prstGeom>
-          <a:noFill/>
-          <a:ln>
-            <a:noFill/>
-          </a:ln>
-        </p:spPr>
-      </p:pic>
       <p:sp>
         <p:nvSpPr>
-          <p:cNvPr id="113" name="Google Shape;113;p13"/>
+          <p:cNvPr id="74" name="Google Shape;74;p13"/>
           <p:cNvSpPr txBox="1"/>
           <p:nvPr/>
         </p:nvSpPr>
@@ -9566,12 +6678,12 @@
           </a:ln>
         </p:spPr>
         <p:txBody>
-          <a:bodyPr spcFirstLastPara="1" wrap="square" lIns="91425" tIns="91425" rIns="91425" bIns="91425" anchor="t" anchorCtr="0">
+          <a:bodyPr anchorCtr="0" anchor="t" bIns="91425" lIns="91425" spcFirstLastPara="1" rIns="91425" wrap="square" tIns="91425">
             <a:spAutoFit/>
           </a:bodyPr>
           <a:lstStyle/>
           <a:p>
-            <a:pPr marL="0" lvl="0" indent="0" algn="l" rtl="0">
+            <a:pPr indent="0" lvl="0" marL="0" rtl="0" algn="l">
               <a:spcBef>
                 <a:spcPts val="0"/>
               </a:spcBef>
@@ -9581,7 +6693,7 @@
               <a:buNone/>
             </a:pPr>
             <a:r>
-              <a:rPr lang="en" sz="3000" dirty="0">
+              <a:rPr lang="en" sz="3000">
                 <a:solidFill>
                   <a:srgbClr val="191919"/>
                 </a:solidFill>
@@ -9593,7 +6705,7 @@
               <a:t>Discover and create </a:t>
             </a:r>
             <a:r>
-              <a:rPr lang="en" sz="3000" b="1" dirty="0">
+              <a:rPr b="1" lang="en" sz="3000">
                 <a:solidFill>
                   <a:srgbClr val="191919"/>
                 </a:solidFill>
@@ -9605,7 +6717,7 @@
               <a:t>study sessions </a:t>
             </a:r>
             <a:r>
-              <a:rPr lang="en" sz="3000" dirty="0">
+              <a:rPr lang="en" sz="3000">
                 <a:solidFill>
                   <a:srgbClr val="191919"/>
                 </a:solidFill>
@@ -9616,7 +6728,7 @@
               </a:rPr>
               <a:t>for a class  </a:t>
             </a:r>
-            <a:endParaRPr sz="3000" dirty="0">
+            <a:endParaRPr sz="3000">
               <a:latin typeface="Poppins"/>
               <a:ea typeface="Poppins"/>
               <a:cs typeface="Poppins"/>
@@ -9627,7 +6739,7 @@
       </p:sp>
       <p:sp>
         <p:nvSpPr>
-          <p:cNvPr id="114" name="Google Shape;114;p13"/>
+          <p:cNvPr id="75" name="Google Shape;75;p13"/>
           <p:cNvSpPr txBox="1"/>
           <p:nvPr/>
         </p:nvSpPr>
@@ -9645,12 +6757,12 @@
           </a:ln>
         </p:spPr>
         <p:txBody>
-          <a:bodyPr spcFirstLastPara="1" wrap="square" lIns="91425" tIns="91425" rIns="91425" bIns="91425" anchor="t" anchorCtr="0">
+          <a:bodyPr anchorCtr="0" anchor="t" bIns="91425" lIns="91425" spcFirstLastPara="1" rIns="91425" wrap="square" tIns="91425">
             <a:spAutoFit/>
           </a:bodyPr>
           <a:lstStyle/>
           <a:p>
-            <a:pPr marL="0" lvl="0" indent="0" algn="l" rtl="0">
+            <a:pPr indent="0" lvl="0" marL="0" rtl="0" algn="l">
               <a:spcBef>
                 <a:spcPts val="0"/>
               </a:spcBef>
@@ -9674,10 +6786,33 @@
                 <a:cs typeface="Poppins"/>
                 <a:sym typeface="Poppins"/>
               </a:rPr>
-              <a:t>Upload class syllabi and assignments to get AI powered </a:t>
+              <a:t>Upload </a:t>
+            </a:r>
+            <a:br>
+              <a:rPr lang="en" sz="3000">
+                <a:solidFill>
+                  <a:srgbClr val="191919"/>
+                </a:solidFill>
+                <a:latin typeface="Poppins"/>
+                <a:ea typeface="Poppins"/>
+                <a:cs typeface="Poppins"/>
+                <a:sym typeface="Poppins"/>
+              </a:rPr>
+            </a:br>
+            <a:r>
+              <a:rPr lang="en" sz="3000">
+                <a:solidFill>
+                  <a:srgbClr val="191919"/>
+                </a:solidFill>
+                <a:latin typeface="Poppins"/>
+                <a:ea typeface="Poppins"/>
+                <a:cs typeface="Poppins"/>
+                <a:sym typeface="Poppins"/>
+              </a:rPr>
+              <a:t>syllabi and assignments to get AI powered </a:t>
             </a:r>
             <a:r>
-              <a:rPr lang="en" sz="3000" b="1">
+              <a:rPr b="1" lang="en" sz="3000">
                 <a:solidFill>
                   <a:srgbClr val="191919"/>
                 </a:solidFill>
@@ -9688,7 +6823,7 @@
               </a:rPr>
               <a:t>study plans </a:t>
             </a:r>
-            <a:endParaRPr sz="3000" b="1">
+            <a:endParaRPr b="1" sz="3000">
               <a:latin typeface="Poppins"/>
               <a:ea typeface="Poppins"/>
               <a:cs typeface="Poppins"/>
@@ -9699,7 +6834,9 @@
       </p:sp>
       <p:sp>
         <p:nvSpPr>
-          <p:cNvPr id="115" name="Google Shape;115;p13"/>
+          <p:cNvPr id="76" name="Google Shape;76;p13">
+            <a:hlinkClick r:id="rId8"/>
+          </p:cNvPr>
           <p:cNvSpPr txBox="1"/>
           <p:nvPr/>
         </p:nvSpPr>
@@ -9717,12 +6854,12 @@
           </a:ln>
         </p:spPr>
         <p:txBody>
-          <a:bodyPr spcFirstLastPara="1" wrap="square" lIns="91425" tIns="91425" rIns="91425" bIns="91425" anchor="t" anchorCtr="0">
+          <a:bodyPr anchorCtr="0" anchor="t" bIns="91425" lIns="91425" spcFirstLastPara="1" rIns="91425" wrap="square" tIns="91425">
             <a:spAutoFit/>
           </a:bodyPr>
           <a:lstStyle/>
           <a:p>
-            <a:pPr marL="0" lvl="0" indent="0" algn="l" rtl="0">
+            <a:pPr indent="0" lvl="0" marL="0" rtl="0" algn="l">
               <a:spcBef>
                 <a:spcPts val="0"/>
               </a:spcBef>
@@ -9741,10 +6878,33 @@
                 <a:cs typeface="Poppins"/>
                 <a:sym typeface="Poppins"/>
               </a:rPr>
-              <a:t>Create a study profile and get matched with recurring partners and </a:t>
+              <a:t>Create a </a:t>
+            </a:r>
+            <a:br>
+              <a:rPr lang="en" sz="3000">
+                <a:solidFill>
+                  <a:srgbClr val="191919"/>
+                </a:solidFill>
+                <a:latin typeface="Poppins"/>
+                <a:ea typeface="Poppins"/>
+                <a:cs typeface="Poppins"/>
+                <a:sym typeface="Poppins"/>
+              </a:rPr>
+            </a:br>
+            <a:r>
+              <a:rPr lang="en" sz="3000">
+                <a:solidFill>
+                  <a:srgbClr val="191919"/>
+                </a:solidFill>
+                <a:latin typeface="Poppins"/>
+                <a:ea typeface="Poppins"/>
+                <a:cs typeface="Poppins"/>
+                <a:sym typeface="Poppins"/>
+              </a:rPr>
+              <a:t>profile and get matched with recurring partners and </a:t>
             </a:r>
             <a:r>
-              <a:rPr lang="en" sz="3000" b="1">
+              <a:rPr b="1" lang="en" sz="3000">
                 <a:solidFill>
                   <a:srgbClr val="191919"/>
                 </a:solidFill>
@@ -9768,7 +6928,7 @@
               <a:t> </a:t>
             </a:r>
             <a:r>
-              <a:rPr lang="en" sz="3000" b="1">
+              <a:rPr b="1" lang="en" sz="3000">
                 <a:solidFill>
                   <a:srgbClr val="191919"/>
                 </a:solidFill>
@@ -9779,7 +6939,7 @@
               </a:rPr>
               <a:t>groups</a:t>
             </a:r>
-            <a:endParaRPr sz="3000" b="1">
+            <a:endParaRPr b="1" sz="3000">
               <a:latin typeface="Poppins"/>
               <a:ea typeface="Poppins"/>
               <a:cs typeface="Poppins"/>
@@ -9790,14 +6950,14 @@
       </p:sp>
       <p:sp>
         <p:nvSpPr>
-          <p:cNvPr id="116" name="Google Shape;116;p13"/>
+          <p:cNvPr id="77" name="Google Shape;77;p13"/>
           <p:cNvSpPr txBox="1"/>
           <p:nvPr/>
         </p:nvSpPr>
         <p:spPr>
           <a:xfrm>
-            <a:off x="1059050" y="7988497"/>
-            <a:ext cx="820800" cy="2154406"/>
+            <a:off x="1059050" y="8434650"/>
+            <a:ext cx="820800" cy="1262100"/>
           </a:xfrm>
           <a:prstGeom prst="rect">
             <a:avLst/>
@@ -9808,12 +6968,12 @@
           </a:ln>
         </p:spPr>
         <p:txBody>
-          <a:bodyPr spcFirstLastPara="1" wrap="square" lIns="91425" tIns="91425" rIns="91425" bIns="91425" anchor="ctr" anchorCtr="0">
+          <a:bodyPr anchorCtr="0" anchor="t" bIns="91425" lIns="91425" spcFirstLastPara="1" rIns="91425" wrap="square" tIns="91425">
             <a:spAutoFit/>
           </a:bodyPr>
           <a:lstStyle/>
           <a:p>
-            <a:pPr marL="0" lvl="0" indent="0" algn="l" rtl="0">
+            <a:pPr indent="0" lvl="0" marL="0" rtl="0" algn="l">
               <a:lnSpc>
                 <a:spcPct val="115000"/>
               </a:lnSpc>
@@ -9826,7 +6986,7 @@
               <a:buNone/>
             </a:pPr>
             <a:r>
-              <a:rPr lang="en" sz="7000" b="1">
+              <a:rPr b="1" lang="en" sz="7000">
                 <a:solidFill>
                   <a:schemeClr val="accent1"/>
                 </a:solidFill>
@@ -9837,7 +6997,7 @@
               </a:rPr>
               <a:t>1</a:t>
             </a:r>
-            <a:endParaRPr sz="3000" b="1">
+            <a:endParaRPr b="1" sz="3000">
               <a:solidFill>
                 <a:schemeClr val="accent1"/>
               </a:solidFill>
@@ -9851,14 +7011,14 @@
       </p:sp>
       <p:sp>
         <p:nvSpPr>
-          <p:cNvPr id="117" name="Google Shape;117;p13"/>
+          <p:cNvPr id="78" name="Google Shape;78;p13"/>
           <p:cNvSpPr txBox="1"/>
           <p:nvPr/>
         </p:nvSpPr>
         <p:spPr>
           <a:xfrm>
-            <a:off x="4301425" y="8702447"/>
-            <a:ext cx="820800" cy="2154406"/>
+            <a:off x="4301425" y="9148600"/>
+            <a:ext cx="820800" cy="1262100"/>
           </a:xfrm>
           <a:prstGeom prst="rect">
             <a:avLst/>
@@ -9869,12 +7029,12 @@
           </a:ln>
         </p:spPr>
         <p:txBody>
-          <a:bodyPr spcFirstLastPara="1" wrap="square" lIns="91425" tIns="91425" rIns="91425" bIns="91425" anchor="ctr" anchorCtr="0">
+          <a:bodyPr anchorCtr="0" anchor="t" bIns="91425" lIns="91425" spcFirstLastPara="1" rIns="91425" wrap="square" tIns="91425">
             <a:spAutoFit/>
           </a:bodyPr>
           <a:lstStyle/>
           <a:p>
-            <a:pPr marL="0" lvl="0" indent="0" algn="l" rtl="0">
+            <a:pPr indent="0" lvl="0" marL="0" rtl="0" algn="l">
               <a:lnSpc>
                 <a:spcPct val="115000"/>
               </a:lnSpc>
@@ -9887,7 +7047,7 @@
               <a:buNone/>
             </a:pPr>
             <a:r>
-              <a:rPr lang="en" sz="7000" b="1">
+              <a:rPr b="1" lang="en" sz="7000">
                 <a:solidFill>
                   <a:schemeClr val="accent1"/>
                 </a:solidFill>
@@ -9898,7 +7058,7 @@
               </a:rPr>
               <a:t>2</a:t>
             </a:r>
-            <a:endParaRPr sz="3000" b="1">
+            <a:endParaRPr b="1" sz="3000">
               <a:solidFill>
                 <a:schemeClr val="accent1"/>
               </a:solidFill>
@@ -9912,14 +7072,14 @@
       </p:sp>
       <p:sp>
         <p:nvSpPr>
-          <p:cNvPr id="118" name="Google Shape;118;p13"/>
+          <p:cNvPr id="79" name="Google Shape;79;p13"/>
           <p:cNvSpPr txBox="1"/>
           <p:nvPr/>
         </p:nvSpPr>
         <p:spPr>
           <a:xfrm>
-            <a:off x="7806800" y="7367522"/>
-            <a:ext cx="820800" cy="2154406"/>
+            <a:off x="7806800" y="7813675"/>
+            <a:ext cx="820800" cy="1262100"/>
           </a:xfrm>
           <a:prstGeom prst="rect">
             <a:avLst/>
@@ -9930,12 +7090,12 @@
           </a:ln>
         </p:spPr>
         <p:txBody>
-          <a:bodyPr spcFirstLastPara="1" wrap="square" lIns="91425" tIns="91425" rIns="91425" bIns="91425" anchor="ctr" anchorCtr="0">
+          <a:bodyPr anchorCtr="0" anchor="t" bIns="91425" lIns="91425" spcFirstLastPara="1" rIns="91425" wrap="square" tIns="91425">
             <a:spAutoFit/>
           </a:bodyPr>
           <a:lstStyle/>
           <a:p>
-            <a:pPr marL="0" lvl="0" indent="0" algn="l" rtl="0">
+            <a:pPr indent="0" lvl="0" marL="0" rtl="0" algn="l">
               <a:lnSpc>
                 <a:spcPct val="115000"/>
               </a:lnSpc>
@@ -9948,7 +7108,7 @@
               <a:buNone/>
             </a:pPr>
             <a:r>
-              <a:rPr lang="en" sz="7000" b="1" dirty="0">
+              <a:rPr b="1" lang="en" sz="7000">
                 <a:solidFill>
                   <a:schemeClr val="accent1"/>
                 </a:solidFill>
@@ -9959,7 +7119,7 @@
               </a:rPr>
               <a:t>3</a:t>
             </a:r>
-            <a:endParaRPr sz="3000" b="1" dirty="0">
+            <a:endParaRPr b="1" sz="3000">
               <a:solidFill>
                 <a:schemeClr val="accent1"/>
               </a:solidFill>
@@ -9971,16 +7131,543 @@
           </a:p>
         </p:txBody>
       </p:sp>
+      <p:grpSp>
+        <p:nvGrpSpPr>
+          <p:cNvPr id="80" name="Google Shape;80;p13"/>
+          <p:cNvGrpSpPr/>
+          <p:nvPr/>
+        </p:nvGrpSpPr>
+        <p:grpSpPr>
+          <a:xfrm>
+            <a:off x="11334969" y="12602163"/>
+            <a:ext cx="3395488" cy="738900"/>
+            <a:chOff x="11146175" y="3882850"/>
+            <a:chExt cx="3395488" cy="738900"/>
+          </a:xfrm>
+        </p:grpSpPr>
+        <p:sp>
+          <p:nvSpPr>
+            <p:cNvPr id="81" name="Google Shape;81;p13"/>
+            <p:cNvSpPr txBox="1"/>
+            <p:nvPr/>
+          </p:nvSpPr>
+          <p:spPr>
+            <a:xfrm>
+              <a:off x="11146175" y="3882850"/>
+              <a:ext cx="444000" cy="738900"/>
+            </a:xfrm>
+            <a:prstGeom prst="rect">
+              <a:avLst/>
+            </a:prstGeom>
+            <a:noFill/>
+            <a:ln>
+              <a:noFill/>
+            </a:ln>
+          </p:spPr>
+          <p:txBody>
+            <a:bodyPr anchorCtr="0" anchor="t" bIns="91425" lIns="91425" spcFirstLastPara="1" rIns="91425" wrap="square" tIns="91425">
+              <a:spAutoFit/>
+            </a:bodyPr>
+            <a:lstStyle/>
+            <a:p>
+              <a:pPr indent="0" lvl="0" marL="0" rtl="0" algn="l">
+                <a:lnSpc>
+                  <a:spcPct val="115000"/>
+                </a:lnSpc>
+                <a:spcBef>
+                  <a:spcPts val="3800"/>
+                </a:spcBef>
+                <a:spcAft>
+                  <a:spcPts val="1900"/>
+                </a:spcAft>
+                <a:buNone/>
+              </a:pPr>
+              <a:r>
+                <a:rPr b="1" lang="en" sz="3600">
+                  <a:solidFill>
+                    <a:schemeClr val="accent1"/>
+                  </a:solidFill>
+                  <a:latin typeface="Poppins"/>
+                  <a:ea typeface="Poppins"/>
+                  <a:cs typeface="Poppins"/>
+                  <a:sym typeface="Poppins"/>
+                </a:rPr>
+                <a:t>1</a:t>
+              </a:r>
+              <a:endParaRPr b="1" sz="3600">
+                <a:solidFill>
+                  <a:schemeClr val="accent1"/>
+                </a:solidFill>
+                <a:latin typeface="Poppins"/>
+                <a:ea typeface="Poppins"/>
+                <a:cs typeface="Poppins"/>
+                <a:sym typeface="Poppins"/>
+              </a:endParaRPr>
+            </a:p>
+          </p:txBody>
+        </p:sp>
+        <p:sp>
+          <p:nvSpPr>
+            <p:cNvPr id="82" name="Google Shape;82;p13"/>
+            <p:cNvSpPr txBox="1"/>
+            <p:nvPr/>
+          </p:nvSpPr>
+          <p:spPr>
+            <a:xfrm>
+              <a:off x="11822463" y="3929050"/>
+              <a:ext cx="2719200" cy="646500"/>
+            </a:xfrm>
+            <a:prstGeom prst="rect">
+              <a:avLst/>
+            </a:prstGeom>
+            <a:noFill/>
+            <a:ln>
+              <a:noFill/>
+            </a:ln>
+          </p:spPr>
+          <p:txBody>
+            <a:bodyPr anchorCtr="0" anchor="t" bIns="91425" lIns="91425" spcFirstLastPara="1" rIns="91425" wrap="square" tIns="91425">
+              <a:spAutoFit/>
+            </a:bodyPr>
+            <a:lstStyle/>
+            <a:p>
+              <a:pPr indent="0" lvl="0" marL="0" rtl="0" algn="l">
+                <a:spcBef>
+                  <a:spcPts val="0"/>
+                </a:spcBef>
+                <a:spcAft>
+                  <a:spcPts val="0"/>
+                </a:spcAft>
+                <a:buNone/>
+              </a:pPr>
+              <a:r>
+                <a:rPr b="1" lang="en" sz="3000">
+                  <a:solidFill>
+                    <a:srgbClr val="191919"/>
+                  </a:solidFill>
+                  <a:latin typeface="Poppins"/>
+                  <a:ea typeface="Poppins"/>
+                  <a:cs typeface="Poppins"/>
+                  <a:sym typeface="Poppins"/>
+                </a:rPr>
+                <a:t>View Events</a:t>
+              </a:r>
+              <a:endParaRPr b="1"/>
+            </a:p>
+          </p:txBody>
+        </p:sp>
+      </p:grpSp>
+      <p:grpSp>
+        <p:nvGrpSpPr>
+          <p:cNvPr id="83" name="Google Shape;83;p13"/>
+          <p:cNvGrpSpPr/>
+          <p:nvPr/>
+        </p:nvGrpSpPr>
+        <p:grpSpPr>
+          <a:xfrm>
+            <a:off x="16455963" y="12602163"/>
+            <a:ext cx="3575650" cy="738900"/>
+            <a:chOff x="16317475" y="3882850"/>
+            <a:chExt cx="3575650" cy="738900"/>
+          </a:xfrm>
+        </p:grpSpPr>
+        <p:sp>
+          <p:nvSpPr>
+            <p:cNvPr id="84" name="Google Shape;84;p13"/>
+            <p:cNvSpPr txBox="1"/>
+            <p:nvPr/>
+          </p:nvSpPr>
+          <p:spPr>
+            <a:xfrm>
+              <a:off x="16317475" y="3882850"/>
+              <a:ext cx="548100" cy="738900"/>
+            </a:xfrm>
+            <a:prstGeom prst="rect">
+              <a:avLst/>
+            </a:prstGeom>
+            <a:noFill/>
+            <a:ln>
+              <a:noFill/>
+            </a:ln>
+          </p:spPr>
+          <p:txBody>
+            <a:bodyPr anchorCtr="0" anchor="t" bIns="91425" lIns="91425" spcFirstLastPara="1" rIns="91425" wrap="square" tIns="91425">
+              <a:spAutoFit/>
+            </a:bodyPr>
+            <a:lstStyle/>
+            <a:p>
+              <a:pPr indent="0" lvl="0" marL="0" rtl="0" algn="l">
+                <a:lnSpc>
+                  <a:spcPct val="115000"/>
+                </a:lnSpc>
+                <a:spcBef>
+                  <a:spcPts val="3800"/>
+                </a:spcBef>
+                <a:spcAft>
+                  <a:spcPts val="1900"/>
+                </a:spcAft>
+                <a:buNone/>
+              </a:pPr>
+              <a:r>
+                <a:rPr b="1" lang="en" sz="3600">
+                  <a:solidFill>
+                    <a:schemeClr val="accent1"/>
+                  </a:solidFill>
+                  <a:latin typeface="Poppins"/>
+                  <a:ea typeface="Poppins"/>
+                  <a:cs typeface="Poppins"/>
+                  <a:sym typeface="Poppins"/>
+                </a:rPr>
+                <a:t>2</a:t>
+              </a:r>
+              <a:endParaRPr b="1" sz="3600">
+                <a:solidFill>
+                  <a:schemeClr val="accent1"/>
+                </a:solidFill>
+                <a:latin typeface="Poppins"/>
+                <a:ea typeface="Poppins"/>
+                <a:cs typeface="Poppins"/>
+                <a:sym typeface="Poppins"/>
+              </a:endParaRPr>
+            </a:p>
+          </p:txBody>
+        </p:sp>
+        <p:sp>
+          <p:nvSpPr>
+            <p:cNvPr id="85" name="Google Shape;85;p13"/>
+            <p:cNvSpPr txBox="1"/>
+            <p:nvPr/>
+          </p:nvSpPr>
+          <p:spPr>
+            <a:xfrm>
+              <a:off x="16893125" y="3929050"/>
+              <a:ext cx="3000000" cy="646500"/>
+            </a:xfrm>
+            <a:prstGeom prst="rect">
+              <a:avLst/>
+            </a:prstGeom>
+            <a:noFill/>
+            <a:ln>
+              <a:noFill/>
+            </a:ln>
+          </p:spPr>
+          <p:txBody>
+            <a:bodyPr anchorCtr="0" anchor="t" bIns="91425" lIns="91425" spcFirstLastPara="1" rIns="91425" wrap="square" tIns="91425">
+              <a:spAutoFit/>
+            </a:bodyPr>
+            <a:lstStyle/>
+            <a:p>
+              <a:pPr indent="0" lvl="0" marL="0" rtl="0" algn="l">
+                <a:spcBef>
+                  <a:spcPts val="0"/>
+                </a:spcBef>
+                <a:spcAft>
+                  <a:spcPts val="0"/>
+                </a:spcAft>
+                <a:buNone/>
+              </a:pPr>
+              <a:r>
+                <a:rPr b="1" lang="en" sz="3000">
+                  <a:solidFill>
+                    <a:srgbClr val="191919"/>
+                  </a:solidFill>
+                  <a:latin typeface="Poppins"/>
+                  <a:ea typeface="Poppins"/>
+                  <a:cs typeface="Poppins"/>
+                  <a:sym typeface="Poppins"/>
+                </a:rPr>
+                <a:t>Create Tasks</a:t>
+              </a:r>
+              <a:endParaRPr/>
+            </a:p>
+          </p:txBody>
+        </p:sp>
+      </p:grpSp>
+      <p:grpSp>
+        <p:nvGrpSpPr>
+          <p:cNvPr id="86" name="Google Shape;86;p13"/>
+          <p:cNvGrpSpPr/>
+          <p:nvPr/>
+        </p:nvGrpSpPr>
+        <p:grpSpPr>
+          <a:xfrm>
+            <a:off x="21456856" y="12602163"/>
+            <a:ext cx="3495862" cy="738900"/>
+            <a:chOff x="21358275" y="3882850"/>
+            <a:chExt cx="3495862" cy="738900"/>
+          </a:xfrm>
+        </p:grpSpPr>
+        <p:sp>
+          <p:nvSpPr>
+            <p:cNvPr id="87" name="Google Shape;87;p13"/>
+            <p:cNvSpPr txBox="1"/>
+            <p:nvPr/>
+          </p:nvSpPr>
+          <p:spPr>
+            <a:xfrm>
+              <a:off x="21358275" y="3882850"/>
+              <a:ext cx="548100" cy="738900"/>
+            </a:xfrm>
+            <a:prstGeom prst="rect">
+              <a:avLst/>
+            </a:prstGeom>
+            <a:noFill/>
+            <a:ln>
+              <a:noFill/>
+            </a:ln>
+          </p:spPr>
+          <p:txBody>
+            <a:bodyPr anchorCtr="0" anchor="t" bIns="91425" lIns="91425" spcFirstLastPara="1" rIns="91425" wrap="square" tIns="91425">
+              <a:spAutoFit/>
+            </a:bodyPr>
+            <a:lstStyle/>
+            <a:p>
+              <a:pPr indent="0" lvl="0" marL="0" rtl="0" algn="l">
+                <a:lnSpc>
+                  <a:spcPct val="115000"/>
+                </a:lnSpc>
+                <a:spcBef>
+                  <a:spcPts val="3800"/>
+                </a:spcBef>
+                <a:spcAft>
+                  <a:spcPts val="1900"/>
+                </a:spcAft>
+                <a:buNone/>
+              </a:pPr>
+              <a:r>
+                <a:rPr b="1" lang="en" sz="3600">
+                  <a:solidFill>
+                    <a:schemeClr val="accent1"/>
+                  </a:solidFill>
+                  <a:latin typeface="Poppins"/>
+                  <a:ea typeface="Poppins"/>
+                  <a:cs typeface="Poppins"/>
+                  <a:sym typeface="Poppins"/>
+                </a:rPr>
+                <a:t>3</a:t>
+              </a:r>
+              <a:endParaRPr b="1" sz="3600">
+                <a:solidFill>
+                  <a:schemeClr val="accent1"/>
+                </a:solidFill>
+                <a:latin typeface="Poppins"/>
+                <a:ea typeface="Poppins"/>
+                <a:cs typeface="Poppins"/>
+                <a:sym typeface="Poppins"/>
+              </a:endParaRPr>
+            </a:p>
+          </p:txBody>
+        </p:sp>
+        <p:sp>
+          <p:nvSpPr>
+            <p:cNvPr id="88" name="Google Shape;88;p13"/>
+            <p:cNvSpPr txBox="1"/>
+            <p:nvPr/>
+          </p:nvSpPr>
+          <p:spPr>
+            <a:xfrm>
+              <a:off x="21854137" y="3929050"/>
+              <a:ext cx="3000000" cy="646500"/>
+            </a:xfrm>
+            <a:prstGeom prst="rect">
+              <a:avLst/>
+            </a:prstGeom>
+            <a:noFill/>
+            <a:ln>
+              <a:noFill/>
+            </a:ln>
+          </p:spPr>
+          <p:txBody>
+            <a:bodyPr anchorCtr="0" anchor="t" bIns="91425" lIns="91425" spcFirstLastPara="1" rIns="91425" wrap="square" tIns="91425">
+              <a:spAutoFit/>
+            </a:bodyPr>
+            <a:lstStyle/>
+            <a:p>
+              <a:pPr indent="0" lvl="0" marL="0" rtl="0" algn="l">
+                <a:spcBef>
+                  <a:spcPts val="0"/>
+                </a:spcBef>
+                <a:spcAft>
+                  <a:spcPts val="0"/>
+                </a:spcAft>
+                <a:buNone/>
+              </a:pPr>
+              <a:r>
+                <a:rPr b="1" lang="en" sz="3000">
+                  <a:solidFill>
+                    <a:srgbClr val="191919"/>
+                  </a:solidFill>
+                  <a:latin typeface="Poppins"/>
+                  <a:ea typeface="Poppins"/>
+                  <a:cs typeface="Poppins"/>
+                  <a:sym typeface="Poppins"/>
+                </a:rPr>
+                <a:t>Find Matches</a:t>
+              </a:r>
+              <a:endParaRPr/>
+            </a:p>
+          </p:txBody>
+        </p:sp>
+      </p:grpSp>
+      <p:cxnSp>
+        <p:nvCxnSpPr>
+          <p:cNvPr id="89" name="Google Shape;89;p13"/>
+          <p:cNvCxnSpPr/>
+          <p:nvPr/>
+        </p:nvCxnSpPr>
+        <p:spPr>
+          <a:xfrm rot="10800000">
+            <a:off x="13028400" y="10887600"/>
+            <a:ext cx="1800" cy="1761600"/>
+          </a:xfrm>
+          <a:prstGeom prst="straightConnector1">
+            <a:avLst/>
+          </a:prstGeom>
+          <a:noFill/>
+          <a:ln cap="flat" cmpd="sng" w="19050">
+            <a:solidFill>
+              <a:srgbClr val="1A171B"/>
+            </a:solidFill>
+            <a:prstDash val="solid"/>
+            <a:round/>
+            <a:headEnd len="med" w="med" type="none"/>
+            <a:tailEnd len="med" w="med" type="none"/>
+          </a:ln>
+        </p:spPr>
+      </p:cxnSp>
+      <p:cxnSp>
+        <p:nvCxnSpPr>
+          <p:cNvPr id="90" name="Google Shape;90;p13"/>
+          <p:cNvCxnSpPr/>
+          <p:nvPr/>
+        </p:nvCxnSpPr>
+        <p:spPr>
+          <a:xfrm rot="10800000">
+            <a:off x="18242895" y="11081236"/>
+            <a:ext cx="600" cy="1568100"/>
+          </a:xfrm>
+          <a:prstGeom prst="straightConnector1">
+            <a:avLst/>
+          </a:prstGeom>
+          <a:noFill/>
+          <a:ln cap="flat" cmpd="sng" w="19050">
+            <a:solidFill>
+              <a:srgbClr val="1A171B"/>
+            </a:solidFill>
+            <a:prstDash val="solid"/>
+            <a:round/>
+            <a:headEnd len="med" w="med" type="none"/>
+            <a:tailEnd len="med" w="med" type="none"/>
+          </a:ln>
+        </p:spPr>
+      </p:cxnSp>
+      <p:cxnSp>
+        <p:nvCxnSpPr>
+          <p:cNvPr id="91" name="Google Shape;91;p13"/>
+          <p:cNvCxnSpPr/>
+          <p:nvPr/>
+        </p:nvCxnSpPr>
+        <p:spPr>
+          <a:xfrm rot="10800000">
+            <a:off x="23183025" y="10984500"/>
+            <a:ext cx="21600" cy="1664700"/>
+          </a:xfrm>
+          <a:prstGeom prst="straightConnector1">
+            <a:avLst/>
+          </a:prstGeom>
+          <a:noFill/>
+          <a:ln cap="flat" cmpd="sng" w="19050">
+            <a:solidFill>
+              <a:srgbClr val="1A171B"/>
+            </a:solidFill>
+            <a:prstDash val="solid"/>
+            <a:round/>
+            <a:headEnd len="med" w="med" type="none"/>
+            <a:tailEnd len="med" w="med" type="none"/>
+          </a:ln>
+        </p:spPr>
+      </p:cxnSp>
+      <p:grpSp>
+        <p:nvGrpSpPr>
+          <p:cNvPr id="92" name="Google Shape;92;p13"/>
+          <p:cNvGrpSpPr/>
+          <p:nvPr/>
+        </p:nvGrpSpPr>
+        <p:grpSpPr>
+          <a:xfrm>
+            <a:off x="21044513" y="3806193"/>
+            <a:ext cx="4320540" cy="8456935"/>
+            <a:chOff x="18745450" y="2331186"/>
+            <a:chExt cx="4800600" cy="9296400"/>
+          </a:xfrm>
+        </p:grpSpPr>
+        <p:pic>
+          <p:nvPicPr>
+            <p:cNvPr id="93" name="Google Shape;93;p13"/>
+            <p:cNvPicPr preferRelativeResize="0"/>
+            <p:nvPr/>
+          </p:nvPicPr>
+          <p:blipFill>
+            <a:blip r:embed="rId9">
+              <a:alphaModFix/>
+            </a:blip>
+            <a:stretch>
+              <a:fillRect/>
+            </a:stretch>
+          </p:blipFill>
+          <p:spPr>
+            <a:xfrm>
+              <a:off x="19174075" y="2715067"/>
+              <a:ext cx="3943350" cy="8528639"/>
+            </a:xfrm>
+            <a:prstGeom prst="rect">
+              <a:avLst/>
+            </a:prstGeom>
+            <a:noFill/>
+            <a:ln>
+              <a:noFill/>
+            </a:ln>
+          </p:spPr>
+        </p:pic>
+        <p:pic>
+          <p:nvPicPr>
+            <p:cNvPr id="94" name="Google Shape;94;p13"/>
+            <p:cNvPicPr preferRelativeResize="0"/>
+            <p:nvPr/>
+          </p:nvPicPr>
+          <p:blipFill>
+            <a:blip r:embed="rId10">
+              <a:alphaModFix/>
+            </a:blip>
+            <a:stretch>
+              <a:fillRect/>
+            </a:stretch>
+          </p:blipFill>
+          <p:spPr>
+            <a:xfrm>
+              <a:off x="18745450" y="2331186"/>
+              <a:ext cx="4800600" cy="9296400"/>
+            </a:xfrm>
+            <a:prstGeom prst="rect">
+              <a:avLst/>
+            </a:prstGeom>
+            <a:noFill/>
+            <a:ln>
+              <a:noFill/>
+            </a:ln>
+          </p:spPr>
+        </p:pic>
+      </p:grpSp>
       <p:sp>
         <p:nvSpPr>
-          <p:cNvPr id="119" name="Google Shape;119;p13"/>
+          <p:cNvPr id="95" name="Google Shape;95;p13"/>
           <p:cNvSpPr txBox="1"/>
           <p:nvPr/>
         </p:nvSpPr>
         <p:spPr>
           <a:xfrm>
-            <a:off x="10064300" y="5406575"/>
-            <a:ext cx="444000" cy="738900"/>
+            <a:off x="31473" y="13531586"/>
+            <a:ext cx="7274400" cy="1262700"/>
           </a:xfrm>
           <a:prstGeom prst="rect">
             <a:avLst/>
@@ -9991,12 +7678,12 @@
           </a:ln>
         </p:spPr>
         <p:txBody>
-          <a:bodyPr spcFirstLastPara="1" wrap="square" lIns="91425" tIns="91425" rIns="91425" bIns="91425" anchor="t" anchorCtr="0">
+          <a:bodyPr anchorCtr="0" anchor="t" bIns="289850" lIns="289850" spcFirstLastPara="1" rIns="289850" wrap="square" tIns="289850">
             <a:spAutoFit/>
           </a:bodyPr>
           <a:lstStyle/>
           <a:p>
-            <a:pPr marL="0" lvl="0" indent="0" algn="l" rtl="0">
+            <a:pPr indent="0" lvl="0" marL="0" rtl="0" algn="l">
               <a:lnSpc>
                 <a:spcPct val="115000"/>
               </a:lnSpc>
@@ -10004,12 +7691,12 @@
                 <a:spcPts val="3800"/>
               </a:spcBef>
               <a:spcAft>
-                <a:spcPts val="1900"/>
+                <a:spcPts val="3800"/>
               </a:spcAft>
               <a:buNone/>
             </a:pPr>
             <a:r>
-              <a:rPr lang="en" sz="3600" b="1">
+              <a:rPr b="1" lang="en" sz="4400">
                 <a:solidFill>
                   <a:schemeClr val="accent1"/>
                 </a:solidFill>
@@ -10018,142 +7705,158 @@
                 <a:cs typeface="Poppins"/>
                 <a:sym typeface="Poppins"/>
               </a:rPr>
-              <a:t>1</a:t>
+              <a:t>Design Process</a:t>
             </a:r>
-            <a:endParaRPr sz="3600" b="1">
+            <a:endParaRPr sz="5300">
               <a:solidFill>
                 <a:schemeClr val="accent1"/>
               </a:solidFill>
-              <a:latin typeface="Poppins"/>
-              <a:ea typeface="Poppins"/>
-              <a:cs typeface="Poppins"/>
-              <a:sym typeface="Poppins"/>
             </a:endParaRPr>
           </a:p>
         </p:txBody>
       </p:sp>
-      <p:sp>
-        <p:nvSpPr>
-          <p:cNvPr id="120" name="Google Shape;120;p13"/>
-          <p:cNvSpPr txBox="1"/>
+      <p:grpSp>
+        <p:nvGrpSpPr>
+          <p:cNvPr id="96" name="Google Shape;96;p13"/>
+          <p:cNvGrpSpPr/>
           <p:nvPr/>
-        </p:nvSpPr>
-        <p:spPr>
+        </p:nvGrpSpPr>
+        <p:grpSpPr>
           <a:xfrm>
-            <a:off x="15270400" y="5406575"/>
-            <a:ext cx="548100" cy="738900"/>
+            <a:off x="16083525" y="3849887"/>
+            <a:ext cx="4320540" cy="8369549"/>
+            <a:chOff x="13871975" y="3490761"/>
+            <a:chExt cx="4800600" cy="9296400"/>
           </a:xfrm>
-          <a:prstGeom prst="rect">
-            <a:avLst/>
-          </a:prstGeom>
-          <a:noFill/>
-          <a:ln>
+        </p:grpSpPr>
+        <p:pic>
+          <p:nvPicPr>
+            <p:cNvPr id="97" name="Google Shape;97;p13"/>
+            <p:cNvPicPr preferRelativeResize="0"/>
+            <p:nvPr/>
+          </p:nvPicPr>
+          <p:blipFill>
+            <a:blip r:embed="rId11">
+              <a:alphaModFix/>
+            </a:blip>
+            <a:stretch>
+              <a:fillRect/>
+            </a:stretch>
+          </p:blipFill>
+          <p:spPr>
+            <a:xfrm>
+              <a:off x="14300588" y="3873412"/>
+              <a:ext cx="3943350" cy="8530977"/>
+            </a:xfrm>
+            <a:prstGeom prst="rect">
+              <a:avLst/>
+            </a:prstGeom>
             <a:noFill/>
-          </a:ln>
-        </p:spPr>
-        <p:txBody>
-          <a:bodyPr spcFirstLastPara="1" wrap="square" lIns="91425" tIns="91425" rIns="91425" bIns="91425" anchor="t" anchorCtr="0">
-            <a:spAutoFit/>
-          </a:bodyPr>
-          <a:lstStyle/>
-          <a:p>
-            <a:pPr marL="0" lvl="0" indent="0" algn="l" rtl="0">
-              <a:lnSpc>
-                <a:spcPct val="115000"/>
-              </a:lnSpc>
-              <a:spcBef>
-                <a:spcPts val="3800"/>
-              </a:spcBef>
-              <a:spcAft>
-                <a:spcPts val="1900"/>
-              </a:spcAft>
-              <a:buNone/>
-            </a:pPr>
-            <a:r>
-              <a:rPr lang="en" sz="3600" b="1">
-                <a:solidFill>
-                  <a:schemeClr val="accent1"/>
-                </a:solidFill>
-                <a:latin typeface="Poppins"/>
-                <a:ea typeface="Poppins"/>
-                <a:cs typeface="Poppins"/>
-                <a:sym typeface="Poppins"/>
-              </a:rPr>
-              <a:t>2</a:t>
-            </a:r>
-            <a:endParaRPr sz="3600" b="1">
-              <a:solidFill>
-                <a:schemeClr val="accent1"/>
-              </a:solidFill>
-              <a:latin typeface="Poppins"/>
-              <a:ea typeface="Poppins"/>
-              <a:cs typeface="Poppins"/>
-              <a:sym typeface="Poppins"/>
-            </a:endParaRPr>
-          </a:p>
-        </p:txBody>
-      </p:sp>
-      <p:sp>
-        <p:nvSpPr>
-          <p:cNvPr id="121" name="Google Shape;121;p13"/>
-          <p:cNvSpPr txBox="1"/>
+            <a:ln>
+              <a:noFill/>
+            </a:ln>
+          </p:spPr>
+        </p:pic>
+        <p:pic>
+          <p:nvPicPr>
+            <p:cNvPr id="98" name="Google Shape;98;p13"/>
+            <p:cNvPicPr preferRelativeResize="0"/>
+            <p:nvPr/>
+          </p:nvPicPr>
+          <p:blipFill>
+            <a:blip r:embed="rId10">
+              <a:alphaModFix/>
+            </a:blip>
+            <a:stretch>
+              <a:fillRect/>
+            </a:stretch>
+          </p:blipFill>
+          <p:spPr>
+            <a:xfrm>
+              <a:off x="13871975" y="3490761"/>
+              <a:ext cx="4800600" cy="9296400"/>
+            </a:xfrm>
+            <a:prstGeom prst="rect">
+              <a:avLst/>
+            </a:prstGeom>
+            <a:noFill/>
+            <a:ln>
+              <a:noFill/>
+            </a:ln>
+          </p:spPr>
+        </p:pic>
+      </p:grpSp>
+      <p:grpSp>
+        <p:nvGrpSpPr>
+          <p:cNvPr id="99" name="Google Shape;99;p13"/>
+          <p:cNvGrpSpPr/>
           <p:nvPr/>
-        </p:nvSpPr>
-        <p:spPr>
+        </p:nvGrpSpPr>
+        <p:grpSpPr>
           <a:xfrm>
-            <a:off x="20478125" y="5406575"/>
-            <a:ext cx="548100" cy="738900"/>
+            <a:off x="10870075" y="3849887"/>
+            <a:ext cx="4320540" cy="8369549"/>
+            <a:chOff x="10870075" y="3849887"/>
+            <a:chExt cx="4320540" cy="8369549"/>
           </a:xfrm>
-          <a:prstGeom prst="rect">
-            <a:avLst/>
-          </a:prstGeom>
-          <a:noFill/>
-          <a:ln>
+        </p:grpSpPr>
+        <p:pic>
+          <p:nvPicPr>
+            <p:cNvPr id="100" name="Google Shape;100;p13"/>
+            <p:cNvPicPr preferRelativeResize="0"/>
+            <p:nvPr/>
+          </p:nvPicPr>
+          <p:blipFill>
+            <a:blip r:embed="rId12">
+              <a:alphaModFix/>
+            </a:blip>
+            <a:stretch>
+              <a:fillRect/>
+            </a:stretch>
+          </p:blipFill>
+          <p:spPr>
+            <a:xfrm>
+              <a:off x="11256409" y="4197046"/>
+              <a:ext cx="3547872" cy="7675230"/>
+            </a:xfrm>
+            <a:prstGeom prst="rect">
+              <a:avLst/>
+            </a:prstGeom>
             <a:noFill/>
-          </a:ln>
-        </p:spPr>
-        <p:txBody>
-          <a:bodyPr spcFirstLastPara="1" wrap="square" lIns="91425" tIns="91425" rIns="91425" bIns="91425" anchor="t" anchorCtr="0">
-            <a:spAutoFit/>
-          </a:bodyPr>
-          <a:lstStyle/>
-          <a:p>
-            <a:pPr marL="0" lvl="0" indent="0" algn="l" rtl="0">
-              <a:lnSpc>
-                <a:spcPct val="115000"/>
-              </a:lnSpc>
-              <a:spcBef>
-                <a:spcPts val="3800"/>
-              </a:spcBef>
-              <a:spcAft>
-                <a:spcPts val="1900"/>
-              </a:spcAft>
-              <a:buNone/>
-            </a:pPr>
-            <a:r>
-              <a:rPr lang="en" sz="3600" b="1">
-                <a:solidFill>
-                  <a:schemeClr val="accent1"/>
-                </a:solidFill>
-                <a:latin typeface="Poppins"/>
-                <a:ea typeface="Poppins"/>
-                <a:cs typeface="Poppins"/>
-                <a:sym typeface="Poppins"/>
-              </a:rPr>
-              <a:t>3</a:t>
-            </a:r>
-            <a:endParaRPr sz="3600" b="1">
-              <a:solidFill>
-                <a:schemeClr val="accent1"/>
-              </a:solidFill>
-              <a:latin typeface="Poppins"/>
-              <a:ea typeface="Poppins"/>
-              <a:cs typeface="Poppins"/>
-              <a:sym typeface="Poppins"/>
-            </a:endParaRPr>
-          </a:p>
-        </p:txBody>
-      </p:sp>
+            <a:ln>
+              <a:noFill/>
+            </a:ln>
+          </p:spPr>
+        </p:pic>
+        <p:pic>
+          <p:nvPicPr>
+            <p:cNvPr id="101" name="Google Shape;101;p13"/>
+            <p:cNvPicPr preferRelativeResize="0"/>
+            <p:nvPr/>
+          </p:nvPicPr>
+          <p:blipFill>
+            <a:blip r:embed="rId10">
+              <a:alphaModFix/>
+            </a:blip>
+            <a:stretch>
+              <a:fillRect/>
+            </a:stretch>
+          </p:blipFill>
+          <p:spPr>
+            <a:xfrm>
+              <a:off x="10870075" y="3849887"/>
+              <a:ext cx="4320540" cy="8369549"/>
+            </a:xfrm>
+            <a:prstGeom prst="rect">
+              <a:avLst/>
+            </a:prstGeom>
+            <a:noFill/>
+            <a:ln>
+              <a:noFill/>
+            </a:ln>
+          </p:spPr>
+        </p:pic>
+      </p:grpSp>
     </p:spTree>
   </p:cSld>
   <p:clrMapOvr>
@@ -10163,7 +7866,286 @@
 </file>
 
 <file path=ppt/theme/theme1.xml><?xml version="1.0" encoding="utf-8"?>
-<a:theme xmlns:a="http://schemas.openxmlformats.org/drawingml/2006/main" name="Simple Light">
+<a:theme xmlns:a="http://schemas.openxmlformats.org/drawingml/2006/main" xmlns:r="http://schemas.openxmlformats.org/officeDocument/2006/relationships">
+  <a:themeElements>
+    <a:clrScheme name="Default">
+      <a:dk1>
+        <a:srgbClr val="000000"/>
+      </a:dk1>
+      <a:lt1>
+        <a:srgbClr val="FFFFFF"/>
+      </a:lt1>
+      <a:dk2>
+        <a:srgbClr val="158158"/>
+      </a:dk2>
+      <a:lt2>
+        <a:srgbClr val="F3F3F3"/>
+      </a:lt2>
+      <a:accent1>
+        <a:srgbClr val="058DC7"/>
+      </a:accent1>
+      <a:accent2>
+        <a:srgbClr val="50B432"/>
+      </a:accent2>
+      <a:accent3>
+        <a:srgbClr val="ED561B"/>
+      </a:accent3>
+      <a:accent4>
+        <a:srgbClr val="EDEF00"/>
+      </a:accent4>
+      <a:accent5>
+        <a:srgbClr val="24CBE5"/>
+      </a:accent5>
+      <a:accent6>
+        <a:srgbClr val="64E572"/>
+      </a:accent6>
+      <a:hlink>
+        <a:srgbClr val="2200CC"/>
+      </a:hlink>
+      <a:folHlink>
+        <a:srgbClr val="551A8B"/>
+      </a:folHlink>
+    </a:clrScheme>
+    <a:fontScheme name="Office">
+      <a:majorFont>
+        <a:latin typeface="Arial"/>
+        <a:ea typeface=""/>
+        <a:cs typeface=""/>
+        <a:font script="Jpan" typeface="ＭＳ Ｐゴシック"/>
+        <a:font script="Hang" typeface="맑은 고딕"/>
+        <a:font script="Hans" typeface="宋体"/>
+        <a:font script="Hant" typeface="新細明體"/>
+        <a:font script="Arab" typeface="Times New Roman"/>
+        <a:font script="Hebr" typeface="Times New Roman"/>
+        <a:font script="Thai" typeface="Angsana New"/>
+        <a:font script="Ethi" typeface="Nyala"/>
+        <a:font script="Beng" typeface="Vrinda"/>
+        <a:font script="Gujr" typeface="Shruti"/>
+        <a:font script="Khmr" typeface="MoolBoran"/>
+        <a:font script="Knda" typeface="Tunga"/>
+        <a:font script="Guru" typeface="Raavi"/>
+        <a:font script="Cans" typeface="Euphemia"/>
+        <a:font script="Cher" typeface="Plantagenet Cherokee"/>
+        <a:font script="Yiii" typeface="Microsoft Yi Baiti"/>
+        <a:font script="Tibt" typeface="Microsoft Himalaya"/>
+        <a:font script="Thaa" typeface="MV Boli"/>
+        <a:font script="Deva" typeface="Mangal"/>
+        <a:font script="Telu" typeface="Gautami"/>
+        <a:font script="Taml" typeface="Latha"/>
+        <a:font script="Syrc" typeface="Estrangelo Edessa"/>
+        <a:font script="Orya" typeface="Kalinga"/>
+        <a:font script="Mlym" typeface="Kartika"/>
+        <a:font script="Laoo" typeface="DokChampa"/>
+        <a:font script="Sinh" typeface="Iskoola Pota"/>
+        <a:font script="Mong" typeface="Mongolian Baiti"/>
+        <a:font script="Viet" typeface="Times New Roman"/>
+        <a:font script="Uigh" typeface="Microsoft Uighur"/>
+        <a:font script="Geor" typeface="Sylfaen"/>
+      </a:majorFont>
+      <a:minorFont>
+        <a:latin typeface="Arial"/>
+        <a:ea typeface=""/>
+        <a:cs typeface=""/>
+        <a:font script="Jpan" typeface="ＭＳ Ｐゴシック"/>
+        <a:font script="Hang" typeface="맑은 고딕"/>
+        <a:font script="Hans" typeface="宋体"/>
+        <a:font script="Hant" typeface="新細明體"/>
+        <a:font script="Arab" typeface="Arial"/>
+        <a:font script="Hebr" typeface="Arial"/>
+        <a:font script="Thai" typeface="Cordia New"/>
+        <a:font script="Ethi" typeface="Nyala"/>
+        <a:font script="Beng" typeface="Vrinda"/>
+        <a:font script="Gujr" typeface="Shruti"/>
+        <a:font script="Khmr" typeface="DaunPenh"/>
+        <a:font script="Knda" typeface="Tunga"/>
+        <a:font script="Guru" typeface="Raavi"/>
+        <a:font script="Cans" typeface="Euphemia"/>
+        <a:font script="Cher" typeface="Plantagenet Cherokee"/>
+        <a:font script="Yiii" typeface="Microsoft Yi Baiti"/>
+        <a:font script="Tibt" typeface="Microsoft Himalaya"/>
+        <a:font script="Thaa" typeface="MV Boli"/>
+        <a:font script="Deva" typeface="Mangal"/>
+        <a:font script="Telu" typeface="Gautami"/>
+        <a:font script="Taml" typeface="Latha"/>
+        <a:font script="Syrc" typeface="Estrangelo Edessa"/>
+        <a:font script="Orya" typeface="Kalinga"/>
+        <a:font script="Mlym" typeface="Kartika"/>
+        <a:font script="Laoo" typeface="DokChampa"/>
+        <a:font script="Sinh" typeface="Iskoola Pota"/>
+        <a:font script="Mong" typeface="Mongolian Baiti"/>
+        <a:font script="Viet" typeface="Arial"/>
+        <a:font script="Uigh" typeface="Microsoft Uighur"/>
+        <a:font script="Geor" typeface="Sylfaen"/>
+      </a:minorFont>
+    </a:fontScheme>
+    <a:fmtScheme name="Office">
+      <a:fillStyleLst>
+        <a:solidFill>
+          <a:schemeClr val="phClr"/>
+        </a:solidFill>
+        <a:gradFill rotWithShape="1">
+          <a:gsLst>
+            <a:gs pos="0">
+              <a:schemeClr val="phClr">
+                <a:tint val="50000"/>
+                <a:satMod val="300000"/>
+              </a:schemeClr>
+            </a:gs>
+            <a:gs pos="35000">
+              <a:schemeClr val="phClr">
+                <a:tint val="37000"/>
+                <a:satMod val="300000"/>
+              </a:schemeClr>
+            </a:gs>
+            <a:gs pos="100000">
+              <a:schemeClr val="phClr">
+                <a:tint val="15000"/>
+                <a:satMod val="350000"/>
+              </a:schemeClr>
+            </a:gs>
+          </a:gsLst>
+          <a:lin ang="16200000" scaled="1"/>
+        </a:gradFill>
+        <a:gradFill rotWithShape="1">
+          <a:gsLst>
+            <a:gs pos="0">
+              <a:schemeClr val="phClr">
+                <a:tint val="100000"/>
+                <a:shade val="100000"/>
+                <a:satMod val="130000"/>
+              </a:schemeClr>
+            </a:gs>
+            <a:gs pos="100000">
+              <a:schemeClr val="phClr">
+                <a:tint val="50000"/>
+                <a:shade val="100000"/>
+                <a:satMod val="350000"/>
+              </a:schemeClr>
+            </a:gs>
+          </a:gsLst>
+          <a:lin ang="16200000" scaled="0"/>
+        </a:gradFill>
+      </a:fillStyleLst>
+      <a:lnStyleLst>
+        <a:ln w="9525" cap="flat" cmpd="sng" algn="ctr">
+          <a:solidFill>
+            <a:schemeClr val="phClr">
+              <a:shade val="95000"/>
+              <a:satMod val="105000"/>
+            </a:schemeClr>
+          </a:solidFill>
+          <a:prstDash val="solid"/>
+        </a:ln>
+        <a:ln w="25400" cap="flat" cmpd="sng" algn="ctr">
+          <a:solidFill>
+            <a:schemeClr val="phClr"/>
+          </a:solidFill>
+          <a:prstDash val="solid"/>
+        </a:ln>
+        <a:ln w="38100" cap="flat" cmpd="sng" algn="ctr">
+          <a:solidFill>
+            <a:schemeClr val="phClr"/>
+          </a:solidFill>
+          <a:prstDash val="solid"/>
+        </a:ln>
+      </a:lnStyleLst>
+      <a:effectStyleLst>
+        <a:effectStyle>
+          <a:effectLst>
+            <a:outerShdw blurRad="40000" dist="20000" dir="5400000" rotWithShape="0">
+              <a:srgbClr val="000000">
+                <a:alpha val="38000"/>
+              </a:srgbClr>
+            </a:outerShdw>
+          </a:effectLst>
+        </a:effectStyle>
+        <a:effectStyle>
+          <a:effectLst>
+            <a:outerShdw blurRad="40000" dist="23000" dir="5400000" rotWithShape="0">
+              <a:srgbClr val="000000">
+                <a:alpha val="35000"/>
+              </a:srgbClr>
+            </a:outerShdw>
+          </a:effectLst>
+        </a:effectStyle>
+        <a:effectStyle>
+          <a:effectLst>
+            <a:outerShdw blurRad="40000" dist="23000" dir="5400000" rotWithShape="0">
+              <a:srgbClr val="000000">
+                <a:alpha val="35000"/>
+              </a:srgbClr>
+            </a:outerShdw>
+          </a:effectLst>
+          <a:scene3d>
+            <a:camera prst="orthographicFront">
+              <a:rot lat="0" lon="0" rev="0"/>
+            </a:camera>
+            <a:lightRig rig="threePt" dir="t">
+              <a:rot lat="0" lon="0" rev="1200000"/>
+            </a:lightRig>
+          </a:scene3d>
+          <a:sp3d>
+            <a:bevelT w="63500" h="25400"/>
+          </a:sp3d>
+        </a:effectStyle>
+      </a:effectStyleLst>
+      <a:bgFillStyleLst>
+        <a:solidFill>
+          <a:schemeClr val="phClr"/>
+        </a:solidFill>
+        <a:gradFill rotWithShape="1">
+          <a:gsLst>
+            <a:gs pos="0">
+              <a:schemeClr val="phClr">
+                <a:tint val="40000"/>
+                <a:satMod val="350000"/>
+              </a:schemeClr>
+            </a:gs>
+            <a:gs pos="40000">
+              <a:schemeClr val="phClr">
+                <a:tint val="45000"/>
+                <a:shade val="99000"/>
+                <a:satMod val="350000"/>
+              </a:schemeClr>
+            </a:gs>
+            <a:gs pos="100000">
+              <a:schemeClr val="phClr">
+                <a:shade val="20000"/>
+                <a:satMod val="255000"/>
+              </a:schemeClr>
+            </a:gs>
+          </a:gsLst>
+          <a:path path="circle">
+            <a:fillToRect l="50000" t="-80000" r="50000" b="180000"/>
+          </a:path>
+        </a:gradFill>
+        <a:gradFill rotWithShape="1">
+          <a:gsLst>
+            <a:gs pos="0">
+              <a:schemeClr val="phClr">
+                <a:tint val="80000"/>
+                <a:satMod val="300000"/>
+              </a:schemeClr>
+            </a:gs>
+            <a:gs pos="100000">
+              <a:schemeClr val="phClr">
+                <a:shade val="30000"/>
+                <a:satMod val="200000"/>
+              </a:schemeClr>
+            </a:gs>
+          </a:gsLst>
+          <a:path path="circle">
+            <a:fillToRect l="50000" t="50000" r="50000" b="50000"/>
+          </a:path>
+        </a:gradFill>
+      </a:bgFillStyleLst>
+    </a:fmtScheme>
+  </a:themeElements>
+</a:theme>
+</file>
+
+<file path=ppt/theme/theme2.xml><?xml version="1.0" encoding="utf-8"?>
+<a:theme xmlns:a="http://schemas.openxmlformats.org/drawingml/2006/main" xmlns:r="http://schemas.openxmlformats.org/officeDocument/2006/relationships" name="Simple Light">
   <a:themeElements>
     <a:clrScheme name="Simple Light">
       <a:dk1>
@@ -10438,288 +8420,5 @@
       </a:bgFillStyleLst>
     </a:fmtScheme>
   </a:themeElements>
-  <a:objectDefaults/>
-  <a:extraClrSchemeLst/>
-</a:theme>
-</file>
-
-<file path=ppt/theme/theme2.xml><?xml version="1.0" encoding="utf-8"?>
-<a:theme xmlns:a="http://schemas.openxmlformats.org/drawingml/2006/main">
-  <a:themeElements>
-    <a:clrScheme name="Default">
-      <a:dk1>
-        <a:srgbClr val="000000"/>
-      </a:dk1>
-      <a:lt1>
-        <a:srgbClr val="FFFFFF"/>
-      </a:lt1>
-      <a:dk2>
-        <a:srgbClr val="158158"/>
-      </a:dk2>
-      <a:lt2>
-        <a:srgbClr val="F3F3F3"/>
-      </a:lt2>
-      <a:accent1>
-        <a:srgbClr val="058DC7"/>
-      </a:accent1>
-      <a:accent2>
-        <a:srgbClr val="50B432"/>
-      </a:accent2>
-      <a:accent3>
-        <a:srgbClr val="ED561B"/>
-      </a:accent3>
-      <a:accent4>
-        <a:srgbClr val="EDEF00"/>
-      </a:accent4>
-      <a:accent5>
-        <a:srgbClr val="24CBE5"/>
-      </a:accent5>
-      <a:accent6>
-        <a:srgbClr val="64E572"/>
-      </a:accent6>
-      <a:hlink>
-        <a:srgbClr val="2200CC"/>
-      </a:hlink>
-      <a:folHlink>
-        <a:srgbClr val="551A8B"/>
-      </a:folHlink>
-    </a:clrScheme>
-    <a:fontScheme name="Office">
-      <a:majorFont>
-        <a:latin typeface="Arial"/>
-        <a:ea typeface=""/>
-        <a:cs typeface=""/>
-        <a:font script="Jpan" typeface="ＭＳ Ｐゴシック"/>
-        <a:font script="Hang" typeface="맑은 고딕"/>
-        <a:font script="Hans" typeface="宋体"/>
-        <a:font script="Hant" typeface="新細明體"/>
-        <a:font script="Arab" typeface="Times New Roman"/>
-        <a:font script="Hebr" typeface="Times New Roman"/>
-        <a:font script="Thai" typeface="Angsana New"/>
-        <a:font script="Ethi" typeface="Nyala"/>
-        <a:font script="Beng" typeface="Vrinda"/>
-        <a:font script="Gujr" typeface="Shruti"/>
-        <a:font script="Khmr" typeface="MoolBoran"/>
-        <a:font script="Knda" typeface="Tunga"/>
-        <a:font script="Guru" typeface="Raavi"/>
-        <a:font script="Cans" typeface="Euphemia"/>
-        <a:font script="Cher" typeface="Plantagenet Cherokee"/>
-        <a:font script="Yiii" typeface="Microsoft Yi Baiti"/>
-        <a:font script="Tibt" typeface="Microsoft Himalaya"/>
-        <a:font script="Thaa" typeface="MV Boli"/>
-        <a:font script="Deva" typeface="Mangal"/>
-        <a:font script="Telu" typeface="Gautami"/>
-        <a:font script="Taml" typeface="Latha"/>
-        <a:font script="Syrc" typeface="Estrangelo Edessa"/>
-        <a:font script="Orya" typeface="Kalinga"/>
-        <a:font script="Mlym" typeface="Kartika"/>
-        <a:font script="Laoo" typeface="DokChampa"/>
-        <a:font script="Sinh" typeface="Iskoola Pota"/>
-        <a:font script="Mong" typeface="Mongolian Baiti"/>
-        <a:font script="Viet" typeface="Times New Roman"/>
-        <a:font script="Uigh" typeface="Microsoft Uighur"/>
-        <a:font script="Geor" typeface="Sylfaen"/>
-      </a:majorFont>
-      <a:minorFont>
-        <a:latin typeface="Arial"/>
-        <a:ea typeface=""/>
-        <a:cs typeface=""/>
-        <a:font script="Jpan" typeface="ＭＳ Ｐゴシック"/>
-        <a:font script="Hang" typeface="맑은 고딕"/>
-        <a:font script="Hans" typeface="宋体"/>
-        <a:font script="Hant" typeface="新細明體"/>
-        <a:font script="Arab" typeface="Arial"/>
-        <a:font script="Hebr" typeface="Arial"/>
-        <a:font script="Thai" typeface="Cordia New"/>
-        <a:font script="Ethi" typeface="Nyala"/>
-        <a:font script="Beng" typeface="Vrinda"/>
-        <a:font script="Gujr" typeface="Shruti"/>
-        <a:font script="Khmr" typeface="DaunPenh"/>
-        <a:font script="Knda" typeface="Tunga"/>
-        <a:font script="Guru" typeface="Raavi"/>
-        <a:font script="Cans" typeface="Euphemia"/>
-        <a:font script="Cher" typeface="Plantagenet Cherokee"/>
-        <a:font script="Yiii" typeface="Microsoft Yi Baiti"/>
-        <a:font script="Tibt" typeface="Microsoft Himalaya"/>
-        <a:font script="Thaa" typeface="MV Boli"/>
-        <a:font script="Deva" typeface="Mangal"/>
-        <a:font script="Telu" typeface="Gautami"/>
-        <a:font script="Taml" typeface="Latha"/>
-        <a:font script="Syrc" typeface="Estrangelo Edessa"/>
-        <a:font script="Orya" typeface="Kalinga"/>
-        <a:font script="Mlym" typeface="Kartika"/>
-        <a:font script="Laoo" typeface="DokChampa"/>
-        <a:font script="Sinh" typeface="Iskoola Pota"/>
-        <a:font script="Mong" typeface="Mongolian Baiti"/>
-        <a:font script="Viet" typeface="Arial"/>
-        <a:font script="Uigh" typeface="Microsoft Uighur"/>
-        <a:font script="Geor" typeface="Sylfaen"/>
-      </a:minorFont>
-    </a:fontScheme>
-    <a:fmtScheme name="Office">
-      <a:fillStyleLst>
-        <a:solidFill>
-          <a:schemeClr val="phClr"/>
-        </a:solidFill>
-        <a:gradFill rotWithShape="1">
-          <a:gsLst>
-            <a:gs pos="0">
-              <a:schemeClr val="phClr">
-                <a:tint val="50000"/>
-                <a:satMod val="300000"/>
-              </a:schemeClr>
-            </a:gs>
-            <a:gs pos="35000">
-              <a:schemeClr val="phClr">
-                <a:tint val="37000"/>
-                <a:satMod val="300000"/>
-              </a:schemeClr>
-            </a:gs>
-            <a:gs pos="100000">
-              <a:schemeClr val="phClr">
-                <a:tint val="15000"/>
-                <a:satMod val="350000"/>
-              </a:schemeClr>
-            </a:gs>
-          </a:gsLst>
-          <a:lin ang="16200000" scaled="1"/>
-        </a:gradFill>
-        <a:gradFill rotWithShape="1">
-          <a:gsLst>
-            <a:gs pos="0">
-              <a:schemeClr val="phClr">
-                <a:tint val="100000"/>
-                <a:shade val="100000"/>
-                <a:satMod val="130000"/>
-              </a:schemeClr>
-            </a:gs>
-            <a:gs pos="100000">
-              <a:schemeClr val="phClr">
-                <a:tint val="50000"/>
-                <a:shade val="100000"/>
-                <a:satMod val="350000"/>
-              </a:schemeClr>
-            </a:gs>
-          </a:gsLst>
-          <a:lin ang="16200000" scaled="0"/>
-        </a:gradFill>
-      </a:fillStyleLst>
-      <a:lnStyleLst>
-        <a:ln w="9525" cap="flat" cmpd="sng" algn="ctr">
-          <a:solidFill>
-            <a:schemeClr val="phClr">
-              <a:shade val="95000"/>
-              <a:satMod val="105000"/>
-            </a:schemeClr>
-          </a:solidFill>
-          <a:prstDash val="solid"/>
-        </a:ln>
-        <a:ln w="25400" cap="flat" cmpd="sng" algn="ctr">
-          <a:solidFill>
-            <a:schemeClr val="phClr"/>
-          </a:solidFill>
-          <a:prstDash val="solid"/>
-        </a:ln>
-        <a:ln w="38100" cap="flat" cmpd="sng" algn="ctr">
-          <a:solidFill>
-            <a:schemeClr val="phClr"/>
-          </a:solidFill>
-          <a:prstDash val="solid"/>
-        </a:ln>
-      </a:lnStyleLst>
-      <a:effectStyleLst>
-        <a:effectStyle>
-          <a:effectLst>
-            <a:outerShdw blurRad="40000" dist="20000" dir="5400000" rotWithShape="0">
-              <a:srgbClr val="000000">
-                <a:alpha val="38000"/>
-              </a:srgbClr>
-            </a:outerShdw>
-          </a:effectLst>
-        </a:effectStyle>
-        <a:effectStyle>
-          <a:effectLst>
-            <a:outerShdw blurRad="40000" dist="23000" dir="5400000" rotWithShape="0">
-              <a:srgbClr val="000000">
-                <a:alpha val="35000"/>
-              </a:srgbClr>
-            </a:outerShdw>
-          </a:effectLst>
-        </a:effectStyle>
-        <a:effectStyle>
-          <a:effectLst>
-            <a:outerShdw blurRad="40000" dist="23000" dir="5400000" rotWithShape="0">
-              <a:srgbClr val="000000">
-                <a:alpha val="35000"/>
-              </a:srgbClr>
-            </a:outerShdw>
-          </a:effectLst>
-          <a:scene3d>
-            <a:camera prst="orthographicFront">
-              <a:rot lat="0" lon="0" rev="0"/>
-            </a:camera>
-            <a:lightRig rig="threePt" dir="t">
-              <a:rot lat="0" lon="0" rev="1200000"/>
-            </a:lightRig>
-          </a:scene3d>
-          <a:sp3d>
-            <a:bevelT w="63500" h="25400"/>
-          </a:sp3d>
-        </a:effectStyle>
-      </a:effectStyleLst>
-      <a:bgFillStyleLst>
-        <a:solidFill>
-          <a:schemeClr val="phClr"/>
-        </a:solidFill>
-        <a:gradFill rotWithShape="1">
-          <a:gsLst>
-            <a:gs pos="0">
-              <a:schemeClr val="phClr">
-                <a:tint val="40000"/>
-                <a:satMod val="350000"/>
-              </a:schemeClr>
-            </a:gs>
-            <a:gs pos="40000">
-              <a:schemeClr val="phClr">
-                <a:tint val="45000"/>
-                <a:shade val="99000"/>
-                <a:satMod val="350000"/>
-              </a:schemeClr>
-            </a:gs>
-            <a:gs pos="100000">
-              <a:schemeClr val="phClr">
-                <a:shade val="20000"/>
-                <a:satMod val="255000"/>
-              </a:schemeClr>
-            </a:gs>
-          </a:gsLst>
-          <a:path path="circle">
-            <a:fillToRect l="50000" t="-80000" r="50000" b="180000"/>
-          </a:path>
-        </a:gradFill>
-        <a:gradFill rotWithShape="1">
-          <a:gsLst>
-            <a:gs pos="0">
-              <a:schemeClr val="phClr">
-                <a:tint val="80000"/>
-                <a:satMod val="300000"/>
-              </a:schemeClr>
-            </a:gs>
-            <a:gs pos="100000">
-              <a:schemeClr val="phClr">
-                <a:shade val="30000"/>
-                <a:satMod val="200000"/>
-              </a:schemeClr>
-            </a:gs>
-          </a:gsLst>
-          <a:path path="circle">
-            <a:fillToRect l="50000" t="50000" r="50000" b="50000"/>
-          </a:path>
-        </a:gradFill>
-      </a:bgFillStyleLst>
-    </a:fmtScheme>
-  </a:themeElements>
-  <a:objectDefaults/>
-  <a:extraClrSchemeLst/>
 </a:theme>
 </file>